--- a/Solution Overview for Business Audiences/Interactive Voice Response Bot - At a Glance.pptx
+++ b/Solution Overview for Business Audiences/Interactive Voice Response Bot - At a Glance.pptx
@@ -139,6 +139,10 @@
 </p:cmAuthorLst>
 </file>
 
+<file path=ppt/revisionInfo.xml><?xml version="1.0" encoding="utf-8"?>
+<p1510:revInfo xmlns:a="http://schemas.openxmlformats.org/drawingml/2006/main" xmlns:r="http://schemas.openxmlformats.org/officeDocument/2006/relationships" xmlns:p1510="http://schemas.microsoft.com/office/powerpoint/2015/10/main"/>
+</file>
+
 <file path=ppt/changesInfos/changesInfo1.xml><?xml version="1.0" encoding="utf-8"?>
 <pc:chgInfo xmlns:a="http://schemas.openxmlformats.org/drawingml/2006/main" xmlns:r="http://schemas.openxmlformats.org/officeDocument/2006/relationships" xmlns:ac="http://schemas.microsoft.com/office/drawing/2013/main/command" xmlns:pc="http://schemas.microsoft.com/office/powerpoint/2013/main/command">
   <pc:docChgLst>
@@ -154,12 +158,516 @@
           <pc:docMk/>
           <pc:sldMk cId="2607604023" sldId="262"/>
         </pc:sldMkLst>
+        <pc:spChg chg="mod">
+          <ac:chgData name="Eric Lunnin (Kforce)" userId="39584a29-d273-41cd-a0f9-2fd8cc174408" providerId="ADAL" clId="{8DF20FB4-2064-4904-8D09-E2A806D7AC74}" dt="2017-05-25T17:34:44.174" v="700" actId="14100"/>
+          <ac:spMkLst>
+            <pc:docMk/>
+            <pc:sldMk cId="2607604023" sldId="262"/>
+            <ac:spMk id="7" creationId="{00000000-0000-0000-0000-000000000000}"/>
+          </ac:spMkLst>
+        </pc:spChg>
+        <pc:spChg chg="del mod topLvl">
+          <ac:chgData name="Eric Lunnin (Kforce)" userId="39584a29-d273-41cd-a0f9-2fd8cc174408" providerId="ADAL" clId="{8DF20FB4-2064-4904-8D09-E2A806D7AC74}" dt="2017-05-25T18:22:02.955" v="1392" actId="478"/>
+          <ac:spMkLst>
+            <pc:docMk/>
+            <pc:sldMk cId="2607604023" sldId="262"/>
+            <ac:spMk id="26" creationId="{54A2ED02-324D-4D7C-87AA-68CFCE2A32B7}"/>
+          </ac:spMkLst>
+        </pc:spChg>
+        <pc:spChg chg="add del mod topLvl">
+          <ac:chgData name="Eric Lunnin (Kforce)" userId="39584a29-d273-41cd-a0f9-2fd8cc174408" providerId="ADAL" clId="{8DF20FB4-2064-4904-8D09-E2A806D7AC74}" dt="2017-05-25T18:22:13.517" v="1395" actId="478"/>
+          <ac:spMkLst>
+            <pc:docMk/>
+            <pc:sldMk cId="2607604023" sldId="262"/>
+            <ac:spMk id="27" creationId="{D2F57DD0-2763-4299-BE61-96D753CD47EB}"/>
+          </ac:spMkLst>
+        </pc:spChg>
+        <pc:spChg chg="del mod topLvl">
+          <ac:chgData name="Eric Lunnin (Kforce)" userId="39584a29-d273-41cd-a0f9-2fd8cc174408" providerId="ADAL" clId="{8DF20FB4-2064-4904-8D09-E2A806D7AC74}" dt="2017-05-25T18:22:26.478" v="1399" actId="478"/>
+          <ac:spMkLst>
+            <pc:docMk/>
+            <pc:sldMk cId="2607604023" sldId="262"/>
+            <ac:spMk id="29" creationId="{CFA75157-2808-4527-B440-4A0D1FDB3593}"/>
+          </ac:spMkLst>
+        </pc:spChg>
+        <pc:spChg chg="del mod topLvl">
+          <ac:chgData name="Eric Lunnin (Kforce)" userId="39584a29-d273-41cd-a0f9-2fd8cc174408" providerId="ADAL" clId="{8DF20FB4-2064-4904-8D09-E2A806D7AC74}" dt="2017-05-25T18:22:31.628" v="1401" actId="478"/>
+          <ac:spMkLst>
+            <pc:docMk/>
+            <pc:sldMk cId="2607604023" sldId="262"/>
+            <ac:spMk id="30" creationId="{22C0BD17-64BB-4AFD-BF94-63B7BEE1AAA5}"/>
+          </ac:spMkLst>
+        </pc:spChg>
+        <pc:spChg chg="add mod">
+          <ac:chgData name="Eric Lunnin (Kforce)" userId="39584a29-d273-41cd-a0f9-2fd8cc174408" providerId="ADAL" clId="{8DF20FB4-2064-4904-8D09-E2A806D7AC74}" dt="2017-05-25T18:52:44.052" v="1702"/>
+          <ac:spMkLst>
+            <pc:docMk/>
+            <pc:sldMk cId="2607604023" sldId="262"/>
+            <ac:spMk id="99" creationId="{0ABCCF78-8430-4D83-83A7-4C6D94892C40}"/>
+          </ac:spMkLst>
+        </pc:spChg>
+        <pc:spChg chg="add mod">
+          <ac:chgData name="Eric Lunnin (Kforce)" userId="39584a29-d273-41cd-a0f9-2fd8cc174408" providerId="ADAL" clId="{8DF20FB4-2064-4904-8D09-E2A806D7AC74}" dt="2017-05-25T18:56:04.411" v="1857"/>
+          <ac:spMkLst>
+            <pc:docMk/>
+            <pc:sldMk cId="2607604023" sldId="262"/>
+            <ac:spMk id="100" creationId="{F3C54A51-2933-43C6-BDED-24A31392F009}"/>
+          </ac:spMkLst>
+        </pc:spChg>
+        <pc:spChg chg="del">
+          <ac:chgData name="Eric Lunnin (Kforce)" userId="39584a29-d273-41cd-a0f9-2fd8cc174408" providerId="ADAL" clId="{8DF20FB4-2064-4904-8D09-E2A806D7AC74}" dt="2017-05-25T17:37:05.239" v="863" actId="478"/>
+          <ac:spMkLst>
+            <pc:docMk/>
+            <pc:sldMk cId="2607604023" sldId="262"/>
+            <ac:spMk id="104" creationId="{00000000-0000-0000-0000-000000000000}"/>
+          </ac:spMkLst>
+        </pc:spChg>
+        <pc:spChg chg="del mod topLvl">
+          <ac:chgData name="Eric Lunnin (Kforce)" userId="39584a29-d273-41cd-a0f9-2fd8cc174408" providerId="ADAL" clId="{8DF20FB4-2064-4904-8D09-E2A806D7AC74}" dt="2017-05-25T18:38:28.716" v="1465" actId="478"/>
+          <ac:spMkLst>
+            <pc:docMk/>
+            <pc:sldMk cId="2607604023" sldId="262"/>
+            <ac:spMk id="105" creationId="{C4F8048A-17F7-4688-B480-3A51455B6195}"/>
+          </ac:spMkLst>
+        </pc:spChg>
+        <pc:spChg chg="add del mod topLvl">
+          <ac:chgData name="Eric Lunnin (Kforce)" userId="39584a29-d273-41cd-a0f9-2fd8cc174408" providerId="ADAL" clId="{8DF20FB4-2064-4904-8D09-E2A806D7AC74}" dt="2017-05-25T18:38:16.432" v="1464" actId="478"/>
+          <ac:spMkLst>
+            <pc:docMk/>
+            <pc:sldMk cId="2607604023" sldId="262"/>
+            <ac:spMk id="106" creationId="{61608114-194C-4B39-9D88-A7FAD7E89C03}"/>
+          </ac:spMkLst>
+        </pc:spChg>
+        <pc:spChg chg="del mod topLvl">
+          <ac:chgData name="Eric Lunnin (Kforce)" userId="39584a29-d273-41cd-a0f9-2fd8cc174408" providerId="ADAL" clId="{8DF20FB4-2064-4904-8D09-E2A806D7AC74}" dt="2017-05-25T18:54:37.808" v="1731" actId="478"/>
+          <ac:spMkLst>
+            <pc:docMk/>
+            <pc:sldMk cId="2607604023" sldId="262"/>
+            <ac:spMk id="107" creationId="{0094E644-8C7D-402E-8CA7-EC8ED0040AE9}"/>
+          </ac:spMkLst>
+        </pc:spChg>
+        <pc:spChg chg="add mod">
+          <ac:chgData name="Eric Lunnin (Kforce)" userId="39584a29-d273-41cd-a0f9-2fd8cc174408" providerId="ADAL" clId="{8DF20FB4-2064-4904-8D09-E2A806D7AC74}" dt="2017-05-25T18:40:51.876" v="1483" actId="368"/>
+          <ac:spMkLst>
+            <pc:docMk/>
+            <pc:sldMk cId="2607604023" sldId="262"/>
+            <ac:spMk id="108" creationId="{D0EFF7B1-A295-4F45-BA4D-265F03A3BC16}"/>
+          </ac:spMkLst>
+        </pc:spChg>
+        <pc:spChg chg="add del mod">
+          <ac:chgData name="Eric Lunnin (Kforce)" userId="39584a29-d273-41cd-a0f9-2fd8cc174408" providerId="ADAL" clId="{8DF20FB4-2064-4904-8D09-E2A806D7AC74}" dt="2017-05-25T18:41:27.468" v="1489"/>
+          <ac:spMkLst>
+            <pc:docMk/>
+            <pc:sldMk cId="2607604023" sldId="262"/>
+            <ac:spMk id="110" creationId="{5590B0A6-70C1-49BD-90FD-43E6A1C159BC}"/>
+          </ac:spMkLst>
+        </pc:spChg>
         <pc:spChg chg="add mod topLvl">
-          <ac:chgData name="Eric Lunnin (Kforce)" userId="39584a29-d273-41cd-a0f9-2fd8cc174408" providerId="ADAL" clId="{8DF20FB4-2064-4904-8D09-E2A806D7AC74}" dt="2017-05-25T18:52:57.689" v="1713" actId="0"/>
+          <ac:chgData name="Eric Lunnin (Kforce)" userId="39584a29-d273-41cd-a0f9-2fd8cc174408" providerId="ADAL" clId="{8DF20FB4-2064-4904-8D09-E2A806D7AC74}" dt="2017-05-25T18:52:57.689" v="1713"/>
           <ac:spMkLst>
             <pc:docMk/>
             <pc:sldMk cId="2607604023" sldId="262"/>
             <ac:spMk id="111" creationId="{8EA90879-6640-4116-B80B-7418F8AE3CA2}"/>
+          </ac:spMkLst>
+        </pc:spChg>
+        <pc:spChg chg="del mod topLvl">
+          <ac:chgData name="Eric Lunnin (Kforce)" userId="39584a29-d273-41cd-a0f9-2fd8cc174408" providerId="ADAL" clId="{8DF20FB4-2064-4904-8D09-E2A806D7AC74}" dt="2017-05-25T18:45:09.208" v="1541" actId="478"/>
+          <ac:spMkLst>
+            <pc:docMk/>
+            <pc:sldMk cId="2607604023" sldId="262"/>
+            <ac:spMk id="113" creationId="{94C31F03-4B16-4BBB-ADA2-7808ECEB3E1F}"/>
+          </ac:spMkLst>
+        </pc:spChg>
+        <pc:spChg chg="del mod topLvl">
+          <ac:chgData name="Eric Lunnin (Kforce)" userId="39584a29-d273-41cd-a0f9-2fd8cc174408" providerId="ADAL" clId="{8DF20FB4-2064-4904-8D09-E2A806D7AC74}" dt="2017-05-25T18:45:09.208" v="1541" actId="478"/>
+          <ac:spMkLst>
+            <pc:docMk/>
+            <pc:sldMk cId="2607604023" sldId="262"/>
+            <ac:spMk id="114" creationId="{519A1323-DC34-4ECD-B918-355760C95774}"/>
+          </ac:spMkLst>
+        </pc:spChg>
+        <pc:spChg chg="del mod topLvl">
+          <ac:chgData name="Eric Lunnin (Kforce)" userId="39584a29-d273-41cd-a0f9-2fd8cc174408" providerId="ADAL" clId="{8DF20FB4-2064-4904-8D09-E2A806D7AC74}" dt="2017-05-25T18:45:09.208" v="1541" actId="478"/>
+          <ac:spMkLst>
+            <pc:docMk/>
+            <pc:sldMk cId="2607604023" sldId="262"/>
+            <ac:spMk id="115" creationId="{0EE435F0-E4C5-4B64-AB82-A94F820393E5}"/>
+          </ac:spMkLst>
+        </pc:spChg>
+        <pc:spChg chg="del mod topLvl">
+          <ac:chgData name="Eric Lunnin (Kforce)" userId="39584a29-d273-41cd-a0f9-2fd8cc174408" providerId="ADAL" clId="{8DF20FB4-2064-4904-8D09-E2A806D7AC74}" dt="2017-05-25T18:45:09.208" v="1541" actId="478"/>
+          <ac:spMkLst>
+            <pc:docMk/>
+            <pc:sldMk cId="2607604023" sldId="262"/>
+            <ac:spMk id="116" creationId="{81440105-A0F0-477F-A4FF-C2718D308DF8}"/>
+          </ac:spMkLst>
+        </pc:spChg>
+        <pc:spChg chg="del mod topLvl">
+          <ac:chgData name="Eric Lunnin (Kforce)" userId="39584a29-d273-41cd-a0f9-2fd8cc174408" providerId="ADAL" clId="{8DF20FB4-2064-4904-8D09-E2A806D7AC74}" dt="2017-05-25T18:46:39.272" v="1546" actId="478"/>
+          <ac:spMkLst>
+            <pc:docMk/>
+            <pc:sldMk cId="2607604023" sldId="262"/>
+            <ac:spMk id="120" creationId="{F6FF5344-805A-48FE-A33D-92726D8D8DAF}"/>
+          </ac:spMkLst>
+        </pc:spChg>
+        <pc:spChg chg="del mod topLvl">
+          <ac:chgData name="Eric Lunnin (Kforce)" userId="39584a29-d273-41cd-a0f9-2fd8cc174408" providerId="ADAL" clId="{8DF20FB4-2064-4904-8D09-E2A806D7AC74}" dt="2017-05-25T18:46:39.272" v="1546" actId="478"/>
+          <ac:spMkLst>
+            <pc:docMk/>
+            <pc:sldMk cId="2607604023" sldId="262"/>
+            <ac:spMk id="121" creationId="{4791B9D1-0B46-4B24-AA46-54D92F389E37}"/>
+          </ac:spMkLst>
+        </pc:spChg>
+        <pc:spChg chg="mod topLvl">
+          <ac:chgData name="Eric Lunnin (Kforce)" userId="39584a29-d273-41cd-a0f9-2fd8cc174408" providerId="ADAL" clId="{8DF20FB4-2064-4904-8D09-E2A806D7AC74}" dt="2017-05-25T18:52:57.689" v="1713"/>
+          <ac:spMkLst>
+            <pc:docMk/>
+            <pc:sldMk cId="2607604023" sldId="262"/>
+            <ac:spMk id="122" creationId="{6A0FAED3-871D-4392-B8CA-16BC662644F8}"/>
+          </ac:spMkLst>
+        </pc:spChg>
+        <pc:spChg chg="del mod topLvl">
+          <ac:chgData name="Eric Lunnin (Kforce)" userId="39584a29-d273-41cd-a0f9-2fd8cc174408" providerId="ADAL" clId="{8DF20FB4-2064-4904-8D09-E2A806D7AC74}" dt="2017-05-25T18:49:40.913" v="1653" actId="478"/>
+          <ac:spMkLst>
+            <pc:docMk/>
+            <pc:sldMk cId="2607604023" sldId="262"/>
+            <ac:spMk id="125" creationId="{EE5521E8-2F1B-4D08-AA58-3B7867256E42}"/>
+          </ac:spMkLst>
+        </pc:spChg>
+        <pc:spChg chg="mod topLvl">
+          <ac:chgData name="Eric Lunnin (Kforce)" userId="39584a29-d273-41cd-a0f9-2fd8cc174408" providerId="ADAL" clId="{8DF20FB4-2064-4904-8D09-E2A806D7AC74}" dt="2017-05-25T18:53:04.077" v="1714"/>
+          <ac:spMkLst>
+            <pc:docMk/>
+            <pc:sldMk cId="2607604023" sldId="262"/>
+            <ac:spMk id="126" creationId="{5F49A2EF-E749-484D-BF6D-541A34742C25}"/>
+          </ac:spMkLst>
+        </pc:spChg>
+        <pc:spChg chg="del mod topLvl">
+          <ac:chgData name="Eric Lunnin (Kforce)" userId="39584a29-d273-41cd-a0f9-2fd8cc174408" providerId="ADAL" clId="{8DF20FB4-2064-4904-8D09-E2A806D7AC74}" dt="2017-05-25T18:49:57.107" v="1658" actId="478"/>
+          <ac:spMkLst>
+            <pc:docMk/>
+            <pc:sldMk cId="2607604023" sldId="262"/>
+            <ac:spMk id="139" creationId="{DEC262AE-5899-4BC9-BEBC-07A2F5BA34CA}"/>
+          </ac:spMkLst>
+        </pc:spChg>
+        <pc:spChg chg="mod topLvl">
+          <ac:chgData name="Eric Lunnin (Kforce)" userId="39584a29-d273-41cd-a0f9-2fd8cc174408" providerId="ADAL" clId="{8DF20FB4-2064-4904-8D09-E2A806D7AC74}" dt="2017-05-25T18:50:00.352" v="1659"/>
+          <ac:spMkLst>
+            <pc:docMk/>
+            <pc:sldMk cId="2607604023" sldId="262"/>
+            <ac:spMk id="182" creationId="{276D763D-1119-477A-9620-B5E00BA51573}"/>
+          </ac:spMkLst>
+        </pc:spChg>
+        <pc:spChg chg="mod topLvl">
+          <ac:chgData name="Eric Lunnin (Kforce)" userId="39584a29-d273-41cd-a0f9-2fd8cc174408" providerId="ADAL" clId="{8DF20FB4-2064-4904-8D09-E2A806D7AC74}" dt="2017-05-25T18:50:00.352" v="1659"/>
+          <ac:spMkLst>
+            <pc:docMk/>
+            <pc:sldMk cId="2607604023" sldId="262"/>
+            <ac:spMk id="185" creationId="{1CC48346-648E-46EF-A230-D605A320B811}"/>
+          </ac:spMkLst>
+        </pc:spChg>
+        <pc:spChg chg="mod topLvl">
+          <ac:chgData name="Eric Lunnin (Kforce)" userId="39584a29-d273-41cd-a0f9-2fd8cc174408" providerId="ADAL" clId="{8DF20FB4-2064-4904-8D09-E2A806D7AC74}" dt="2017-05-25T18:50:08.980" v="1664"/>
+          <ac:spMkLst>
+            <pc:docMk/>
+            <pc:sldMk cId="2607604023" sldId="262"/>
+            <ac:spMk id="186" creationId="{10B41069-568A-4527-BD38-E721ACAFC6EE}"/>
+          </ac:spMkLst>
+        </pc:spChg>
+        <pc:spChg chg="del">
+          <ac:chgData name="Eric Lunnin (Kforce)" userId="39584a29-d273-41cd-a0f9-2fd8cc174408" providerId="ADAL" clId="{8DF20FB4-2064-4904-8D09-E2A806D7AC74}" dt="2017-05-25T17:37:05.239" v="863" actId="478"/>
+          <ac:spMkLst>
+            <pc:docMk/>
+            <pc:sldMk cId="2607604023" sldId="262"/>
+            <ac:spMk id="202" creationId="{00000000-0000-0000-0000-000000000000}"/>
+          </ac:spMkLst>
+        </pc:spChg>
+        <pc:spChg chg="del mod topLvl">
+          <ac:chgData name="Eric Lunnin (Kforce)" userId="39584a29-d273-41cd-a0f9-2fd8cc174408" providerId="ADAL" clId="{8DF20FB4-2064-4904-8D09-E2A806D7AC74}" dt="2017-05-25T18:59:05.678" v="1881" actId="478"/>
+          <ac:spMkLst>
+            <pc:docMk/>
+            <pc:sldMk cId="2607604023" sldId="262"/>
+            <ac:spMk id="208" creationId="{9EFE2269-8F5F-455D-802A-5A2060817A7B}"/>
+          </ac:spMkLst>
+        </pc:spChg>
+        <pc:spChg chg="mod topLvl">
+          <ac:chgData name="Eric Lunnin (Kforce)" userId="39584a29-d273-41cd-a0f9-2fd8cc174408" providerId="ADAL" clId="{8DF20FB4-2064-4904-8D09-E2A806D7AC74}" dt="2017-05-25T18:59:32.461" v="1887" actId="1076"/>
+          <ac:spMkLst>
+            <pc:docMk/>
+            <pc:sldMk cId="2607604023" sldId="262"/>
+            <ac:spMk id="209" creationId="{472B9CC3-7878-4A2F-8C9C-3D823097964F}"/>
+          </ac:spMkLst>
+        </pc:spChg>
+        <pc:spChg chg="del mod topLvl">
+          <ac:chgData name="Eric Lunnin (Kforce)" userId="39584a29-d273-41cd-a0f9-2fd8cc174408" providerId="ADAL" clId="{8DF20FB4-2064-4904-8D09-E2A806D7AC74}" dt="2017-05-25T19:00:09.978" v="1896" actId="478"/>
+          <ac:spMkLst>
+            <pc:docMk/>
+            <pc:sldMk cId="2607604023" sldId="262"/>
+            <ac:spMk id="211" creationId="{9A696397-0E67-49A3-B7DE-FBB71FF903A6}"/>
+          </ac:spMkLst>
+        </pc:spChg>
+        <pc:spChg chg="mod topLvl">
+          <ac:chgData name="Eric Lunnin (Kforce)" userId="39584a29-d273-41cd-a0f9-2fd8cc174408" providerId="ADAL" clId="{8DF20FB4-2064-4904-8D09-E2A806D7AC74}" dt="2017-05-25T19:00:16.673" v="1897"/>
+          <ac:spMkLst>
+            <pc:docMk/>
+            <pc:sldMk cId="2607604023" sldId="262"/>
+            <ac:spMk id="212" creationId="{0562808D-0E1C-4F5F-9BB3-5E86561266D2}"/>
+          </ac:spMkLst>
+        </pc:spChg>
+        <pc:spChg chg="add mod">
+          <ac:chgData name="Eric Lunnin (Kforce)" userId="39584a29-d273-41cd-a0f9-2fd8cc174408" providerId="ADAL" clId="{8DF20FB4-2064-4904-8D09-E2A806D7AC74}" dt="2017-05-25T18:40:51.876" v="1483" actId="368"/>
+          <ac:spMkLst>
+            <pc:docMk/>
+            <pc:sldMk cId="2607604023" sldId="262"/>
+            <ac:spMk id="234" creationId="{E8A05E4D-EC47-4F87-A504-D38375ACBAAF}"/>
+          </ac:spMkLst>
+        </pc:spChg>
+        <pc:spChg chg="add mod">
+          <ac:chgData name="Eric Lunnin (Kforce)" userId="39584a29-d273-41cd-a0f9-2fd8cc174408" providerId="ADAL" clId="{8DF20FB4-2064-4904-8D09-E2A806D7AC74}" dt="2017-05-25T18:40:51.876" v="1483" actId="368"/>
+          <ac:spMkLst>
+            <pc:docMk/>
+            <pc:sldMk cId="2607604023" sldId="262"/>
+            <ac:spMk id="235" creationId="{069E2061-C04B-40A8-BFFE-B849612C5180}"/>
+          </ac:spMkLst>
+        </pc:spChg>
+        <pc:spChg chg="mod ord topLvl">
+          <ac:chgData name="Eric Lunnin (Kforce)" userId="39584a29-d273-41cd-a0f9-2fd8cc174408" providerId="ADAL" clId="{8DF20FB4-2064-4904-8D09-E2A806D7AC74}" dt="2017-05-25T18:53:04.077" v="1714"/>
+          <ac:spMkLst>
+            <pc:docMk/>
+            <pc:sldMk cId="2607604023" sldId="262"/>
+            <ac:spMk id="252" creationId="{1A1A1B12-EE5F-4513-8090-7E5A08A600C2}"/>
+          </ac:spMkLst>
+        </pc:spChg>
+        <pc:spChg chg="del mod topLvl">
+          <ac:chgData name="Eric Lunnin (Kforce)" userId="39584a29-d273-41cd-a0f9-2fd8cc174408" providerId="ADAL" clId="{8DF20FB4-2064-4904-8D09-E2A806D7AC74}" dt="2017-05-25T18:48:44.937" v="1644" actId="478"/>
+          <ac:spMkLst>
+            <pc:docMk/>
+            <pc:sldMk cId="2607604023" sldId="262"/>
+            <ac:spMk id="253" creationId="{A23EBFAA-641E-4B47-9B9C-ED603F55F0A1}"/>
+          </ac:spMkLst>
+        </pc:spChg>
+        <pc:spChg chg="mod topLvl">
+          <ac:chgData name="Eric Lunnin (Kforce)" userId="39584a29-d273-41cd-a0f9-2fd8cc174408" providerId="ADAL" clId="{8DF20FB4-2064-4904-8D09-E2A806D7AC74}" dt="2017-05-25T18:53:08.379" v="1715"/>
+          <ac:spMkLst>
+            <pc:docMk/>
+            <pc:sldMk cId="2607604023" sldId="262"/>
+            <ac:spMk id="255" creationId="{F8E02DF6-A2AB-4A71-829C-ABA09C34A2E0}"/>
+          </ac:spMkLst>
+        </pc:spChg>
+        <pc:spChg chg="mod">
+          <ac:chgData name="Eric Lunnin (Kforce)" userId="39584a29-d273-41cd-a0f9-2fd8cc174408" providerId="ADAL" clId="{8DF20FB4-2064-4904-8D09-E2A806D7AC74}" dt="2017-05-25T17:38:38.380" v="881" actId="20577"/>
+          <ac:spMkLst>
+            <pc:docMk/>
+            <pc:sldMk cId="2607604023" sldId="262"/>
+            <ac:spMk id="256" creationId="{00000000-0000-0000-0000-000000000000}"/>
+          </ac:spMkLst>
+        </pc:spChg>
+        <pc:spChg chg="del mod topLvl">
+          <ac:chgData name="Eric Lunnin (Kforce)" userId="39584a29-d273-41cd-a0f9-2fd8cc174408" providerId="ADAL" clId="{8DF20FB4-2064-4904-8D09-E2A806D7AC74}" dt="2017-05-25T18:50:37.781" v="1686" actId="478"/>
+          <ac:spMkLst>
+            <pc:docMk/>
+            <pc:sldMk cId="2607604023" sldId="262"/>
+            <ac:spMk id="257" creationId="{B3A81D37-0C1B-4C59-8DBC-524E9A47D339}"/>
+          </ac:spMkLst>
+        </pc:spChg>
+        <pc:spChg chg="mod ord topLvl">
+          <ac:chgData name="Eric Lunnin (Kforce)" userId="39584a29-d273-41cd-a0f9-2fd8cc174408" providerId="ADAL" clId="{8DF20FB4-2064-4904-8D09-E2A806D7AC74}" dt="2017-05-25T18:52:44.052" v="1702"/>
+          <ac:spMkLst>
+            <pc:docMk/>
+            <pc:sldMk cId="2607604023" sldId="262"/>
+            <ac:spMk id="259" creationId="{8A844BF3-976C-46E6-B79B-4B186C27E115}"/>
+          </ac:spMkLst>
+        </pc:spChg>
+        <pc:spChg chg="mod">
+          <ac:chgData name="Eric Lunnin (Kforce)" userId="39584a29-d273-41cd-a0f9-2fd8cc174408" providerId="ADAL" clId="{8DF20FB4-2064-4904-8D09-E2A806D7AC74}" dt="2017-05-25T17:37:12.734" v="865" actId="20577"/>
+          <ac:spMkLst>
+            <pc:docMk/>
+            <pc:sldMk cId="2607604023" sldId="262"/>
+            <ac:spMk id="262" creationId="{00000000-0000-0000-0000-000000000000}"/>
+          </ac:spMkLst>
+        </pc:spChg>
+        <pc:spChg chg="del mod topLvl">
+          <ac:chgData name="Eric Lunnin (Kforce)" userId="39584a29-d273-41cd-a0f9-2fd8cc174408" providerId="ADAL" clId="{8DF20FB4-2064-4904-8D09-E2A806D7AC74}" dt="2017-05-25T18:52:03.070" v="1699" actId="478"/>
+          <ac:spMkLst>
+            <pc:docMk/>
+            <pc:sldMk cId="2607604023" sldId="262"/>
+            <ac:spMk id="263" creationId="{9AC240CC-3BA8-46EC-B3EB-0A0437ECB78C}"/>
+          </ac:spMkLst>
+        </pc:spChg>
+        <pc:spChg chg="mod">
+          <ac:chgData name="Eric Lunnin (Kforce)" userId="39584a29-d273-41cd-a0f9-2fd8cc174408" providerId="ADAL" clId="{8DF20FB4-2064-4904-8D09-E2A806D7AC74}" dt="2017-05-25T17:36:41.479" v="861" actId="1035"/>
+          <ac:spMkLst>
+            <pc:docMk/>
+            <pc:sldMk cId="2607604023" sldId="262"/>
+            <ac:spMk id="273" creationId="{00000000-0000-0000-0000-000000000000}"/>
+          </ac:spMkLst>
+        </pc:spChg>
+        <pc:spChg chg="mod">
+          <ac:chgData name="Eric Lunnin (Kforce)" userId="39584a29-d273-41cd-a0f9-2fd8cc174408" providerId="ADAL" clId="{8DF20FB4-2064-4904-8D09-E2A806D7AC74}" dt="2017-05-25T17:36:41.479" v="861" actId="1035"/>
+          <ac:spMkLst>
+            <pc:docMk/>
+            <pc:sldMk cId="2607604023" sldId="262"/>
+            <ac:spMk id="274" creationId="{00000000-0000-0000-0000-000000000000}"/>
+          </ac:spMkLst>
+        </pc:spChg>
+        <pc:spChg chg="mod topLvl">
+          <ac:chgData name="Eric Lunnin (Kforce)" userId="39584a29-d273-41cd-a0f9-2fd8cc174408" providerId="ADAL" clId="{8DF20FB4-2064-4904-8D09-E2A806D7AC74}" dt="2017-05-25T18:59:40.095" v="1889"/>
+          <ac:spMkLst>
+            <pc:docMk/>
+            <pc:sldMk cId="2607604023" sldId="262"/>
+            <ac:spMk id="276" creationId="{F798B2C1-A12B-4AAC-81BF-7D13EFE8254D}"/>
+          </ac:spMkLst>
+        </pc:spChg>
+        <pc:spChg chg="del mod topLvl">
+          <ac:chgData name="Eric Lunnin (Kforce)" userId="39584a29-d273-41cd-a0f9-2fd8cc174408" providerId="ADAL" clId="{8DF20FB4-2064-4904-8D09-E2A806D7AC74}" dt="2017-05-25T18:59:49.875" v="1891" actId="478"/>
+          <ac:spMkLst>
+            <pc:docMk/>
+            <pc:sldMk cId="2607604023" sldId="262"/>
+            <ac:spMk id="278" creationId="{EFA5702A-B42A-4A37-BCEA-C83A0F102B07}"/>
+          </ac:spMkLst>
+        </pc:spChg>
+        <pc:spChg chg="mod">
+          <ac:chgData name="Eric Lunnin (Kforce)" userId="39584a29-d273-41cd-a0f9-2fd8cc174408" providerId="ADAL" clId="{8DF20FB4-2064-4904-8D09-E2A806D7AC74}" dt="2017-05-25T17:36:41.479" v="861" actId="1035"/>
+          <ac:spMkLst>
+            <pc:docMk/>
+            <pc:sldMk cId="2607604023" sldId="262"/>
+            <ac:spMk id="297" creationId="{00000000-0000-0000-0000-000000000000}"/>
+          </ac:spMkLst>
+        </pc:spChg>
+        <pc:spChg chg="del">
+          <ac:chgData name="Eric Lunnin (Kforce)" userId="39584a29-d273-41cd-a0f9-2fd8cc174408" providerId="ADAL" clId="{8DF20FB4-2064-4904-8D09-E2A806D7AC74}" dt="2017-05-25T17:33:18.113" v="635" actId="478"/>
+          <ac:spMkLst>
+            <pc:docMk/>
+            <pc:sldMk cId="2607604023" sldId="262"/>
+            <ac:spMk id="299" creationId="{00000000-0000-0000-0000-000000000000}"/>
+          </ac:spMkLst>
+        </pc:spChg>
+        <pc:spChg chg="mod">
+          <ac:chgData name="Eric Lunnin (Kforce)" userId="39584a29-d273-41cd-a0f9-2fd8cc174408" providerId="ADAL" clId="{8DF20FB4-2064-4904-8D09-E2A806D7AC74}" dt="2017-05-25T17:34:28.952" v="699" actId="1035"/>
+          <ac:spMkLst>
+            <pc:docMk/>
+            <pc:sldMk cId="2607604023" sldId="262"/>
+            <ac:spMk id="305" creationId="{00000000-0000-0000-0000-000000000000}"/>
+          </ac:spMkLst>
+        </pc:spChg>
+        <pc:spChg chg="mod topLvl">
+          <ac:chgData name="Eric Lunnin (Kforce)" userId="39584a29-d273-41cd-a0f9-2fd8cc174408" providerId="ADAL" clId="{8DF20FB4-2064-4904-8D09-E2A806D7AC74}" dt="2017-05-25T18:56:04.411" v="1857"/>
+          <ac:spMkLst>
+            <pc:docMk/>
+            <pc:sldMk cId="2607604023" sldId="262"/>
+            <ac:spMk id="312" creationId="{9C138E49-7E44-44CF-B771-35044CBEFB0D}"/>
+          </ac:spMkLst>
+        </pc:spChg>
+        <pc:spChg chg="del mod topLvl">
+          <ac:chgData name="Eric Lunnin (Kforce)" userId="39584a29-d273-41cd-a0f9-2fd8cc174408" providerId="ADAL" clId="{8DF20FB4-2064-4904-8D09-E2A806D7AC74}" dt="2017-05-25T18:55:41.337" v="1854" actId="478"/>
+          <ac:spMkLst>
+            <pc:docMk/>
+            <pc:sldMk cId="2607604023" sldId="262"/>
+            <ac:spMk id="313" creationId="{5A1278E2-9011-4907-A510-FD8257DAA151}"/>
+          </ac:spMkLst>
+        </pc:spChg>
+        <pc:spChg chg="mod topLvl">
+          <ac:chgData name="Eric Lunnin (Kforce)" userId="39584a29-d273-41cd-a0f9-2fd8cc174408" providerId="ADAL" clId="{8DF20FB4-2064-4904-8D09-E2A806D7AC74}" dt="2017-05-25T18:57:29.070" v="1867" actId="692"/>
+          <ac:spMkLst>
+            <pc:docMk/>
+            <pc:sldMk cId="2607604023" sldId="262"/>
+            <ac:spMk id="315" creationId="{3996F53C-813C-462A-BE0C-EBF08323623A}"/>
+          </ac:spMkLst>
+        </pc:spChg>
+        <pc:spChg chg="del mod topLvl">
+          <ac:chgData name="Eric Lunnin (Kforce)" userId="39584a29-d273-41cd-a0f9-2fd8cc174408" providerId="ADAL" clId="{8DF20FB4-2064-4904-8D09-E2A806D7AC74}" dt="2017-05-25T18:56:28.431" v="1864" actId="478"/>
+          <ac:spMkLst>
+            <pc:docMk/>
+            <pc:sldMk cId="2607604023" sldId="262"/>
+            <ac:spMk id="316" creationId="{AA403580-677D-4A17-9627-F4345DDCA321}"/>
+          </ac:spMkLst>
+        </pc:spChg>
+        <pc:spChg chg="mod topLvl">
+          <ac:chgData name="Eric Lunnin (Kforce)" userId="39584a29-d273-41cd-a0f9-2fd8cc174408" providerId="ADAL" clId="{8DF20FB4-2064-4904-8D09-E2A806D7AC74}" dt="2017-05-25T18:57:57.408" v="1870" actId="208"/>
+          <ac:spMkLst>
+            <pc:docMk/>
+            <pc:sldMk cId="2607604023" sldId="262"/>
+            <ac:spMk id="318" creationId="{F520575E-360A-4FDF-BEF6-59CCA3CD3FEA}"/>
+          </ac:spMkLst>
+        </pc:spChg>
+        <pc:spChg chg="mod">
+          <ac:chgData name="Eric Lunnin (Kforce)" userId="39584a29-d273-41cd-a0f9-2fd8cc174408" providerId="ADAL" clId="{8DF20FB4-2064-4904-8D09-E2A806D7AC74}" dt="2017-05-25T17:34:28.952" v="699" actId="1035"/>
+          <ac:spMkLst>
+            <pc:docMk/>
+            <pc:sldMk cId="2607604023" sldId="262"/>
+            <ac:spMk id="322" creationId="{00000000-0000-0000-0000-000000000000}"/>
+          </ac:spMkLst>
+        </pc:spChg>
+        <pc:spChg chg="mod">
+          <ac:chgData name="Eric Lunnin (Kforce)" userId="39584a29-d273-41cd-a0f9-2fd8cc174408" providerId="ADAL" clId="{8DF20FB4-2064-4904-8D09-E2A806D7AC74}" dt="2017-05-25T17:34:28.952" v="699" actId="1035"/>
+          <ac:spMkLst>
+            <pc:docMk/>
+            <pc:sldMk cId="2607604023" sldId="262"/>
+            <ac:spMk id="323" creationId="{00000000-0000-0000-0000-000000000000}"/>
+          </ac:spMkLst>
+        </pc:spChg>
+        <pc:spChg chg="mod">
+          <ac:chgData name="Eric Lunnin (Kforce)" userId="39584a29-d273-41cd-a0f9-2fd8cc174408" providerId="ADAL" clId="{8DF20FB4-2064-4904-8D09-E2A806D7AC74}" dt="2017-05-25T17:34:28.952" v="699" actId="1035"/>
+          <ac:spMkLst>
+            <pc:docMk/>
+            <pc:sldMk cId="2607604023" sldId="262"/>
+            <ac:spMk id="341" creationId="{00000000-0000-0000-0000-000000000000}"/>
+          </ac:spMkLst>
+        </pc:spChg>
+        <pc:spChg chg="mod">
+          <ac:chgData name="Eric Lunnin (Kforce)" userId="39584a29-d273-41cd-a0f9-2fd8cc174408" providerId="ADAL" clId="{8DF20FB4-2064-4904-8D09-E2A806D7AC74}" dt="2017-05-25T17:34:28.952" v="699" actId="1035"/>
+          <ac:spMkLst>
+            <pc:docMk/>
+            <pc:sldMk cId="2607604023" sldId="262"/>
+            <ac:spMk id="342" creationId="{00000000-0000-0000-0000-000000000000}"/>
+          </ac:spMkLst>
+        </pc:spChg>
+        <pc:spChg chg="mod">
+          <ac:chgData name="Eric Lunnin (Kforce)" userId="39584a29-d273-41cd-a0f9-2fd8cc174408" providerId="ADAL" clId="{8DF20FB4-2064-4904-8D09-E2A806D7AC74}" dt="2017-05-25T17:34:28.952" v="699" actId="1035"/>
+          <ac:spMkLst>
+            <pc:docMk/>
+            <pc:sldMk cId="2607604023" sldId="262"/>
+            <ac:spMk id="344" creationId="{00000000-0000-0000-0000-000000000000}"/>
+          </ac:spMkLst>
+        </pc:spChg>
+        <pc:spChg chg="mod">
+          <ac:chgData name="Eric Lunnin (Kforce)" userId="39584a29-d273-41cd-a0f9-2fd8cc174408" providerId="ADAL" clId="{8DF20FB4-2064-4904-8D09-E2A806D7AC74}" dt="2017-05-25T17:34:28.952" v="699" actId="1035"/>
+          <ac:spMkLst>
+            <pc:docMk/>
+            <pc:sldMk cId="2607604023" sldId="262"/>
+            <ac:spMk id="345" creationId="{00000000-0000-0000-0000-000000000000}"/>
+          </ac:spMkLst>
+        </pc:spChg>
+        <pc:spChg chg="mod">
+          <ac:chgData name="Eric Lunnin (Kforce)" userId="39584a29-d273-41cd-a0f9-2fd8cc174408" providerId="ADAL" clId="{8DF20FB4-2064-4904-8D09-E2A806D7AC74}" dt="2017-05-25T17:34:28.952" v="699" actId="1035"/>
+          <ac:spMkLst>
+            <pc:docMk/>
+            <pc:sldMk cId="2607604023" sldId="262"/>
+            <ac:spMk id="346" creationId="{00000000-0000-0000-0000-000000000000}"/>
+          </ac:spMkLst>
+        </pc:spChg>
+        <pc:spChg chg="mod">
+          <ac:chgData name="Eric Lunnin (Kforce)" userId="39584a29-d273-41cd-a0f9-2fd8cc174408" providerId="ADAL" clId="{8DF20FB4-2064-4904-8D09-E2A806D7AC74}" dt="2017-05-25T17:34:28.952" v="699" actId="1035"/>
+          <ac:spMkLst>
+            <pc:docMk/>
+            <pc:sldMk cId="2607604023" sldId="262"/>
+            <ac:spMk id="347" creationId="{00000000-0000-0000-0000-000000000000}"/>
+          </ac:spMkLst>
+        </pc:spChg>
+        <pc:spChg chg="mod">
+          <ac:chgData name="Eric Lunnin (Kforce)" userId="39584a29-d273-41cd-a0f9-2fd8cc174408" providerId="ADAL" clId="{8DF20FB4-2064-4904-8D09-E2A806D7AC74}" dt="2017-05-25T19:00:22.859" v="1898" actId="1076"/>
+          <ac:spMkLst>
+            <pc:docMk/>
+            <pc:sldMk cId="2607604023" sldId="262"/>
+            <ac:spMk id="349" creationId="{00000000-0000-0000-0000-000000000000}"/>
+          </ac:spMkLst>
+        </pc:spChg>
+        <pc:spChg chg="mod">
+          <ac:chgData name="Eric Lunnin (Kforce)" userId="39584a29-d273-41cd-a0f9-2fd8cc174408" providerId="ADAL" clId="{8DF20FB4-2064-4904-8D09-E2A806D7AC74}" dt="2017-05-25T17:34:28.952" v="699" actId="1035"/>
+          <ac:spMkLst>
+            <pc:docMk/>
+            <pc:sldMk cId="2607604023" sldId="262"/>
+            <ac:spMk id="350" creationId="{00000000-0000-0000-0000-000000000000}"/>
           </ac:spMkLst>
         </pc:spChg>
         <pc:spChg chg="mod">
@@ -175,159 +683,7 @@
           <ac:spMkLst>
             <pc:docMk/>
             <pc:sldMk cId="2607604023" sldId="262"/>
-            <ac:spMk id="345" creationId="{00000000-0000-0000-0000-000000000000}"/>
-          </ac:spMkLst>
-        </pc:spChg>
-        <pc:spChg chg="mod topLvl">
-          <ac:chgData name="Eric Lunnin (Kforce)" userId="39584a29-d273-41cd-a0f9-2fd8cc174408" providerId="ADAL" clId="{8DF20FB4-2064-4904-8D09-E2A806D7AC74}" dt="2017-05-25T18:50:00.352" v="1659" actId="0"/>
-          <ac:spMkLst>
-            <pc:docMk/>
-            <pc:sldMk cId="2607604023" sldId="262"/>
-            <ac:spMk id="185" creationId="{1CC48346-648E-46EF-A230-D605A320B811}"/>
-          </ac:spMkLst>
-        </pc:spChg>
-        <pc:spChg chg="del mod topLvl">
-          <ac:chgData name="Eric Lunnin (Kforce)" userId="39584a29-d273-41cd-a0f9-2fd8cc174408" providerId="ADAL" clId="{8DF20FB4-2064-4904-8D09-E2A806D7AC74}" dt="2017-05-25T18:59:05.678" v="1881" actId="478"/>
-          <ac:spMkLst>
-            <pc:docMk/>
-            <pc:sldMk cId="2607604023" sldId="262"/>
-            <ac:spMk id="208" creationId="{9EFE2269-8F5F-455D-802A-5A2060817A7B}"/>
-          </ac:spMkLst>
-        </pc:spChg>
-        <pc:spChg chg="del mod topLvl">
-          <ac:chgData name="Eric Lunnin (Kforce)" userId="39584a29-d273-41cd-a0f9-2fd8cc174408" providerId="ADAL" clId="{8DF20FB4-2064-4904-8D09-E2A806D7AC74}" dt="2017-05-25T18:49:57.107" v="1658" actId="478"/>
-          <ac:spMkLst>
-            <pc:docMk/>
-            <pc:sldMk cId="2607604023" sldId="262"/>
-            <ac:spMk id="139" creationId="{DEC262AE-5899-4BC9-BEBC-07A2F5BA34CA}"/>
-          </ac:spMkLst>
-        </pc:spChg>
-        <pc:spChg chg="del mod topLvl">
-          <ac:chgData name="Eric Lunnin (Kforce)" userId="39584a29-d273-41cd-a0f9-2fd8cc174408" providerId="ADAL" clId="{8DF20FB4-2064-4904-8D09-E2A806D7AC74}" dt="2017-05-25T18:49:40.913" v="1653" actId="478"/>
-          <ac:spMkLst>
-            <pc:docMk/>
-            <pc:sldMk cId="2607604023" sldId="262"/>
-            <ac:spMk id="125" creationId="{EE5521E8-2F1B-4D08-AA58-3B7867256E42}"/>
-          </ac:spMkLst>
-        </pc:spChg>
-        <pc:spChg chg="del mod topLvl">
-          <ac:chgData name="Eric Lunnin (Kforce)" userId="39584a29-d273-41cd-a0f9-2fd8cc174408" providerId="ADAL" clId="{8DF20FB4-2064-4904-8D09-E2A806D7AC74}" dt="2017-05-25T18:45:09.208" v="1541" actId="478"/>
-          <ac:spMkLst>
-            <pc:docMk/>
-            <pc:sldMk cId="2607604023" sldId="262"/>
-            <ac:spMk id="115" creationId="{0EE435F0-E4C5-4B64-AB82-A94F820393E5}"/>
-          </ac:spMkLst>
-        </pc:spChg>
-        <pc:spChg chg="mod ord topLvl">
-          <ac:chgData name="Eric Lunnin (Kforce)" userId="39584a29-d273-41cd-a0f9-2fd8cc174408" providerId="ADAL" clId="{8DF20FB4-2064-4904-8D09-E2A806D7AC74}" dt="2017-05-25T18:53:04.077" v="1714" actId="0"/>
-          <ac:spMkLst>
-            <pc:docMk/>
-            <pc:sldMk cId="2607604023" sldId="262"/>
-            <ac:spMk id="252" creationId="{1A1A1B12-EE5F-4513-8090-7E5A08A600C2}"/>
-          </ac:spMkLst>
-        </pc:spChg>
-        <pc:spChg chg="del">
-          <ac:chgData name="Eric Lunnin (Kforce)" userId="39584a29-d273-41cd-a0f9-2fd8cc174408" providerId="ADAL" clId="{8DF20FB4-2064-4904-8D09-E2A806D7AC74}" dt="2017-05-25T17:37:05.239" v="863" actId="478"/>
-          <ac:spMkLst>
-            <pc:docMk/>
-            <pc:sldMk cId="2607604023" sldId="262"/>
-            <ac:spMk id="641" creationId="{00000000-0000-0000-0000-000000000000}"/>
-          </ac:spMkLst>
-        </pc:spChg>
-        <pc:spChg chg="add del mod topLvl">
-          <ac:chgData name="Eric Lunnin (Kforce)" userId="39584a29-d273-41cd-a0f9-2fd8cc174408" providerId="ADAL" clId="{8DF20FB4-2064-4904-8D09-E2A806D7AC74}" dt="2017-05-25T18:38:16.432" v="1464" actId="478"/>
-          <ac:spMkLst>
-            <pc:docMk/>
-            <pc:sldMk cId="2607604023" sldId="262"/>
-            <ac:spMk id="106" creationId="{61608114-194C-4B39-9D88-A7FAD7E89C03}"/>
-          </ac:spMkLst>
-        </pc:spChg>
-        <pc:spChg chg="mod">
-          <ac:chgData name="Eric Lunnin (Kforce)" userId="39584a29-d273-41cd-a0f9-2fd8cc174408" providerId="ADAL" clId="{8DF20FB4-2064-4904-8D09-E2A806D7AC74}" dt="2017-05-25T17:34:28.952" v="699" actId="1035"/>
-          <ac:spMkLst>
-            <pc:docMk/>
-            <pc:sldMk cId="2607604023" sldId="262"/>
-            <ac:spMk id="376" creationId="{00000000-0000-0000-0000-000000000000}"/>
-          </ac:spMkLst>
-        </pc:spChg>
-        <pc:spChg chg="add mod">
-          <ac:chgData name="Eric Lunnin (Kforce)" userId="39584a29-d273-41cd-a0f9-2fd8cc174408" providerId="ADAL" clId="{8DF20FB4-2064-4904-8D09-E2A806D7AC74}" dt="2017-05-25T18:52:44.052" v="1702" actId="0"/>
-          <ac:spMkLst>
-            <pc:docMk/>
-            <pc:sldMk cId="2607604023" sldId="262"/>
-            <ac:spMk id="99" creationId="{0ABCCF78-8430-4D83-83A7-4C6D94892C40}"/>
-          </ac:spMkLst>
-        </pc:spChg>
-        <pc:spChg chg="mod">
-          <ac:chgData name="Eric Lunnin (Kforce)" userId="39584a29-d273-41cd-a0f9-2fd8cc174408" providerId="ADAL" clId="{8DF20FB4-2064-4904-8D09-E2A806D7AC74}" dt="2017-05-25T17:36:41.479" v="861" actId="1035"/>
-          <ac:spMkLst>
-            <pc:docMk/>
-            <pc:sldMk cId="2607604023" sldId="262"/>
-            <ac:spMk id="273" creationId="{00000000-0000-0000-0000-000000000000}"/>
-          </ac:spMkLst>
-        </pc:spChg>
-        <pc:spChg chg="mod">
-          <ac:chgData name="Eric Lunnin (Kforce)" userId="39584a29-d273-41cd-a0f9-2fd8cc174408" providerId="ADAL" clId="{8DF20FB4-2064-4904-8D09-E2A806D7AC74}" dt="2017-05-25T17:34:44.174" v="700" actId="14100"/>
-          <ac:spMkLst>
-            <pc:docMk/>
-            <pc:sldMk cId="2607604023" sldId="262"/>
-            <ac:spMk id="7" creationId="{00000000-0000-0000-0000-000000000000}"/>
-          </ac:spMkLst>
-        </pc:spChg>
-        <pc:spChg chg="add mod">
-          <ac:chgData name="Eric Lunnin (Kforce)" userId="39584a29-d273-41cd-a0f9-2fd8cc174408" providerId="ADAL" clId="{8DF20FB4-2064-4904-8D09-E2A806D7AC74}" dt="2017-05-25T18:40:51.876" v="1483" actId="368"/>
-          <ac:spMkLst>
-            <pc:docMk/>
-            <pc:sldMk cId="2607604023" sldId="262"/>
-            <ac:spMk id="234" creationId="{E8A05E4D-EC47-4F87-A504-D38375ACBAAF}"/>
-          </ac:spMkLst>
-        </pc:spChg>
-        <pc:spChg chg="mod topLvl">
-          <ac:chgData name="Eric Lunnin (Kforce)" userId="39584a29-d273-41cd-a0f9-2fd8cc174408" providerId="ADAL" clId="{8DF20FB4-2064-4904-8D09-E2A806D7AC74}" dt="2017-05-25T19:00:16.673" v="1897" actId="0"/>
-          <ac:spMkLst>
-            <pc:docMk/>
-            <pc:sldMk cId="2607604023" sldId="262"/>
-            <ac:spMk id="212" creationId="{0562808D-0E1C-4F5F-9BB3-5E86561266D2}"/>
-          </ac:spMkLst>
-        </pc:spChg>
-        <pc:spChg chg="mod topLvl">
-          <ac:chgData name="Eric Lunnin (Kforce)" userId="39584a29-d273-41cd-a0f9-2fd8cc174408" providerId="ADAL" clId="{8DF20FB4-2064-4904-8D09-E2A806D7AC74}" dt="2017-05-25T18:59:32.461" v="1887" actId="1076"/>
-          <ac:spMkLst>
-            <pc:docMk/>
-            <pc:sldMk cId="2607604023" sldId="262"/>
-            <ac:spMk id="209" creationId="{472B9CC3-7878-4A2F-8C9C-3D823097964F}"/>
-          </ac:spMkLst>
-        </pc:spChg>
-        <pc:spChg chg="del mod topLvl">
-          <ac:chgData name="Eric Lunnin (Kforce)" userId="39584a29-d273-41cd-a0f9-2fd8cc174408" providerId="ADAL" clId="{8DF20FB4-2064-4904-8D09-E2A806D7AC74}" dt="2017-05-25T18:46:39.272" v="1546" actId="478"/>
-          <ac:spMkLst>
-            <pc:docMk/>
-            <pc:sldMk cId="2607604023" sldId="262"/>
-            <ac:spMk id="120" creationId="{F6FF5344-805A-48FE-A33D-92726D8D8DAF}"/>
-          </ac:spMkLst>
-        </pc:spChg>
-        <pc:spChg chg="mod topLvl">
-          <ac:chgData name="Eric Lunnin (Kforce)" userId="39584a29-d273-41cd-a0f9-2fd8cc174408" providerId="ADAL" clId="{8DF20FB4-2064-4904-8D09-E2A806D7AC74}" dt="2017-05-25T18:53:04.077" v="1714" actId="0"/>
-          <ac:spMkLst>
-            <pc:docMk/>
-            <pc:sldMk cId="2607604023" sldId="262"/>
-            <ac:spMk id="126" creationId="{5F49A2EF-E749-484D-BF6D-541A34742C25}"/>
-          </ac:spMkLst>
-        </pc:spChg>
-        <pc:spChg chg="del">
-          <ac:chgData name="Eric Lunnin (Kforce)" userId="39584a29-d273-41cd-a0f9-2fd8cc174408" providerId="ADAL" clId="{8DF20FB4-2064-4904-8D09-E2A806D7AC74}" dt="2017-05-25T17:37:05.239" v="863" actId="478"/>
-          <ac:spMkLst>
-            <pc:docMk/>
-            <pc:sldMk cId="2607604023" sldId="262"/>
-            <ac:spMk id="481" creationId="{00000000-0000-0000-0000-000000000000}"/>
-          </ac:spMkLst>
-        </pc:spChg>
-        <pc:spChg chg="del mod topLvl">
-          <ac:chgData name="Eric Lunnin (Kforce)" userId="39584a29-d273-41cd-a0f9-2fd8cc174408" providerId="ADAL" clId="{8DF20FB4-2064-4904-8D09-E2A806D7AC74}" dt="2017-05-25T18:48:44.937" v="1644" actId="478"/>
-          <ac:spMkLst>
-            <pc:docMk/>
-            <pc:sldMk cId="2607604023" sldId="262"/>
-            <ac:spMk id="253" creationId="{A23EBFAA-641E-4B47-9B9C-ED603F55F0A1}"/>
+            <ac:spMk id="371" creationId="{00000000-0000-0000-0000-000000000000}"/>
           </ac:spMkLst>
         </pc:spChg>
         <pc:spChg chg="del">
@@ -343,31 +699,7 @@
           <ac:spMkLst>
             <pc:docMk/>
             <pc:sldMk cId="2607604023" sldId="262"/>
-            <ac:spMk id="346" creationId="{00000000-0000-0000-0000-000000000000}"/>
-          </ac:spMkLst>
-        </pc:spChg>
-        <pc:spChg chg="mod">
-          <ac:chgData name="Eric Lunnin (Kforce)" userId="39584a29-d273-41cd-a0f9-2fd8cc174408" providerId="ADAL" clId="{8DF20FB4-2064-4904-8D09-E2A806D7AC74}" dt="2017-05-25T17:34:28.952" v="699" actId="1035"/>
-          <ac:spMkLst>
-            <pc:docMk/>
-            <pc:sldMk cId="2607604023" sldId="262"/>
-            <ac:spMk id="344" creationId="{00000000-0000-0000-0000-000000000000}"/>
-          </ac:spMkLst>
-        </pc:spChg>
-        <pc:spChg chg="del mod topLvl">
-          <ac:chgData name="Eric Lunnin (Kforce)" userId="39584a29-d273-41cd-a0f9-2fd8cc174408" providerId="ADAL" clId="{8DF20FB4-2064-4904-8D09-E2A806D7AC74}" dt="2017-05-25T18:59:49.875" v="1891" actId="478"/>
-          <ac:spMkLst>
-            <pc:docMk/>
-            <pc:sldMk cId="2607604023" sldId="262"/>
-            <ac:spMk id="278" creationId="{EFA5702A-B42A-4A37-BCEA-C83A0F102B07}"/>
-          </ac:spMkLst>
-        </pc:spChg>
-        <pc:spChg chg="add mod">
-          <ac:chgData name="Eric Lunnin (Kforce)" userId="39584a29-d273-41cd-a0f9-2fd8cc174408" providerId="ADAL" clId="{8DF20FB4-2064-4904-8D09-E2A806D7AC74}" dt="2017-05-25T18:40:51.876" v="1483" actId="368"/>
-          <ac:spMkLst>
-            <pc:docMk/>
-            <pc:sldMk cId="2607604023" sldId="262"/>
-            <ac:spMk id="108" creationId="{D0EFF7B1-A295-4F45-BA4D-265F03A3BC16}"/>
+            <ac:spMk id="373" creationId="{00000000-0000-0000-0000-000000000000}"/>
           </ac:spMkLst>
         </pc:spChg>
         <pc:spChg chg="mod">
@@ -378,12 +710,44 @@
             <ac:spMk id="374" creationId="{00000000-0000-0000-0000-000000000000}"/>
           </ac:spMkLst>
         </pc:spChg>
-        <pc:spChg chg="mod topLvl">
-          <ac:chgData name="Eric Lunnin (Kforce)" userId="39584a29-d273-41cd-a0f9-2fd8cc174408" providerId="ADAL" clId="{8DF20FB4-2064-4904-8D09-E2A806D7AC74}" dt="2017-05-25T18:52:57.689" v="1713" actId="0"/>
+        <pc:spChg chg="mod">
+          <ac:chgData name="Eric Lunnin (Kforce)" userId="39584a29-d273-41cd-a0f9-2fd8cc174408" providerId="ADAL" clId="{8DF20FB4-2064-4904-8D09-E2A806D7AC74}" dt="2017-05-25T17:34:28.952" v="699" actId="1035"/>
           <ac:spMkLst>
             <pc:docMk/>
             <pc:sldMk cId="2607604023" sldId="262"/>
-            <ac:spMk id="122" creationId="{6A0FAED3-871D-4392-B8CA-16BC662644F8}"/>
+            <ac:spMk id="375" creationId="{00000000-0000-0000-0000-000000000000}"/>
+          </ac:spMkLst>
+        </pc:spChg>
+        <pc:spChg chg="mod">
+          <ac:chgData name="Eric Lunnin (Kforce)" userId="39584a29-d273-41cd-a0f9-2fd8cc174408" providerId="ADAL" clId="{8DF20FB4-2064-4904-8D09-E2A806D7AC74}" dt="2017-05-25T17:34:28.952" v="699" actId="1035"/>
+          <ac:spMkLst>
+            <pc:docMk/>
+            <pc:sldMk cId="2607604023" sldId="262"/>
+            <ac:spMk id="376" creationId="{00000000-0000-0000-0000-000000000000}"/>
+          </ac:spMkLst>
+        </pc:spChg>
+        <pc:spChg chg="del">
+          <ac:chgData name="Eric Lunnin (Kforce)" userId="39584a29-d273-41cd-a0f9-2fd8cc174408" providerId="ADAL" clId="{8DF20FB4-2064-4904-8D09-E2A806D7AC74}" dt="2017-05-25T17:32:48.797" v="633" actId="478"/>
+          <ac:spMkLst>
+            <pc:docMk/>
+            <pc:sldMk cId="2607604023" sldId="262"/>
+            <ac:spMk id="386" creationId="{00000000-0000-0000-0000-000000000000}"/>
+          </ac:spMkLst>
+        </pc:spChg>
+        <pc:spChg chg="del">
+          <ac:chgData name="Eric Lunnin (Kforce)" userId="39584a29-d273-41cd-a0f9-2fd8cc174408" providerId="ADAL" clId="{8DF20FB4-2064-4904-8D09-E2A806D7AC74}" dt="2017-05-25T17:37:05.239" v="863" actId="478"/>
+          <ac:spMkLst>
+            <pc:docMk/>
+            <pc:sldMk cId="2607604023" sldId="262"/>
+            <ac:spMk id="479" creationId="{00000000-0000-0000-0000-000000000000}"/>
+          </ac:spMkLst>
+        </pc:spChg>
+        <pc:spChg chg="del">
+          <ac:chgData name="Eric Lunnin (Kforce)" userId="39584a29-d273-41cd-a0f9-2fd8cc174408" providerId="ADAL" clId="{8DF20FB4-2064-4904-8D09-E2A806D7AC74}" dt="2017-05-25T17:37:05.239" v="863" actId="478"/>
+          <ac:spMkLst>
+            <pc:docMk/>
+            <pc:sldMk cId="2607604023" sldId="262"/>
+            <ac:spMk id="481" creationId="{00000000-0000-0000-0000-000000000000}"/>
           </ac:spMkLst>
         </pc:spChg>
         <pc:spChg chg="del">
@@ -394,36 +758,12 @@
             <ac:spMk id="542" creationId="{00000000-0000-0000-0000-000000000000}"/>
           </ac:spMkLst>
         </pc:spChg>
-        <pc:spChg chg="mod">
-          <ac:chgData name="Eric Lunnin (Kforce)" userId="39584a29-d273-41cd-a0f9-2fd8cc174408" providerId="ADAL" clId="{8DF20FB4-2064-4904-8D09-E2A806D7AC74}" dt="2017-05-25T17:34:28.952" v="699" actId="1035"/>
+        <pc:spChg chg="del">
+          <ac:chgData name="Eric Lunnin (Kforce)" userId="39584a29-d273-41cd-a0f9-2fd8cc174408" providerId="ADAL" clId="{8DF20FB4-2064-4904-8D09-E2A806D7AC74}" dt="2017-05-25T17:37:05.239" v="863" actId="478"/>
           <ac:spMkLst>
             <pc:docMk/>
             <pc:sldMk cId="2607604023" sldId="262"/>
-            <ac:spMk id="341" creationId="{00000000-0000-0000-0000-000000000000}"/>
-          </ac:spMkLst>
-        </pc:spChg>
-        <pc:spChg chg="mod topLvl">
-          <ac:chgData name="Eric Lunnin (Kforce)" userId="39584a29-d273-41cd-a0f9-2fd8cc174408" providerId="ADAL" clId="{8DF20FB4-2064-4904-8D09-E2A806D7AC74}" dt="2017-05-25T18:53:08.379" v="1715" actId="0"/>
-          <ac:spMkLst>
-            <pc:docMk/>
-            <pc:sldMk cId="2607604023" sldId="262"/>
-            <ac:spMk id="255" creationId="{F8E02DF6-A2AB-4A71-829C-ABA09C34A2E0}"/>
-          </ac:spMkLst>
-        </pc:spChg>
-        <pc:spChg chg="del mod topLvl">
-          <ac:chgData name="Eric Lunnin (Kforce)" userId="39584a29-d273-41cd-a0f9-2fd8cc174408" providerId="ADAL" clId="{8DF20FB4-2064-4904-8D09-E2A806D7AC74}" dt="2017-05-25T18:50:37.781" v="1686" actId="478"/>
-          <ac:spMkLst>
-            <pc:docMk/>
-            <pc:sldMk cId="2607604023" sldId="262"/>
-            <ac:spMk id="257" creationId="{B3A81D37-0C1B-4C59-8DBC-524E9A47D339}"/>
-          </ac:spMkLst>
-        </pc:spChg>
-        <pc:spChg chg="del mod topLvl">
-          <ac:chgData name="Eric Lunnin (Kforce)" userId="39584a29-d273-41cd-a0f9-2fd8cc174408" providerId="ADAL" clId="{8DF20FB4-2064-4904-8D09-E2A806D7AC74}" dt="2017-05-25T18:45:09.208" v="1541" actId="478"/>
-          <ac:spMkLst>
-            <pc:docMk/>
-            <pc:sldMk cId="2607604023" sldId="262"/>
-            <ac:spMk id="116" creationId="{81440105-A0F0-477F-A4FF-C2718D308DF8}"/>
+            <ac:spMk id="543" creationId="{00000000-0000-0000-0000-000000000000}"/>
           </ac:spMkLst>
         </pc:spChg>
         <pc:spChg chg="del">
@@ -431,223 +771,7 @@
           <ac:spMkLst>
             <pc:docMk/>
             <pc:sldMk cId="2607604023" sldId="262"/>
-            <ac:spMk id="202" creationId="{00000000-0000-0000-0000-000000000000}"/>
-          </ac:spMkLst>
-        </pc:spChg>
-        <pc:spChg chg="del">
-          <ac:chgData name="Eric Lunnin (Kforce)" userId="39584a29-d273-41cd-a0f9-2fd8cc174408" providerId="ADAL" clId="{8DF20FB4-2064-4904-8D09-E2A806D7AC74}" dt="2017-05-25T17:33:18.113" v="635" actId="478"/>
-          <ac:spMkLst>
-            <pc:docMk/>
-            <pc:sldMk cId="2607604023" sldId="262"/>
-            <ac:spMk id="299" creationId="{00000000-0000-0000-0000-000000000000}"/>
-          </ac:spMkLst>
-        </pc:spChg>
-        <pc:spChg chg="mod">
-          <ac:chgData name="Eric Lunnin (Kforce)" userId="39584a29-d273-41cd-a0f9-2fd8cc174408" providerId="ADAL" clId="{8DF20FB4-2064-4904-8D09-E2A806D7AC74}" dt="2017-05-25T17:34:28.952" v="699" actId="1035"/>
-          <ac:spMkLst>
-            <pc:docMk/>
-            <pc:sldMk cId="2607604023" sldId="262"/>
-            <ac:spMk id="347" creationId="{00000000-0000-0000-0000-000000000000}"/>
-          </ac:spMkLst>
-        </pc:spChg>
-        <pc:spChg chg="mod topLvl">
-          <ac:chgData name="Eric Lunnin (Kforce)" userId="39584a29-d273-41cd-a0f9-2fd8cc174408" providerId="ADAL" clId="{8DF20FB4-2064-4904-8D09-E2A806D7AC74}" dt="2017-05-25T18:56:04.411" v="1857" actId="0"/>
-          <ac:spMkLst>
-            <pc:docMk/>
-            <pc:sldMk cId="2607604023" sldId="262"/>
-            <ac:spMk id="312" creationId="{9C138E49-7E44-44CF-B771-35044CBEFB0D}"/>
-          </ac:spMkLst>
-        </pc:spChg>
-        <pc:spChg chg="mod">
-          <ac:chgData name="Eric Lunnin (Kforce)" userId="39584a29-d273-41cd-a0f9-2fd8cc174408" providerId="ADAL" clId="{8DF20FB4-2064-4904-8D09-E2A806D7AC74}" dt="2017-05-25T17:34:28.952" v="699" actId="1035"/>
-          <ac:spMkLst>
-            <pc:docMk/>
-            <pc:sldMk cId="2607604023" sldId="262"/>
-            <ac:spMk id="305" creationId="{00000000-0000-0000-0000-000000000000}"/>
-          </ac:spMkLst>
-        </pc:spChg>
-        <pc:spChg chg="del mod topLvl">
-          <ac:chgData name="Eric Lunnin (Kforce)" userId="39584a29-d273-41cd-a0f9-2fd8cc174408" providerId="ADAL" clId="{8DF20FB4-2064-4904-8D09-E2A806D7AC74}" dt="2017-05-25T18:55:41.337" v="1854" actId="478"/>
-          <ac:spMkLst>
-            <pc:docMk/>
-            <pc:sldMk cId="2607604023" sldId="262"/>
-            <ac:spMk id="313" creationId="{5A1278E2-9011-4907-A510-FD8257DAA151}"/>
-          </ac:spMkLst>
-        </pc:spChg>
-        <pc:spChg chg="del mod topLvl">
-          <ac:chgData name="Eric Lunnin (Kforce)" userId="39584a29-d273-41cd-a0f9-2fd8cc174408" providerId="ADAL" clId="{8DF20FB4-2064-4904-8D09-E2A806D7AC74}" dt="2017-05-25T18:46:39.272" v="1546" actId="478"/>
-          <ac:spMkLst>
-            <pc:docMk/>
-            <pc:sldMk cId="2607604023" sldId="262"/>
-            <ac:spMk id="121" creationId="{4791B9D1-0B46-4B24-AA46-54D92F389E37}"/>
-          </ac:spMkLst>
-        </pc:spChg>
-        <pc:spChg chg="mod">
-          <ac:chgData name="Eric Lunnin (Kforce)" userId="39584a29-d273-41cd-a0f9-2fd8cc174408" providerId="ADAL" clId="{8DF20FB4-2064-4904-8D09-E2A806D7AC74}" dt="2017-05-25T19:00:22.859" v="1898" actId="1076"/>
-          <ac:spMkLst>
-            <pc:docMk/>
-            <pc:sldMk cId="2607604023" sldId="262"/>
-            <ac:spMk id="349" creationId="{00000000-0000-0000-0000-000000000000}"/>
-          </ac:spMkLst>
-        </pc:spChg>
-        <pc:spChg chg="mod">
-          <ac:chgData name="Eric Lunnin (Kforce)" userId="39584a29-d273-41cd-a0f9-2fd8cc174408" providerId="ADAL" clId="{8DF20FB4-2064-4904-8D09-E2A806D7AC74}" dt="2017-05-25T17:34:28.952" v="699" actId="1035"/>
-          <ac:spMkLst>
-            <pc:docMk/>
-            <pc:sldMk cId="2607604023" sldId="262"/>
-            <ac:spMk id="373" creationId="{00000000-0000-0000-0000-000000000000}"/>
-          </ac:spMkLst>
-        </pc:spChg>
-        <pc:spChg chg="mod ord topLvl">
-          <ac:chgData name="Eric Lunnin (Kforce)" userId="39584a29-d273-41cd-a0f9-2fd8cc174408" providerId="ADAL" clId="{8DF20FB4-2064-4904-8D09-E2A806D7AC74}" dt="2017-05-25T18:52:44.052" v="1702" actId="0"/>
-          <ac:spMkLst>
-            <pc:docMk/>
-            <pc:sldMk cId="2607604023" sldId="262"/>
-            <ac:spMk id="259" creationId="{8A844BF3-976C-46E6-B79B-4B186C27E115}"/>
-          </ac:spMkLst>
-        </pc:spChg>
-        <pc:spChg chg="mod">
-          <ac:chgData name="Eric Lunnin (Kforce)" userId="39584a29-d273-41cd-a0f9-2fd8cc174408" providerId="ADAL" clId="{8DF20FB4-2064-4904-8D09-E2A806D7AC74}" dt="2017-05-25T17:34:28.952" v="699" actId="1035"/>
-          <ac:spMkLst>
-            <pc:docMk/>
-            <pc:sldMk cId="2607604023" sldId="262"/>
-            <ac:spMk id="342" creationId="{00000000-0000-0000-0000-000000000000}"/>
-          </ac:spMkLst>
-        </pc:spChg>
-        <pc:spChg chg="del mod topLvl">
-          <ac:chgData name="Eric Lunnin (Kforce)" userId="39584a29-d273-41cd-a0f9-2fd8cc174408" providerId="ADAL" clId="{8DF20FB4-2064-4904-8D09-E2A806D7AC74}" dt="2017-05-25T18:22:02.955" v="1392" actId="478"/>
-          <ac:spMkLst>
-            <pc:docMk/>
-            <pc:sldMk cId="2607604023" sldId="262"/>
-            <ac:spMk id="26" creationId="{54A2ED02-324D-4D7C-87AA-68CFCE2A32B7}"/>
-          </ac:spMkLst>
-        </pc:spChg>
-        <pc:spChg chg="mod topLvl">
-          <ac:chgData name="Eric Lunnin (Kforce)" userId="39584a29-d273-41cd-a0f9-2fd8cc174408" providerId="ADAL" clId="{8DF20FB4-2064-4904-8D09-E2A806D7AC74}" dt="2017-05-25T18:57:29.070" v="1867" actId="692"/>
-          <ac:spMkLst>
-            <pc:docMk/>
-            <pc:sldMk cId="2607604023" sldId="262"/>
-            <ac:spMk id="315" creationId="{3996F53C-813C-462A-BE0C-EBF08323623A}"/>
-          </ac:spMkLst>
-        </pc:spChg>
-        <pc:spChg chg="mod">
-          <ac:chgData name="Eric Lunnin (Kforce)" userId="39584a29-d273-41cd-a0f9-2fd8cc174408" providerId="ADAL" clId="{8DF20FB4-2064-4904-8D09-E2A806D7AC74}" dt="2017-05-25T17:36:41.479" v="861" actId="1035"/>
-          <ac:spMkLst>
-            <pc:docMk/>
-            <pc:sldMk cId="2607604023" sldId="262"/>
-            <ac:spMk id="274" creationId="{00000000-0000-0000-0000-000000000000}"/>
-          </ac:spMkLst>
-        </pc:spChg>
-        <pc:spChg chg="mod">
-          <ac:chgData name="Eric Lunnin (Kforce)" userId="39584a29-d273-41cd-a0f9-2fd8cc174408" providerId="ADAL" clId="{8DF20FB4-2064-4904-8D09-E2A806D7AC74}" dt="2017-05-25T17:34:28.952" v="699" actId="1035"/>
-          <ac:spMkLst>
-            <pc:docMk/>
-            <pc:sldMk cId="2607604023" sldId="262"/>
-            <ac:spMk id="375" creationId="{00000000-0000-0000-0000-000000000000}"/>
-          </ac:spMkLst>
-        </pc:spChg>
-        <pc:spChg chg="add del mod">
-          <ac:chgData name="Eric Lunnin (Kforce)" userId="39584a29-d273-41cd-a0f9-2fd8cc174408" providerId="ADAL" clId="{8DF20FB4-2064-4904-8D09-E2A806D7AC74}" dt="2017-05-25T18:41:27.468" v="1489" actId="0"/>
-          <ac:spMkLst>
-            <pc:docMk/>
-            <pc:sldMk cId="2607604023" sldId="262"/>
-            <ac:spMk id="110" creationId="{5590B0A6-70C1-49BD-90FD-43E6A1C159BC}"/>
-          </ac:spMkLst>
-        </pc:spChg>
-        <pc:spChg chg="mod topLvl">
-          <ac:chgData name="Eric Lunnin (Kforce)" userId="39584a29-d273-41cd-a0f9-2fd8cc174408" providerId="ADAL" clId="{8DF20FB4-2064-4904-8D09-E2A806D7AC74}" dt="2017-05-25T18:50:08.980" v="1664" actId="0"/>
-          <ac:spMkLst>
-            <pc:docMk/>
-            <pc:sldMk cId="2607604023" sldId="262"/>
-            <ac:spMk id="186" creationId="{10B41069-568A-4527-BD38-E721ACAFC6EE}"/>
-          </ac:spMkLst>
-        </pc:spChg>
-        <pc:spChg chg="add mod">
-          <ac:chgData name="Eric Lunnin (Kforce)" userId="39584a29-d273-41cd-a0f9-2fd8cc174408" providerId="ADAL" clId="{8DF20FB4-2064-4904-8D09-E2A806D7AC74}" dt="2017-05-25T18:40:51.876" v="1483" actId="368"/>
-          <ac:spMkLst>
-            <pc:docMk/>
-            <pc:sldMk cId="2607604023" sldId="262"/>
-            <ac:spMk id="235" creationId="{069E2061-C04B-40A8-BFFE-B849612C5180}"/>
-          </ac:spMkLst>
-        </pc:spChg>
-        <pc:spChg chg="del mod topLvl">
-          <ac:chgData name="Eric Lunnin (Kforce)" userId="39584a29-d273-41cd-a0f9-2fd8cc174408" providerId="ADAL" clId="{8DF20FB4-2064-4904-8D09-E2A806D7AC74}" dt="2017-05-25T18:52:03.070" v="1699" actId="478"/>
-          <ac:spMkLst>
-            <pc:docMk/>
-            <pc:sldMk cId="2607604023" sldId="262"/>
-            <ac:spMk id="263" creationId="{9AC240CC-3BA8-46EC-B3EB-0A0437ECB78C}"/>
-          </ac:spMkLst>
-        </pc:spChg>
-        <pc:spChg chg="del mod topLvl">
-          <ac:chgData name="Eric Lunnin (Kforce)" userId="39584a29-d273-41cd-a0f9-2fd8cc174408" providerId="ADAL" clId="{8DF20FB4-2064-4904-8D09-E2A806D7AC74}" dt="2017-05-25T18:38:28.716" v="1465" actId="478"/>
-          <ac:spMkLst>
-            <pc:docMk/>
-            <pc:sldMk cId="2607604023" sldId="262"/>
-            <ac:spMk id="105" creationId="{C4F8048A-17F7-4688-B480-3A51455B6195}"/>
-          </ac:spMkLst>
-        </pc:spChg>
-        <pc:spChg chg="del mod topLvl">
-          <ac:chgData name="Eric Lunnin (Kforce)" userId="39584a29-d273-41cd-a0f9-2fd8cc174408" providerId="ADAL" clId="{8DF20FB4-2064-4904-8D09-E2A806D7AC74}" dt="2017-05-25T18:56:28.431" v="1864" actId="478"/>
-          <ac:spMkLst>
-            <pc:docMk/>
-            <pc:sldMk cId="2607604023" sldId="262"/>
-            <ac:spMk id="316" creationId="{AA403580-677D-4A17-9627-F4345DDCA321}"/>
-          </ac:spMkLst>
-        </pc:spChg>
-        <pc:spChg chg="mod">
-          <ac:chgData name="Eric Lunnin (Kforce)" userId="39584a29-d273-41cd-a0f9-2fd8cc174408" providerId="ADAL" clId="{8DF20FB4-2064-4904-8D09-E2A806D7AC74}" dt="2017-05-25T17:38:38.380" v="881" actId="20577"/>
-          <ac:spMkLst>
-            <pc:docMk/>
-            <pc:sldMk cId="2607604023" sldId="262"/>
-            <ac:spMk id="256" creationId="{00000000-0000-0000-0000-000000000000}"/>
-          </ac:spMkLst>
-        </pc:spChg>
-        <pc:spChg chg="del mod topLvl">
-          <ac:chgData name="Eric Lunnin (Kforce)" userId="39584a29-d273-41cd-a0f9-2fd8cc174408" providerId="ADAL" clId="{8DF20FB4-2064-4904-8D09-E2A806D7AC74}" dt="2017-05-25T19:00:09.978" v="1896" actId="478"/>
-          <ac:spMkLst>
-            <pc:docMk/>
-            <pc:sldMk cId="2607604023" sldId="262"/>
-            <ac:spMk id="211" creationId="{9A696397-0E67-49A3-B7DE-FBB71FF903A6}"/>
-          </ac:spMkLst>
-        </pc:spChg>
-        <pc:spChg chg="del">
-          <ac:chgData name="Eric Lunnin (Kforce)" userId="39584a29-d273-41cd-a0f9-2fd8cc174408" providerId="ADAL" clId="{8DF20FB4-2064-4904-8D09-E2A806D7AC74}" dt="2017-05-25T17:32:48.797" v="633" actId="478"/>
-          <ac:spMkLst>
-            <pc:docMk/>
-            <pc:sldMk cId="2607604023" sldId="262"/>
-            <ac:spMk id="386" creationId="{00000000-0000-0000-0000-000000000000}"/>
-          </ac:spMkLst>
-        </pc:spChg>
-        <pc:spChg chg="mod">
-          <ac:chgData name="Eric Lunnin (Kforce)" userId="39584a29-d273-41cd-a0f9-2fd8cc174408" providerId="ADAL" clId="{8DF20FB4-2064-4904-8D09-E2A806D7AC74}" dt="2017-05-25T17:36:41.479" v="861" actId="1035"/>
-          <ac:spMkLst>
-            <pc:docMk/>
-            <pc:sldMk cId="2607604023" sldId="262"/>
-            <ac:spMk id="297" creationId="{00000000-0000-0000-0000-000000000000}"/>
-          </ac:spMkLst>
-        </pc:spChg>
-        <pc:spChg chg="del mod topLvl">
-          <ac:chgData name="Eric Lunnin (Kforce)" userId="39584a29-d273-41cd-a0f9-2fd8cc174408" providerId="ADAL" clId="{8DF20FB4-2064-4904-8D09-E2A806D7AC74}" dt="2017-05-25T18:22:26.478" v="1399" actId="478"/>
-          <ac:spMkLst>
-            <pc:docMk/>
-            <pc:sldMk cId="2607604023" sldId="262"/>
-            <ac:spMk id="29" creationId="{CFA75157-2808-4527-B440-4A0D1FDB3593}"/>
-          </ac:spMkLst>
-        </pc:spChg>
-        <pc:spChg chg="mod">
-          <ac:chgData name="Eric Lunnin (Kforce)" userId="39584a29-d273-41cd-a0f9-2fd8cc174408" providerId="ADAL" clId="{8DF20FB4-2064-4904-8D09-E2A806D7AC74}" dt="2017-05-25T17:34:28.952" v="699" actId="1035"/>
-          <ac:spMkLst>
-            <pc:docMk/>
-            <pc:sldMk cId="2607604023" sldId="262"/>
-            <ac:spMk id="371" creationId="{00000000-0000-0000-0000-000000000000}"/>
-          </ac:spMkLst>
-        </pc:spChg>
-        <pc:spChg chg="mod">
-          <ac:chgData name="Eric Lunnin (Kforce)" userId="39584a29-d273-41cd-a0f9-2fd8cc174408" providerId="ADAL" clId="{8DF20FB4-2064-4904-8D09-E2A806D7AC74}" dt="2017-05-25T17:34:28.952" v="699" actId="1035"/>
-          <ac:spMkLst>
-            <pc:docMk/>
-            <pc:sldMk cId="2607604023" sldId="262"/>
-            <ac:spMk id="350" creationId="{00000000-0000-0000-0000-000000000000}"/>
+            <ac:spMk id="641" creationId="{00000000-0000-0000-0000-000000000000}"/>
           </ac:spMkLst>
         </pc:spChg>
         <pc:spChg chg="del">
@@ -656,126 +780,6 @@
             <pc:docMk/>
             <pc:sldMk cId="2607604023" sldId="262"/>
             <ac:spMk id="642" creationId="{00000000-0000-0000-0000-000000000000}"/>
-          </ac:spMkLst>
-        </pc:spChg>
-        <pc:spChg chg="mod topLvl">
-          <ac:chgData name="Eric Lunnin (Kforce)" userId="39584a29-d273-41cd-a0f9-2fd8cc174408" providerId="ADAL" clId="{8DF20FB4-2064-4904-8D09-E2A806D7AC74}" dt="2017-05-25T18:57:57.408" v="1870" actId="208"/>
-          <ac:spMkLst>
-            <pc:docMk/>
-            <pc:sldMk cId="2607604023" sldId="262"/>
-            <ac:spMk id="318" creationId="{F520575E-360A-4FDF-BEF6-59CCA3CD3FEA}"/>
-          </ac:spMkLst>
-        </pc:spChg>
-        <pc:spChg chg="del mod topLvl">
-          <ac:chgData name="Eric Lunnin (Kforce)" userId="39584a29-d273-41cd-a0f9-2fd8cc174408" providerId="ADAL" clId="{8DF20FB4-2064-4904-8D09-E2A806D7AC74}" dt="2017-05-25T18:54:37.808" v="1731" actId="478"/>
-          <ac:spMkLst>
-            <pc:docMk/>
-            <pc:sldMk cId="2607604023" sldId="262"/>
-            <ac:spMk id="107" creationId="{0094E644-8C7D-402E-8CA7-EC8ED0040AE9}"/>
-          </ac:spMkLst>
-        </pc:spChg>
-        <pc:spChg chg="del">
-          <ac:chgData name="Eric Lunnin (Kforce)" userId="39584a29-d273-41cd-a0f9-2fd8cc174408" providerId="ADAL" clId="{8DF20FB4-2064-4904-8D09-E2A806D7AC74}" dt="2017-05-25T17:37:05.239" v="863" actId="478"/>
-          <ac:spMkLst>
-            <pc:docMk/>
-            <pc:sldMk cId="2607604023" sldId="262"/>
-            <ac:spMk id="543" creationId="{00000000-0000-0000-0000-000000000000}"/>
-          </ac:spMkLst>
-        </pc:spChg>
-        <pc:spChg chg="mod">
-          <ac:chgData name="Eric Lunnin (Kforce)" userId="39584a29-d273-41cd-a0f9-2fd8cc174408" providerId="ADAL" clId="{8DF20FB4-2064-4904-8D09-E2A806D7AC74}" dt="2017-05-25T17:37:12.734" v="865" actId="20577"/>
-          <ac:spMkLst>
-            <pc:docMk/>
-            <pc:sldMk cId="2607604023" sldId="262"/>
-            <ac:spMk id="262" creationId="{00000000-0000-0000-0000-000000000000}"/>
-          </ac:spMkLst>
-        </pc:spChg>
-        <pc:spChg chg="del">
-          <ac:chgData name="Eric Lunnin (Kforce)" userId="39584a29-d273-41cd-a0f9-2fd8cc174408" providerId="ADAL" clId="{8DF20FB4-2064-4904-8D09-E2A806D7AC74}" dt="2017-05-25T17:37:05.239" v="863" actId="478"/>
-          <ac:spMkLst>
-            <pc:docMk/>
-            <pc:sldMk cId="2607604023" sldId="262"/>
-            <ac:spMk id="479" creationId="{00000000-0000-0000-0000-000000000000}"/>
-          </ac:spMkLst>
-        </pc:spChg>
-        <pc:spChg chg="del mod topLvl">
-          <ac:chgData name="Eric Lunnin (Kforce)" userId="39584a29-d273-41cd-a0f9-2fd8cc174408" providerId="ADAL" clId="{8DF20FB4-2064-4904-8D09-E2A806D7AC74}" dt="2017-05-25T18:45:09.208" v="1541" actId="478"/>
-          <ac:spMkLst>
-            <pc:docMk/>
-            <pc:sldMk cId="2607604023" sldId="262"/>
-            <ac:spMk id="113" creationId="{94C31F03-4B16-4BBB-ADA2-7808ECEB3E1F}"/>
-          </ac:spMkLst>
-        </pc:spChg>
-        <pc:spChg chg="del">
-          <ac:chgData name="Eric Lunnin (Kforce)" userId="39584a29-d273-41cd-a0f9-2fd8cc174408" providerId="ADAL" clId="{8DF20FB4-2064-4904-8D09-E2A806D7AC74}" dt="2017-05-25T17:37:05.239" v="863" actId="478"/>
-          <ac:spMkLst>
-            <pc:docMk/>
-            <pc:sldMk cId="2607604023" sldId="262"/>
-            <ac:spMk id="104" creationId="{00000000-0000-0000-0000-000000000000}"/>
-          </ac:spMkLst>
-        </pc:spChg>
-        <pc:spChg chg="del mod topLvl">
-          <ac:chgData name="Eric Lunnin (Kforce)" userId="39584a29-d273-41cd-a0f9-2fd8cc174408" providerId="ADAL" clId="{8DF20FB4-2064-4904-8D09-E2A806D7AC74}" dt="2017-05-25T18:22:31.628" v="1401" actId="478"/>
-          <ac:spMkLst>
-            <pc:docMk/>
-            <pc:sldMk cId="2607604023" sldId="262"/>
-            <ac:spMk id="30" creationId="{22C0BD17-64BB-4AFD-BF94-63B7BEE1AAA5}"/>
-          </ac:spMkLst>
-        </pc:spChg>
-        <pc:spChg chg="add mod">
-          <ac:chgData name="Eric Lunnin (Kforce)" userId="39584a29-d273-41cd-a0f9-2fd8cc174408" providerId="ADAL" clId="{8DF20FB4-2064-4904-8D09-E2A806D7AC74}" dt="2017-05-25T18:56:04.411" v="1857" actId="0"/>
-          <ac:spMkLst>
-            <pc:docMk/>
-            <pc:sldMk cId="2607604023" sldId="262"/>
-            <ac:spMk id="100" creationId="{F3C54A51-2933-43C6-BDED-24A31392F009}"/>
-          </ac:spMkLst>
-        </pc:spChg>
-        <pc:spChg chg="mod">
-          <ac:chgData name="Eric Lunnin (Kforce)" userId="39584a29-d273-41cd-a0f9-2fd8cc174408" providerId="ADAL" clId="{8DF20FB4-2064-4904-8D09-E2A806D7AC74}" dt="2017-05-25T17:34:28.952" v="699" actId="1035"/>
-          <ac:spMkLst>
-            <pc:docMk/>
-            <pc:sldMk cId="2607604023" sldId="262"/>
-            <ac:spMk id="323" creationId="{00000000-0000-0000-0000-000000000000}"/>
-          </ac:spMkLst>
-        </pc:spChg>
-        <pc:spChg chg="add del mod topLvl">
-          <ac:chgData name="Eric Lunnin (Kforce)" userId="39584a29-d273-41cd-a0f9-2fd8cc174408" providerId="ADAL" clId="{8DF20FB4-2064-4904-8D09-E2A806D7AC74}" dt="2017-05-25T18:22:13.517" v="1395" actId="478"/>
-          <ac:spMkLst>
-            <pc:docMk/>
-            <pc:sldMk cId="2607604023" sldId="262"/>
-            <ac:spMk id="27" creationId="{D2F57DD0-2763-4299-BE61-96D753CD47EB}"/>
-          </ac:spMkLst>
-        </pc:spChg>
-        <pc:spChg chg="mod topLvl">
-          <ac:chgData name="Eric Lunnin (Kforce)" userId="39584a29-d273-41cd-a0f9-2fd8cc174408" providerId="ADAL" clId="{8DF20FB4-2064-4904-8D09-E2A806D7AC74}" dt="2017-05-25T18:59:40.095" v="1889" actId="0"/>
-          <ac:spMkLst>
-            <pc:docMk/>
-            <pc:sldMk cId="2607604023" sldId="262"/>
-            <ac:spMk id="276" creationId="{F798B2C1-A12B-4AAC-81BF-7D13EFE8254D}"/>
-          </ac:spMkLst>
-        </pc:spChg>
-        <pc:spChg chg="mod topLvl">
-          <ac:chgData name="Eric Lunnin (Kforce)" userId="39584a29-d273-41cd-a0f9-2fd8cc174408" providerId="ADAL" clId="{8DF20FB4-2064-4904-8D09-E2A806D7AC74}" dt="2017-05-25T18:50:00.352" v="1659" actId="0"/>
-          <ac:spMkLst>
-            <pc:docMk/>
-            <pc:sldMk cId="2607604023" sldId="262"/>
-            <ac:spMk id="182" creationId="{276D763D-1119-477A-9620-B5E00BA51573}"/>
-          </ac:spMkLst>
-        </pc:spChg>
-        <pc:spChg chg="del mod topLvl">
-          <ac:chgData name="Eric Lunnin (Kforce)" userId="39584a29-d273-41cd-a0f9-2fd8cc174408" providerId="ADAL" clId="{8DF20FB4-2064-4904-8D09-E2A806D7AC74}" dt="2017-05-25T18:45:09.208" v="1541" actId="478"/>
-          <ac:spMkLst>
-            <pc:docMk/>
-            <pc:sldMk cId="2607604023" sldId="262"/>
-            <ac:spMk id="114" creationId="{519A1323-DC34-4ECD-B918-355760C95774}"/>
-          </ac:spMkLst>
-        </pc:spChg>
-        <pc:spChg chg="mod">
-          <ac:chgData name="Eric Lunnin (Kforce)" userId="39584a29-d273-41cd-a0f9-2fd8cc174408" providerId="ADAL" clId="{8DF20FB4-2064-4904-8D09-E2A806D7AC74}" dt="2017-05-25T17:34:28.952" v="699" actId="1035"/>
-          <ac:spMkLst>
-            <pc:docMk/>
-            <pc:sldMk cId="2607604023" sldId="262"/>
-            <ac:spMk id="322" creationId="{00000000-0000-0000-0000-000000000000}"/>
           </ac:spMkLst>
         </pc:spChg>
         <pc:grpChg chg="del">
@@ -794,236 +798,20 @@
             <ac:grpSpMk id="9" creationId="{00000000-0000-0000-0000-000000000000}"/>
           </ac:grpSpMkLst>
         </pc:grpChg>
-        <pc:grpChg chg="add del mod ord">
-          <ac:chgData name="Eric Lunnin (Kforce)" userId="39584a29-d273-41cd-a0f9-2fd8cc174408" providerId="ADAL" clId="{8DF20FB4-2064-4904-8D09-E2A806D7AC74}" dt="2017-05-25T18:54:40.183" v="1732" actId="0"/>
+        <pc:grpChg chg="mod">
+          <ac:chgData name="Eric Lunnin (Kforce)" userId="39584a29-d273-41cd-a0f9-2fd8cc174408" providerId="ADAL" clId="{8DF20FB4-2064-4904-8D09-E2A806D7AC74}" dt="2017-05-25T17:34:28.952" v="699" actId="1035"/>
           <ac:grpSpMkLst>
             <pc:docMk/>
             <pc:sldMk cId="2607604023" sldId="262"/>
-            <ac:grpSpMk id="205" creationId="{E1D3A901-D5AF-4D3E-84BB-7117C94842CE}"/>
+            <ac:grpSpMk id="10" creationId="{00000000-0000-0000-0000-000000000000}"/>
           </ac:grpSpMkLst>
         </pc:grpChg>
-        <pc:grpChg chg="mod">
-          <ac:chgData name="Eric Lunnin (Kforce)" userId="39584a29-d273-41cd-a0f9-2fd8cc174408" providerId="ADAL" clId="{8DF20FB4-2064-4904-8D09-E2A806D7AC74}" dt="2017-05-25T17:36:41.479" v="861" actId="1035"/>
+        <pc:grpChg chg="del">
+          <ac:chgData name="Eric Lunnin (Kforce)" userId="39584a29-d273-41cd-a0f9-2fd8cc174408" providerId="ADAL" clId="{8DF20FB4-2064-4904-8D09-E2A806D7AC74}" dt="2017-05-25T17:32:53.116" v="634" actId="478"/>
           <ac:grpSpMkLst>
             <pc:docMk/>
             <pc:sldMk cId="2607604023" sldId="262"/>
-            <ac:grpSpMk id="329" creationId="{00000000-0000-0000-0000-000000000000}"/>
-          </ac:grpSpMkLst>
-        </pc:grpChg>
-        <pc:grpChg chg="add mod">
-          <ac:chgData name="Eric Lunnin (Kforce)" userId="39584a29-d273-41cd-a0f9-2fd8cc174408" providerId="ADAL" clId="{8DF20FB4-2064-4904-8D09-E2A806D7AC74}" dt="2017-05-25T18:57:34.068" v="1868" actId="0"/>
-          <ac:grpSpMkLst>
-            <pc:docMk/>
-            <pc:sldMk cId="2607604023" sldId="262"/>
-            <ac:grpSpMk id="109" creationId="{26897DF4-7AC7-4239-9650-F6F95C0C6F5E}"/>
-          </ac:grpSpMkLst>
-        </pc:grpChg>
-        <pc:grpChg chg="mod">
-          <ac:chgData name="Eric Lunnin (Kforce)" userId="39584a29-d273-41cd-a0f9-2fd8cc174408" providerId="ADAL" clId="{8DF20FB4-2064-4904-8D09-E2A806D7AC74}" dt="2017-05-25T18:53:56.588" v="1721" actId="0"/>
-          <ac:grpSpMkLst>
-            <pc:docMk/>
-            <pc:sldMk cId="2607604023" sldId="262"/>
-            <ac:grpSpMk id="320" creationId="{D83BEEDE-04FE-40BF-B9E6-AB192DF67F3D}"/>
-          </ac:grpSpMkLst>
-        </pc:grpChg>
-        <pc:grpChg chg="del">
-          <ac:chgData name="Eric Lunnin (Kforce)" userId="39584a29-d273-41cd-a0f9-2fd8cc174408" providerId="ADAL" clId="{8DF20FB4-2064-4904-8D09-E2A806D7AC74}" dt="2017-05-25T17:37:05.239" v="863" actId="478"/>
-          <ac:grpSpMkLst>
-            <pc:docMk/>
-            <pc:sldMk cId="2607604023" sldId="262"/>
-            <ac:grpSpMk id="529" creationId="{00000000-0000-0000-0000-000000000000}"/>
-          </ac:grpSpMkLst>
-        </pc:grpChg>
-        <pc:grpChg chg="add mod">
-          <ac:chgData name="Eric Lunnin (Kforce)" userId="39584a29-d273-41cd-a0f9-2fd8cc174408" providerId="ADAL" clId="{8DF20FB4-2064-4904-8D09-E2A806D7AC74}" dt="2017-05-25T18:53:56.588" v="1721" actId="0"/>
-          <ac:grpSpMkLst>
-            <pc:docMk/>
-            <pc:sldMk cId="2607604023" sldId="262"/>
-            <ac:grpSpMk id="206" creationId="{5771EF9E-A99B-4853-972A-6D3029C753BF}"/>
-          </ac:grpSpMkLst>
-        </pc:grpChg>
-        <pc:grpChg chg="add mod">
-          <ac:chgData name="Eric Lunnin (Kforce)" userId="39584a29-d273-41cd-a0f9-2fd8cc174408" providerId="ADAL" clId="{8DF20FB4-2064-4904-8D09-E2A806D7AC74}" dt="2017-05-25T18:53:56.588" v="1721" actId="0"/>
-          <ac:grpSpMkLst>
-            <pc:docMk/>
-            <pc:sldMk cId="2607604023" sldId="262"/>
-            <ac:grpSpMk id="201" creationId="{2D29DB17-13A5-444C-9D8F-B52B50E91AFA}"/>
-          </ac:grpSpMkLst>
-        </pc:grpChg>
-        <pc:grpChg chg="add del mod">
-          <ac:chgData name="Eric Lunnin (Kforce)" userId="39584a29-d273-41cd-a0f9-2fd8cc174408" providerId="ADAL" clId="{8DF20FB4-2064-4904-8D09-E2A806D7AC74}" dt="2017-05-25T18:47:35.643" v="1559" actId="0"/>
-          <ac:grpSpMkLst>
-            <pc:docMk/>
-            <pc:sldMk cId="2607604023" sldId="262"/>
-            <ac:grpSpMk id="254" creationId="{A8CEA096-8637-469D-877C-347FD772BA88}"/>
-          </ac:grpSpMkLst>
-        </pc:grpChg>
-        <pc:grpChg chg="add mod">
-          <ac:chgData name="Eric Lunnin (Kforce)" userId="39584a29-d273-41cd-a0f9-2fd8cc174408" providerId="ADAL" clId="{8DF20FB4-2064-4904-8D09-E2A806D7AC74}" dt="2017-05-25T18:53:56.588" v="1721" actId="0"/>
-          <ac:grpSpMkLst>
-            <pc:docMk/>
-            <pc:sldMk cId="2607604023" sldId="262"/>
-            <ac:grpSpMk id="203" creationId="{C19D5DE7-F27E-404C-851C-C82144B6AAB8}"/>
-          </ac:grpSpMkLst>
-        </pc:grpChg>
-        <pc:grpChg chg="add mod">
-          <ac:chgData name="Eric Lunnin (Kforce)" userId="39584a29-d273-41cd-a0f9-2fd8cc174408" providerId="ADAL" clId="{8DF20FB4-2064-4904-8D09-E2A806D7AC74}" dt="2017-05-25T18:53:56.588" v="1721" actId="0"/>
-          <ac:grpSpMkLst>
-            <pc:docMk/>
-            <pc:sldMk cId="2607604023" sldId="262"/>
-            <ac:grpSpMk id="188" creationId="{7C645C23-1BF6-4017-AB5E-B8EA86BC105C}"/>
-          </ac:grpSpMkLst>
-        </pc:grpChg>
-        <pc:grpChg chg="add mod">
-          <ac:chgData name="Eric Lunnin (Kforce)" userId="39584a29-d273-41cd-a0f9-2fd8cc174408" providerId="ADAL" clId="{8DF20FB4-2064-4904-8D09-E2A806D7AC74}" dt="2017-05-25T18:53:56.588" v="1721" actId="0"/>
-          <ac:grpSpMkLst>
-            <pc:docMk/>
-            <pc:sldMk cId="2607604023" sldId="262"/>
-            <ac:grpSpMk id="200" creationId="{F37D9C7D-A7B7-4AFB-9B4C-80C1C2FD64FF}"/>
-          </ac:grpSpMkLst>
-        </pc:grpChg>
-        <pc:grpChg chg="del mod">
-          <ac:chgData name="Eric Lunnin (Kforce)" userId="39584a29-d273-41cd-a0f9-2fd8cc174408" providerId="ADAL" clId="{8DF20FB4-2064-4904-8D09-E2A806D7AC74}" dt="2017-05-25T18:21:59.835" v="1391" actId="0"/>
-          <ac:grpSpMkLst>
-            <pc:docMk/>
-            <pc:sldMk cId="2607604023" sldId="262"/>
-            <ac:grpSpMk id="25" creationId="{5A6D5B68-0006-4857-97F9-2F7B14EAAD06}"/>
-          </ac:grpSpMkLst>
-        </pc:grpChg>
-        <pc:grpChg chg="add del mod">
-          <ac:chgData name="Eric Lunnin (Kforce)" userId="39584a29-d273-41cd-a0f9-2fd8cc174408" providerId="ADAL" clId="{8DF20FB4-2064-4904-8D09-E2A806D7AC74}" dt="2017-05-25T18:47:35.643" v="1559" actId="0"/>
-          <ac:grpSpMkLst>
-            <pc:docMk/>
-            <pc:sldMk cId="2607604023" sldId="262"/>
-            <ac:grpSpMk id="123" creationId="{E8E9DC0A-C8BF-4753-B4B5-F3D0C0723624}"/>
-          </ac:grpSpMkLst>
-        </pc:grpChg>
-        <pc:grpChg chg="add del mod topLvl">
-          <ac:chgData name="Eric Lunnin (Kforce)" userId="39584a29-d273-41cd-a0f9-2fd8cc174408" providerId="ADAL" clId="{8DF20FB4-2064-4904-8D09-E2A806D7AC74}" dt="2017-05-25T18:54:41.686" v="1733" actId="0"/>
-          <ac:grpSpMkLst>
-            <pc:docMk/>
-            <pc:sldMk cId="2607604023" sldId="262"/>
-            <ac:grpSpMk id="279" creationId="{2B174B0D-4E16-46B7-943D-E5EEB8BE6DD6}"/>
-          </ac:grpSpMkLst>
-        </pc:grpChg>
-        <pc:grpChg chg="add del mod">
-          <ac:chgData name="Eric Lunnin (Kforce)" userId="39584a29-d273-41cd-a0f9-2fd8cc174408" providerId="ADAL" clId="{8DF20FB4-2064-4904-8D09-E2A806D7AC74}" dt="2017-05-25T18:47:35.643" v="1559" actId="0"/>
-          <ac:grpSpMkLst>
-            <pc:docMk/>
-            <pc:sldMk cId="2607604023" sldId="262"/>
-            <ac:grpSpMk id="258" creationId="{00815DCD-75D0-467C-9B3D-7D13A17E9ED1}"/>
-          </ac:grpSpMkLst>
-        </pc:grpChg>
-        <pc:grpChg chg="add del mod">
-          <ac:chgData name="Eric Lunnin (Kforce)" userId="39584a29-d273-41cd-a0f9-2fd8cc174408" providerId="ADAL" clId="{8DF20FB4-2064-4904-8D09-E2A806D7AC74}" dt="2017-05-25T18:59:02.966" v="1880" actId="0"/>
-          <ac:grpSpMkLst>
-            <pc:docMk/>
-            <pc:sldMk cId="2607604023" sldId="262"/>
-            <ac:grpSpMk id="207" creationId="{831480D2-8C64-4FB6-AD94-EA5AA3B8F586}"/>
-          </ac:grpSpMkLst>
-        </pc:grpChg>
-        <pc:grpChg chg="add del mod">
-          <ac:chgData name="Eric Lunnin (Kforce)" userId="39584a29-d273-41cd-a0f9-2fd8cc174408" providerId="ADAL" clId="{8DF20FB4-2064-4904-8D09-E2A806D7AC74}" dt="2017-05-25T19:00:07.300" v="1895" actId="0"/>
-          <ac:grpSpMkLst>
-            <pc:docMk/>
-            <pc:sldMk cId="2607604023" sldId="262"/>
-            <ac:grpSpMk id="210" creationId="{30C69EC3-A4F0-414D-8137-A7F194F3BD1C}"/>
-          </ac:grpSpMkLst>
-        </pc:grpChg>
-        <pc:grpChg chg="mod">
-          <ac:chgData name="Eric Lunnin (Kforce)" userId="39584a29-d273-41cd-a0f9-2fd8cc174408" providerId="ADAL" clId="{8DF20FB4-2064-4904-8D09-E2A806D7AC74}" dt="2017-05-25T17:36:41.479" v="861" actId="1035"/>
-          <ac:grpSpMkLst>
-            <pc:docMk/>
-            <pc:sldMk cId="2607604023" sldId="262"/>
-            <ac:grpSpMk id="296" creationId="{00000000-0000-0000-0000-000000000000}"/>
-          </ac:grpSpMkLst>
-        </pc:grpChg>
-        <pc:grpChg chg="del">
-          <ac:chgData name="Eric Lunnin (Kforce)" userId="39584a29-d273-41cd-a0f9-2fd8cc174408" providerId="ADAL" clId="{8DF20FB4-2064-4904-8D09-E2A806D7AC74}" dt="2017-05-25T17:37:05.239" v="863" actId="478"/>
-          <ac:grpSpMkLst>
-            <pc:docMk/>
-            <pc:sldMk cId="2607604023" sldId="262"/>
-            <ac:grpSpMk id="340" creationId="{00000000-0000-0000-0000-000000000000}"/>
-          </ac:grpSpMkLst>
-        </pc:grpChg>
-        <pc:grpChg chg="add del mod">
-          <ac:chgData name="Eric Lunnin (Kforce)" userId="39584a29-d273-41cd-a0f9-2fd8cc174408" providerId="ADAL" clId="{8DF20FB4-2064-4904-8D09-E2A806D7AC74}" dt="2017-05-25T18:45:03.004" v="1538" actId="0"/>
-          <ac:grpSpMkLst>
-            <pc:docMk/>
-            <pc:sldMk cId="2607604023" sldId="262"/>
-            <ac:grpSpMk id="112" creationId="{4BF87CA2-2200-4066-AE67-FCD6D76E4FA0}"/>
-          </ac:grpSpMkLst>
-        </pc:grpChg>
-        <pc:grpChg chg="del mod">
-          <ac:chgData name="Eric Lunnin (Kforce)" userId="39584a29-d273-41cd-a0f9-2fd8cc174408" providerId="ADAL" clId="{8DF20FB4-2064-4904-8D09-E2A806D7AC74}" dt="2017-05-25T18:46:36.127" v="1545" actId="0"/>
-          <ac:grpSpMkLst>
-            <pc:docMk/>
-            <pc:sldMk cId="2607604023" sldId="262"/>
-            <ac:grpSpMk id="119" creationId="{913E80CC-0570-414A-B317-1F02B85D13E7}"/>
-          </ac:grpSpMkLst>
-        </pc:grpChg>
-        <pc:grpChg chg="del mod">
-          <ac:chgData name="Eric Lunnin (Kforce)" userId="39584a29-d273-41cd-a0f9-2fd8cc174408" providerId="ADAL" clId="{8DF20FB4-2064-4904-8D09-E2A806D7AC74}" dt="2017-05-25T18:49:54.209" v="1657" actId="0"/>
-          <ac:grpSpMkLst>
-            <pc:docMk/>
-            <pc:sldMk cId="2607604023" sldId="262"/>
-            <ac:grpSpMk id="127" creationId="{E44649B0-747D-485E-80A9-AB068DDFE418}"/>
-          </ac:grpSpMkLst>
-        </pc:grpChg>
-        <pc:grpChg chg="add mod">
-          <ac:chgData name="Eric Lunnin (Kforce)" userId="39584a29-d273-41cd-a0f9-2fd8cc174408" providerId="ADAL" clId="{8DF20FB4-2064-4904-8D09-E2A806D7AC74}" dt="2017-05-25T18:53:56.588" v="1721" actId="0"/>
-          <ac:grpSpMkLst>
-            <pc:docMk/>
-            <pc:sldMk cId="2607604023" sldId="262"/>
-            <ac:grpSpMk id="204" creationId="{99D44811-5CEE-4D42-9F67-E79542DDFB0D}"/>
-          </ac:grpSpMkLst>
-        </pc:grpChg>
-        <pc:grpChg chg="add del mod topLvl">
-          <ac:chgData name="Eric Lunnin (Kforce)" userId="39584a29-d273-41cd-a0f9-2fd8cc174408" providerId="ADAL" clId="{8DF20FB4-2064-4904-8D09-E2A806D7AC74}" dt="2017-05-25T18:54:41.686" v="1733" actId="0"/>
-          <ac:grpSpMkLst>
-            <pc:docMk/>
-            <pc:sldMk cId="2607604023" sldId="262"/>
-            <ac:grpSpMk id="317" creationId="{94B33CE8-5EB8-4A41-97D9-9245FB88F733}"/>
-          </ac:grpSpMkLst>
-        </pc:grpChg>
-        <pc:grpChg chg="add del mod">
-          <ac:chgData name="Eric Lunnin (Kforce)" userId="39584a29-d273-41cd-a0f9-2fd8cc174408" providerId="ADAL" clId="{8DF20FB4-2064-4904-8D09-E2A806D7AC74}" dt="2017-05-25T18:49:34.351" v="1652" actId="0"/>
-          <ac:grpSpMkLst>
-            <pc:docMk/>
-            <pc:sldMk cId="2607604023" sldId="262"/>
-            <ac:grpSpMk id="124" creationId="{244031F6-D5C4-4538-BEB6-110BADC85B35}"/>
-          </ac:grpSpMkLst>
-        </pc:grpChg>
-        <pc:grpChg chg="del mod">
-          <ac:chgData name="Eric Lunnin (Kforce)" userId="39584a29-d273-41cd-a0f9-2fd8cc174408" providerId="ADAL" clId="{8DF20FB4-2064-4904-8D09-E2A806D7AC74}" dt="2017-05-25T18:38:05.754" v="1461" actId="0"/>
-          <ac:grpSpMkLst>
-            <pc:docMk/>
-            <pc:sldMk cId="2607604023" sldId="262"/>
-            <ac:grpSpMk id="103" creationId="{F1CAA4A9-B531-44FF-A395-8DFBD73051DE}"/>
-          </ac:grpSpMkLst>
-        </pc:grpChg>
-        <pc:grpChg chg="add del mod topLvl">
-          <ac:chgData name="Eric Lunnin (Kforce)" userId="39584a29-d273-41cd-a0f9-2fd8cc174408" providerId="ADAL" clId="{8DF20FB4-2064-4904-8D09-E2A806D7AC74}" dt="2017-05-25T18:54:41.686" v="1733" actId="0"/>
-          <ac:grpSpMkLst>
-            <pc:docMk/>
-            <pc:sldMk cId="2607604023" sldId="262"/>
-            <ac:grpSpMk id="314" creationId="{7B5C8D72-80F3-4201-B214-DE87260DF9B4}"/>
-          </ac:grpSpMkLst>
-        </pc:grpChg>
-        <pc:grpChg chg="add mod">
-          <ac:chgData name="Eric Lunnin (Kforce)" userId="39584a29-d273-41cd-a0f9-2fd8cc174408" providerId="ADAL" clId="{8DF20FB4-2064-4904-8D09-E2A806D7AC74}" dt="2017-05-25T18:53:56.588" v="1721" actId="0"/>
-          <ac:grpSpMkLst>
-            <pc:docMk/>
-            <pc:sldMk cId="2607604023" sldId="262"/>
-            <ac:grpSpMk id="199" creationId="{504E99FE-4118-474B-9BE5-E70F82D6840C}"/>
-          </ac:grpSpMkLst>
-        </pc:grpChg>
-        <pc:grpChg chg="del">
-          <ac:chgData name="Eric Lunnin (Kforce)" userId="39584a29-d273-41cd-a0f9-2fd8cc174408" providerId="ADAL" clId="{8DF20FB4-2064-4904-8D09-E2A806D7AC74}" dt="2017-05-25T17:37:20.933" v="866" actId="478"/>
-          <ac:grpSpMkLst>
-            <pc:docMk/>
-            <pc:sldMk cId="2607604023" sldId="262"/>
-            <ac:grpSpMk id="280" creationId="{00000000-0000-0000-0000-000000000000}"/>
+            <ac:grpSpMk id="11" creationId="{00000000-0000-0000-0000-000000000000}"/>
           </ac:grpSpMkLst>
         </pc:grpChg>
         <pc:grpChg chg="del">
@@ -1035,11 +823,291 @@
           </ac:grpSpMkLst>
         </pc:grpChg>
         <pc:grpChg chg="del mod">
-          <ac:chgData name="Eric Lunnin (Kforce)" userId="39584a29-d273-41cd-a0f9-2fd8cc174408" providerId="ADAL" clId="{8DF20FB4-2064-4904-8D09-E2A806D7AC74}" dt="2017-05-25T18:22:24.101" v="1398" actId="0"/>
+          <ac:chgData name="Eric Lunnin (Kforce)" userId="39584a29-d273-41cd-a0f9-2fd8cc174408" providerId="ADAL" clId="{8DF20FB4-2064-4904-8D09-E2A806D7AC74}" dt="2017-05-25T18:21:59.835" v="1391"/>
+          <ac:grpSpMkLst>
+            <pc:docMk/>
+            <pc:sldMk cId="2607604023" sldId="262"/>
+            <ac:grpSpMk id="25" creationId="{5A6D5B68-0006-4857-97F9-2F7B14EAAD06}"/>
+          </ac:grpSpMkLst>
+        </pc:grpChg>
+        <pc:grpChg chg="del mod">
+          <ac:chgData name="Eric Lunnin (Kforce)" userId="39584a29-d273-41cd-a0f9-2fd8cc174408" providerId="ADAL" clId="{8DF20FB4-2064-4904-8D09-E2A806D7AC74}" dt="2017-05-25T18:22:24.101" v="1398"/>
           <ac:grpSpMkLst>
             <pc:docMk/>
             <pc:sldMk cId="2607604023" sldId="262"/>
             <ac:grpSpMk id="28" creationId="{58D74AA2-4CF0-4EE4-AEEB-50D33242067F}"/>
+          </ac:grpSpMkLst>
+        </pc:grpChg>
+        <pc:grpChg chg="del mod">
+          <ac:chgData name="Eric Lunnin (Kforce)" userId="39584a29-d273-41cd-a0f9-2fd8cc174408" providerId="ADAL" clId="{8DF20FB4-2064-4904-8D09-E2A806D7AC74}" dt="2017-05-25T18:38:05.754" v="1461"/>
+          <ac:grpSpMkLst>
+            <pc:docMk/>
+            <pc:sldMk cId="2607604023" sldId="262"/>
+            <ac:grpSpMk id="103" creationId="{F1CAA4A9-B531-44FF-A395-8DFBD73051DE}"/>
+          </ac:grpSpMkLst>
+        </pc:grpChg>
+        <pc:grpChg chg="add mod">
+          <ac:chgData name="Eric Lunnin (Kforce)" userId="39584a29-d273-41cd-a0f9-2fd8cc174408" providerId="ADAL" clId="{8DF20FB4-2064-4904-8D09-E2A806D7AC74}" dt="2017-05-25T18:57:34.068" v="1868"/>
+          <ac:grpSpMkLst>
+            <pc:docMk/>
+            <pc:sldMk cId="2607604023" sldId="262"/>
+            <ac:grpSpMk id="109" creationId="{26897DF4-7AC7-4239-9650-F6F95C0C6F5E}"/>
+          </ac:grpSpMkLst>
+        </pc:grpChg>
+        <pc:grpChg chg="add del mod">
+          <ac:chgData name="Eric Lunnin (Kforce)" userId="39584a29-d273-41cd-a0f9-2fd8cc174408" providerId="ADAL" clId="{8DF20FB4-2064-4904-8D09-E2A806D7AC74}" dt="2017-05-25T18:45:03.004" v="1538"/>
+          <ac:grpSpMkLst>
+            <pc:docMk/>
+            <pc:sldMk cId="2607604023" sldId="262"/>
+            <ac:grpSpMk id="112" creationId="{4BF87CA2-2200-4066-AE67-FCD6D76E4FA0}"/>
+          </ac:grpSpMkLst>
+        </pc:grpChg>
+        <pc:grpChg chg="del mod">
+          <ac:chgData name="Eric Lunnin (Kforce)" userId="39584a29-d273-41cd-a0f9-2fd8cc174408" providerId="ADAL" clId="{8DF20FB4-2064-4904-8D09-E2A806D7AC74}" dt="2017-05-25T18:46:36.127" v="1545"/>
+          <ac:grpSpMkLst>
+            <pc:docMk/>
+            <pc:sldMk cId="2607604023" sldId="262"/>
+            <ac:grpSpMk id="119" creationId="{913E80CC-0570-414A-B317-1F02B85D13E7}"/>
+          </ac:grpSpMkLst>
+        </pc:grpChg>
+        <pc:grpChg chg="add del mod">
+          <ac:chgData name="Eric Lunnin (Kforce)" userId="39584a29-d273-41cd-a0f9-2fd8cc174408" providerId="ADAL" clId="{8DF20FB4-2064-4904-8D09-E2A806D7AC74}" dt="2017-05-25T18:47:35.643" v="1559"/>
+          <ac:grpSpMkLst>
+            <pc:docMk/>
+            <pc:sldMk cId="2607604023" sldId="262"/>
+            <ac:grpSpMk id="123" creationId="{E8E9DC0A-C8BF-4753-B4B5-F3D0C0723624}"/>
+          </ac:grpSpMkLst>
+        </pc:grpChg>
+        <pc:grpChg chg="add del mod">
+          <ac:chgData name="Eric Lunnin (Kforce)" userId="39584a29-d273-41cd-a0f9-2fd8cc174408" providerId="ADAL" clId="{8DF20FB4-2064-4904-8D09-E2A806D7AC74}" dt="2017-05-25T18:49:34.351" v="1652"/>
+          <ac:grpSpMkLst>
+            <pc:docMk/>
+            <pc:sldMk cId="2607604023" sldId="262"/>
+            <ac:grpSpMk id="124" creationId="{244031F6-D5C4-4538-BEB6-110BADC85B35}"/>
+          </ac:grpSpMkLst>
+        </pc:grpChg>
+        <pc:grpChg chg="del mod">
+          <ac:chgData name="Eric Lunnin (Kforce)" userId="39584a29-d273-41cd-a0f9-2fd8cc174408" providerId="ADAL" clId="{8DF20FB4-2064-4904-8D09-E2A806D7AC74}" dt="2017-05-25T18:49:54.209" v="1657"/>
+          <ac:grpSpMkLst>
+            <pc:docMk/>
+            <pc:sldMk cId="2607604023" sldId="262"/>
+            <ac:grpSpMk id="127" creationId="{E44649B0-747D-485E-80A9-AB068DDFE418}"/>
+          </ac:grpSpMkLst>
+        </pc:grpChg>
+        <pc:grpChg chg="add mod">
+          <ac:chgData name="Eric Lunnin (Kforce)" userId="39584a29-d273-41cd-a0f9-2fd8cc174408" providerId="ADAL" clId="{8DF20FB4-2064-4904-8D09-E2A806D7AC74}" dt="2017-05-25T18:53:56.588" v="1721"/>
+          <ac:grpSpMkLst>
+            <pc:docMk/>
+            <pc:sldMk cId="2607604023" sldId="262"/>
+            <ac:grpSpMk id="188" creationId="{7C645C23-1BF6-4017-AB5E-B8EA86BC105C}"/>
+          </ac:grpSpMkLst>
+        </pc:grpChg>
+        <pc:grpChg chg="mod">
+          <ac:chgData name="Eric Lunnin (Kforce)" userId="39584a29-d273-41cd-a0f9-2fd8cc174408" providerId="ADAL" clId="{8DF20FB4-2064-4904-8D09-E2A806D7AC74}" dt="2017-05-25T17:34:28.952" v="699" actId="1035"/>
+          <ac:grpSpMkLst>
+            <pc:docMk/>
+            <pc:sldMk cId="2607604023" sldId="262"/>
+            <ac:grpSpMk id="189" creationId="{00000000-0000-0000-0000-000000000000}"/>
+          </ac:grpSpMkLst>
+        </pc:grpChg>
+        <pc:grpChg chg="add mod">
+          <ac:chgData name="Eric Lunnin (Kforce)" userId="39584a29-d273-41cd-a0f9-2fd8cc174408" providerId="ADAL" clId="{8DF20FB4-2064-4904-8D09-E2A806D7AC74}" dt="2017-05-25T18:53:56.588" v="1721"/>
+          <ac:grpSpMkLst>
+            <pc:docMk/>
+            <pc:sldMk cId="2607604023" sldId="262"/>
+            <ac:grpSpMk id="199" creationId="{504E99FE-4118-474B-9BE5-E70F82D6840C}"/>
+          </ac:grpSpMkLst>
+        </pc:grpChg>
+        <pc:grpChg chg="add mod">
+          <ac:chgData name="Eric Lunnin (Kforce)" userId="39584a29-d273-41cd-a0f9-2fd8cc174408" providerId="ADAL" clId="{8DF20FB4-2064-4904-8D09-E2A806D7AC74}" dt="2017-05-25T18:53:56.588" v="1721"/>
+          <ac:grpSpMkLst>
+            <pc:docMk/>
+            <pc:sldMk cId="2607604023" sldId="262"/>
+            <ac:grpSpMk id="200" creationId="{F37D9C7D-A7B7-4AFB-9B4C-80C1C2FD64FF}"/>
+          </ac:grpSpMkLst>
+        </pc:grpChg>
+        <pc:grpChg chg="add mod">
+          <ac:chgData name="Eric Lunnin (Kforce)" userId="39584a29-d273-41cd-a0f9-2fd8cc174408" providerId="ADAL" clId="{8DF20FB4-2064-4904-8D09-E2A806D7AC74}" dt="2017-05-25T18:53:56.588" v="1721"/>
+          <ac:grpSpMkLst>
+            <pc:docMk/>
+            <pc:sldMk cId="2607604023" sldId="262"/>
+            <ac:grpSpMk id="201" creationId="{2D29DB17-13A5-444C-9D8F-B52B50E91AFA}"/>
+          </ac:grpSpMkLst>
+        </pc:grpChg>
+        <pc:grpChg chg="add mod">
+          <ac:chgData name="Eric Lunnin (Kforce)" userId="39584a29-d273-41cd-a0f9-2fd8cc174408" providerId="ADAL" clId="{8DF20FB4-2064-4904-8D09-E2A806D7AC74}" dt="2017-05-25T18:53:56.588" v="1721"/>
+          <ac:grpSpMkLst>
+            <pc:docMk/>
+            <pc:sldMk cId="2607604023" sldId="262"/>
+            <ac:grpSpMk id="203" creationId="{C19D5DE7-F27E-404C-851C-C82144B6AAB8}"/>
+          </ac:grpSpMkLst>
+        </pc:grpChg>
+        <pc:grpChg chg="add mod">
+          <ac:chgData name="Eric Lunnin (Kforce)" userId="39584a29-d273-41cd-a0f9-2fd8cc174408" providerId="ADAL" clId="{8DF20FB4-2064-4904-8D09-E2A806D7AC74}" dt="2017-05-25T18:53:56.588" v="1721"/>
+          <ac:grpSpMkLst>
+            <pc:docMk/>
+            <pc:sldMk cId="2607604023" sldId="262"/>
+            <ac:grpSpMk id="204" creationId="{99D44811-5CEE-4D42-9F67-E79542DDFB0D}"/>
+          </ac:grpSpMkLst>
+        </pc:grpChg>
+        <pc:grpChg chg="add del mod ord">
+          <ac:chgData name="Eric Lunnin (Kforce)" userId="39584a29-d273-41cd-a0f9-2fd8cc174408" providerId="ADAL" clId="{8DF20FB4-2064-4904-8D09-E2A806D7AC74}" dt="2017-05-25T18:54:40.183" v="1732"/>
+          <ac:grpSpMkLst>
+            <pc:docMk/>
+            <pc:sldMk cId="2607604023" sldId="262"/>
+            <ac:grpSpMk id="205" creationId="{E1D3A901-D5AF-4D3E-84BB-7117C94842CE}"/>
+          </ac:grpSpMkLst>
+        </pc:grpChg>
+        <pc:grpChg chg="add mod">
+          <ac:chgData name="Eric Lunnin (Kforce)" userId="39584a29-d273-41cd-a0f9-2fd8cc174408" providerId="ADAL" clId="{8DF20FB4-2064-4904-8D09-E2A806D7AC74}" dt="2017-05-25T18:53:56.588" v="1721"/>
+          <ac:grpSpMkLst>
+            <pc:docMk/>
+            <pc:sldMk cId="2607604023" sldId="262"/>
+            <ac:grpSpMk id="206" creationId="{5771EF9E-A99B-4853-972A-6D3029C753BF}"/>
+          </ac:grpSpMkLst>
+        </pc:grpChg>
+        <pc:grpChg chg="add del mod">
+          <ac:chgData name="Eric Lunnin (Kforce)" userId="39584a29-d273-41cd-a0f9-2fd8cc174408" providerId="ADAL" clId="{8DF20FB4-2064-4904-8D09-E2A806D7AC74}" dt="2017-05-25T18:59:02.966" v="1880"/>
+          <ac:grpSpMkLst>
+            <pc:docMk/>
+            <pc:sldMk cId="2607604023" sldId="262"/>
+            <ac:grpSpMk id="207" creationId="{831480D2-8C64-4FB6-AD94-EA5AA3B8F586}"/>
+          </ac:grpSpMkLst>
+        </pc:grpChg>
+        <pc:grpChg chg="add del mod">
+          <ac:chgData name="Eric Lunnin (Kforce)" userId="39584a29-d273-41cd-a0f9-2fd8cc174408" providerId="ADAL" clId="{8DF20FB4-2064-4904-8D09-E2A806D7AC74}" dt="2017-05-25T19:00:07.300" v="1895"/>
+          <ac:grpSpMkLst>
+            <pc:docMk/>
+            <pc:sldMk cId="2607604023" sldId="262"/>
+            <ac:grpSpMk id="210" creationId="{30C69EC3-A4F0-414D-8137-A7F194F3BD1C}"/>
+          </ac:grpSpMkLst>
+        </pc:grpChg>
+        <pc:grpChg chg="add del mod">
+          <ac:chgData name="Eric Lunnin (Kforce)" userId="39584a29-d273-41cd-a0f9-2fd8cc174408" providerId="ADAL" clId="{8DF20FB4-2064-4904-8D09-E2A806D7AC74}" dt="2017-05-25T18:47:35.643" v="1559"/>
+          <ac:grpSpMkLst>
+            <pc:docMk/>
+            <pc:sldMk cId="2607604023" sldId="262"/>
+            <ac:grpSpMk id="251" creationId="{A2679B54-128F-4D26-93D0-5CA7D02BE74C}"/>
+          </ac:grpSpMkLst>
+        </pc:grpChg>
+        <pc:grpChg chg="add del mod">
+          <ac:chgData name="Eric Lunnin (Kforce)" userId="39584a29-d273-41cd-a0f9-2fd8cc174408" providerId="ADAL" clId="{8DF20FB4-2064-4904-8D09-E2A806D7AC74}" dt="2017-05-25T18:47:35.643" v="1559"/>
+          <ac:grpSpMkLst>
+            <pc:docMk/>
+            <pc:sldMk cId="2607604023" sldId="262"/>
+            <ac:grpSpMk id="254" creationId="{A8CEA096-8637-469D-877C-347FD772BA88}"/>
+          </ac:grpSpMkLst>
+        </pc:grpChg>
+        <pc:grpChg chg="add del mod">
+          <ac:chgData name="Eric Lunnin (Kforce)" userId="39584a29-d273-41cd-a0f9-2fd8cc174408" providerId="ADAL" clId="{8DF20FB4-2064-4904-8D09-E2A806D7AC74}" dt="2017-05-25T18:47:35.643" v="1559"/>
+          <ac:grpSpMkLst>
+            <pc:docMk/>
+            <pc:sldMk cId="2607604023" sldId="262"/>
+            <ac:grpSpMk id="258" creationId="{00815DCD-75D0-467C-9B3D-7D13A17E9ED1}"/>
+          </ac:grpSpMkLst>
+        </pc:grpChg>
+        <pc:grpChg chg="add del mod topLvl">
+          <ac:chgData name="Eric Lunnin (Kforce)" userId="39584a29-d273-41cd-a0f9-2fd8cc174408" providerId="ADAL" clId="{8DF20FB4-2064-4904-8D09-E2A806D7AC74}" dt="2017-05-25T18:54:41.686" v="1733"/>
+          <ac:grpSpMkLst>
+            <pc:docMk/>
+            <pc:sldMk cId="2607604023" sldId="262"/>
+            <ac:grpSpMk id="275" creationId="{61C9AB79-37DD-471F-991B-EE2B2B0E6F6E}"/>
+          </ac:grpSpMkLst>
+        </pc:grpChg>
+        <pc:grpChg chg="add del mod topLvl">
+          <ac:chgData name="Eric Lunnin (Kforce)" userId="39584a29-d273-41cd-a0f9-2fd8cc174408" providerId="ADAL" clId="{8DF20FB4-2064-4904-8D09-E2A806D7AC74}" dt="2017-05-25T18:54:41.686" v="1733"/>
+          <ac:grpSpMkLst>
+            <pc:docMk/>
+            <pc:sldMk cId="2607604023" sldId="262"/>
+            <ac:grpSpMk id="279" creationId="{2B174B0D-4E16-46B7-943D-E5EEB8BE6DD6}"/>
+          </ac:grpSpMkLst>
+        </pc:grpChg>
+        <pc:grpChg chg="del">
+          <ac:chgData name="Eric Lunnin (Kforce)" userId="39584a29-d273-41cd-a0f9-2fd8cc174408" providerId="ADAL" clId="{8DF20FB4-2064-4904-8D09-E2A806D7AC74}" dt="2017-05-25T17:37:20.933" v="866" actId="478"/>
+          <ac:grpSpMkLst>
+            <pc:docMk/>
+            <pc:sldMk cId="2607604023" sldId="262"/>
+            <ac:grpSpMk id="280" creationId="{00000000-0000-0000-0000-000000000000}"/>
+          </ac:grpSpMkLst>
+        </pc:grpChg>
+        <pc:grpChg chg="mod">
+          <ac:chgData name="Eric Lunnin (Kforce)" userId="39584a29-d273-41cd-a0f9-2fd8cc174408" providerId="ADAL" clId="{8DF20FB4-2064-4904-8D09-E2A806D7AC74}" dt="2017-05-25T17:36:41.479" v="861" actId="1035"/>
+          <ac:grpSpMkLst>
+            <pc:docMk/>
+            <pc:sldMk cId="2607604023" sldId="262"/>
+            <ac:grpSpMk id="296" creationId="{00000000-0000-0000-0000-000000000000}"/>
+          </ac:grpSpMkLst>
+        </pc:grpChg>
+        <pc:grpChg chg="add del mod topLvl">
+          <ac:chgData name="Eric Lunnin (Kforce)" userId="39584a29-d273-41cd-a0f9-2fd8cc174408" providerId="ADAL" clId="{8DF20FB4-2064-4904-8D09-E2A806D7AC74}" dt="2017-05-25T18:54:41.686" v="1733"/>
+          <ac:grpSpMkLst>
+            <pc:docMk/>
+            <pc:sldMk cId="2607604023" sldId="262"/>
+            <ac:grpSpMk id="314" creationId="{7B5C8D72-80F3-4201-B214-DE87260DF9B4}"/>
+          </ac:grpSpMkLst>
+        </pc:grpChg>
+        <pc:grpChg chg="add del mod topLvl">
+          <ac:chgData name="Eric Lunnin (Kforce)" userId="39584a29-d273-41cd-a0f9-2fd8cc174408" providerId="ADAL" clId="{8DF20FB4-2064-4904-8D09-E2A806D7AC74}" dt="2017-05-25T18:54:41.686" v="1733"/>
+          <ac:grpSpMkLst>
+            <pc:docMk/>
+            <pc:sldMk cId="2607604023" sldId="262"/>
+            <ac:grpSpMk id="317" creationId="{94B33CE8-5EB8-4A41-97D9-9245FB88F733}"/>
+          </ac:grpSpMkLst>
+        </pc:grpChg>
+        <pc:grpChg chg="del mod topLvl">
+          <ac:chgData name="Eric Lunnin (Kforce)" userId="39584a29-d273-41cd-a0f9-2fd8cc174408" providerId="ADAL" clId="{8DF20FB4-2064-4904-8D09-E2A806D7AC74}" dt="2017-05-25T18:59:28.082" v="1886" actId="478"/>
+          <ac:grpSpMkLst>
+            <pc:docMk/>
+            <pc:sldMk cId="2607604023" sldId="262"/>
+            <ac:grpSpMk id="319" creationId="{6AB02502-D602-4CFA-8A0A-0C3201129A51}"/>
+          </ac:grpSpMkLst>
+        </pc:grpChg>
+        <pc:grpChg chg="mod">
+          <ac:chgData name="Eric Lunnin (Kforce)" userId="39584a29-d273-41cd-a0f9-2fd8cc174408" providerId="ADAL" clId="{8DF20FB4-2064-4904-8D09-E2A806D7AC74}" dt="2017-05-25T18:53:56.588" v="1721"/>
+          <ac:grpSpMkLst>
+            <pc:docMk/>
+            <pc:sldMk cId="2607604023" sldId="262"/>
+            <ac:grpSpMk id="320" creationId="{D83BEEDE-04FE-40BF-B9E6-AB192DF67F3D}"/>
+          </ac:grpSpMkLst>
+        </pc:grpChg>
+        <pc:grpChg chg="mod">
+          <ac:chgData name="Eric Lunnin (Kforce)" userId="39584a29-d273-41cd-a0f9-2fd8cc174408" providerId="ADAL" clId="{8DF20FB4-2064-4904-8D09-E2A806D7AC74}" dt="2017-05-25T17:36:41.479" v="861" actId="1035"/>
+          <ac:grpSpMkLst>
+            <pc:docMk/>
+            <pc:sldMk cId="2607604023" sldId="262"/>
+            <ac:grpSpMk id="329" creationId="{00000000-0000-0000-0000-000000000000}"/>
+          </ac:grpSpMkLst>
+        </pc:grpChg>
+        <pc:grpChg chg="del">
+          <ac:chgData name="Eric Lunnin (Kforce)" userId="39584a29-d273-41cd-a0f9-2fd8cc174408" providerId="ADAL" clId="{8DF20FB4-2064-4904-8D09-E2A806D7AC74}" dt="2017-05-25T17:37:05.239" v="863" actId="478"/>
+          <ac:grpSpMkLst>
+            <pc:docMk/>
+            <pc:sldMk cId="2607604023" sldId="262"/>
+            <ac:grpSpMk id="340" creationId="{00000000-0000-0000-0000-000000000000}"/>
+          </ac:grpSpMkLst>
+        </pc:grpChg>
+        <pc:grpChg chg="mod">
+          <ac:chgData name="Eric Lunnin (Kforce)" userId="39584a29-d273-41cd-a0f9-2fd8cc174408" providerId="ADAL" clId="{8DF20FB4-2064-4904-8D09-E2A806D7AC74}" dt="2017-05-25T17:34:28.952" v="699" actId="1035"/>
+          <ac:grpSpMkLst>
+            <pc:docMk/>
+            <pc:sldMk cId="2607604023" sldId="262"/>
+            <ac:grpSpMk id="348" creationId="{00000000-0000-0000-0000-000000000000}"/>
+          </ac:grpSpMkLst>
+        </pc:grpChg>
+        <pc:grpChg chg="mod">
+          <ac:chgData name="Eric Lunnin (Kforce)" userId="39584a29-d273-41cd-a0f9-2fd8cc174408" providerId="ADAL" clId="{8DF20FB4-2064-4904-8D09-E2A806D7AC74}" dt="2017-05-25T17:34:28.952" v="699" actId="1035"/>
+          <ac:grpSpMkLst>
+            <pc:docMk/>
+            <pc:sldMk cId="2607604023" sldId="262"/>
+            <ac:grpSpMk id="364" creationId="{00000000-0000-0000-0000-000000000000}"/>
+          </ac:grpSpMkLst>
+        </pc:grpChg>
+        <pc:grpChg chg="del">
+          <ac:chgData name="Eric Lunnin (Kforce)" userId="39584a29-d273-41cd-a0f9-2fd8cc174408" providerId="ADAL" clId="{8DF20FB4-2064-4904-8D09-E2A806D7AC74}" dt="2017-05-25T17:37:05.239" v="863" actId="478"/>
+          <ac:grpSpMkLst>
+            <pc:docMk/>
+            <pc:sldMk cId="2607604023" sldId="262"/>
+            <ac:grpSpMk id="529" creationId="{00000000-0000-0000-0000-000000000000}"/>
           </ac:grpSpMkLst>
         </pc:grpChg>
         <pc:grpChg chg="del">
@@ -1050,124 +1118,12 @@
             <ac:grpSpMk id="530" creationId="{00000000-0000-0000-0000-000000000000}"/>
           </ac:grpSpMkLst>
         </pc:grpChg>
-        <pc:grpChg chg="mod">
-          <ac:chgData name="Eric Lunnin (Kforce)" userId="39584a29-d273-41cd-a0f9-2fd8cc174408" providerId="ADAL" clId="{8DF20FB4-2064-4904-8D09-E2A806D7AC74}" dt="2017-05-25T17:34:28.952" v="699" actId="1035"/>
-          <ac:grpSpMkLst>
-            <pc:docMk/>
-            <pc:sldMk cId="2607604023" sldId="262"/>
-            <ac:grpSpMk id="364" creationId="{00000000-0000-0000-0000-000000000000}"/>
-          </ac:grpSpMkLst>
-        </pc:grpChg>
-        <pc:grpChg chg="mod">
-          <ac:chgData name="Eric Lunnin (Kforce)" userId="39584a29-d273-41cd-a0f9-2fd8cc174408" providerId="ADAL" clId="{8DF20FB4-2064-4904-8D09-E2A806D7AC74}" dt="2017-05-25T17:34:28.952" v="699" actId="1035"/>
-          <ac:grpSpMkLst>
-            <pc:docMk/>
-            <pc:sldMk cId="2607604023" sldId="262"/>
-            <ac:grpSpMk id="10" creationId="{00000000-0000-0000-0000-000000000000}"/>
-          </ac:grpSpMkLst>
-        </pc:grpChg>
-        <pc:grpChg chg="mod">
-          <ac:chgData name="Eric Lunnin (Kforce)" userId="39584a29-d273-41cd-a0f9-2fd8cc174408" providerId="ADAL" clId="{8DF20FB4-2064-4904-8D09-E2A806D7AC74}" dt="2017-05-25T17:34:28.952" v="699" actId="1035"/>
-          <ac:grpSpMkLst>
-            <pc:docMk/>
-            <pc:sldMk cId="2607604023" sldId="262"/>
-            <ac:grpSpMk id="189" creationId="{00000000-0000-0000-0000-000000000000}"/>
-          </ac:grpSpMkLst>
-        </pc:grpChg>
-        <pc:grpChg chg="del mod topLvl">
-          <ac:chgData name="Eric Lunnin (Kforce)" userId="39584a29-d273-41cd-a0f9-2fd8cc174408" providerId="ADAL" clId="{8DF20FB4-2064-4904-8D09-E2A806D7AC74}" dt="2017-05-25T18:59:28.082" v="1886" actId="478"/>
-          <ac:grpSpMkLst>
-            <pc:docMk/>
-            <pc:sldMk cId="2607604023" sldId="262"/>
-            <ac:grpSpMk id="319" creationId="{6AB02502-D602-4CFA-8A0A-0C3201129A51}"/>
-          </ac:grpSpMkLst>
-        </pc:grpChg>
-        <pc:grpChg chg="add del mod topLvl">
-          <ac:chgData name="Eric Lunnin (Kforce)" userId="39584a29-d273-41cd-a0f9-2fd8cc174408" providerId="ADAL" clId="{8DF20FB4-2064-4904-8D09-E2A806D7AC74}" dt="2017-05-25T18:54:41.686" v="1733" actId="0"/>
-          <ac:grpSpMkLst>
-            <pc:docMk/>
-            <pc:sldMk cId="2607604023" sldId="262"/>
-            <ac:grpSpMk id="275" creationId="{61C9AB79-37DD-471F-991B-EE2B2B0E6F6E}"/>
-          </ac:grpSpMkLst>
-        </pc:grpChg>
-        <pc:grpChg chg="mod">
-          <ac:chgData name="Eric Lunnin (Kforce)" userId="39584a29-d273-41cd-a0f9-2fd8cc174408" providerId="ADAL" clId="{8DF20FB4-2064-4904-8D09-E2A806D7AC74}" dt="2017-05-25T17:34:28.952" v="699" actId="1035"/>
-          <ac:grpSpMkLst>
-            <pc:docMk/>
-            <pc:sldMk cId="2607604023" sldId="262"/>
-            <ac:grpSpMk id="348" creationId="{00000000-0000-0000-0000-000000000000}"/>
-          </ac:grpSpMkLst>
-        </pc:grpChg>
-        <pc:grpChg chg="add del mod">
-          <ac:chgData name="Eric Lunnin (Kforce)" userId="39584a29-d273-41cd-a0f9-2fd8cc174408" providerId="ADAL" clId="{8DF20FB4-2064-4904-8D09-E2A806D7AC74}" dt="2017-05-25T18:47:35.643" v="1559" actId="0"/>
-          <ac:grpSpMkLst>
-            <pc:docMk/>
-            <pc:sldMk cId="2607604023" sldId="262"/>
-            <ac:grpSpMk id="251" creationId="{A2679B54-128F-4D26-93D0-5CA7D02BE74C}"/>
-          </ac:grpSpMkLst>
-        </pc:grpChg>
-        <pc:grpChg chg="del">
-          <ac:chgData name="Eric Lunnin (Kforce)" userId="39584a29-d273-41cd-a0f9-2fd8cc174408" providerId="ADAL" clId="{8DF20FB4-2064-4904-8D09-E2A806D7AC74}" dt="2017-05-25T17:32:53.116" v="634" actId="478"/>
-          <ac:grpSpMkLst>
-            <pc:docMk/>
-            <pc:sldMk cId="2607604023" sldId="262"/>
-            <ac:grpSpMk id="11" creationId="{00000000-0000-0000-0000-000000000000}"/>
-          </ac:grpSpMkLst>
-        </pc:grpChg>
-        <pc:picChg chg="add del mod">
-          <ac:chgData name="Eric Lunnin (Kforce)" userId="39584a29-d273-41cd-a0f9-2fd8cc174408" providerId="ADAL" clId="{8DF20FB4-2064-4904-8D09-E2A806D7AC74}" dt="2017-05-25T18:38:05.132" v="1460" actId="0"/>
+        <pc:picChg chg="del">
+          <ac:chgData name="Eric Lunnin (Kforce)" userId="39584a29-d273-41cd-a0f9-2fd8cc174408" providerId="ADAL" clId="{8DF20FB4-2064-4904-8D09-E2A806D7AC74}" dt="2017-05-25T17:37:05.239" v="863" actId="478"/>
           <ac:picMkLst>
             <pc:docMk/>
             <pc:sldMk cId="2607604023" sldId="262"/>
-            <ac:picMk id="102" creationId="{48E693B7-9D07-4C78-ABE8-2D1BADA0ABB2}"/>
-          </ac:picMkLst>
-        </pc:picChg>
-        <pc:picChg chg="add del mod">
-          <ac:chgData name="Eric Lunnin (Kforce)" userId="39584a29-d273-41cd-a0f9-2fd8cc174408" providerId="ADAL" clId="{8DF20FB4-2064-4904-8D09-E2A806D7AC74}" dt="2017-05-25T18:58:57.340" v="1877" actId="0"/>
-          <ac:picMkLst>
-            <pc:docMk/>
-            <pc:sldMk cId="2607604023" sldId="262"/>
-            <ac:picMk id="18" creationId="{8ADA36DD-45BE-4252-B723-F85FEF01607C}"/>
-          </ac:picMkLst>
-        </pc:picChg>
-        <pc:picChg chg="add del mod">
-          <ac:chgData name="Eric Lunnin (Kforce)" userId="39584a29-d273-41cd-a0f9-2fd8cc174408" providerId="ADAL" clId="{8DF20FB4-2064-4904-8D09-E2A806D7AC74}" dt="2017-05-25T18:21:59.174" v="1390" actId="0"/>
-          <ac:picMkLst>
-            <pc:docMk/>
-            <pc:sldMk cId="2607604023" sldId="262"/>
-            <ac:picMk id="22" creationId="{BDBC66AA-AA96-443E-BBDF-26E5ED448FCA}"/>
-          </ac:picMkLst>
-        </pc:picChg>
-        <pc:picChg chg="add del mod">
-          <ac:chgData name="Eric Lunnin (Kforce)" userId="39584a29-d273-41cd-a0f9-2fd8cc174408" providerId="ADAL" clId="{8DF20FB4-2064-4904-8D09-E2A806D7AC74}" dt="2017-05-25T19:00:02.339" v="1892" actId="0"/>
-          <ac:picMkLst>
-            <pc:docMk/>
-            <pc:sldMk cId="2607604023" sldId="262"/>
-            <ac:picMk id="24" creationId="{DCB76E35-3498-4D98-B0E0-2360ABE87FD2}"/>
-          </ac:picMkLst>
-        </pc:picChg>
-        <pc:picChg chg="add del mod">
-          <ac:chgData name="Eric Lunnin (Kforce)" userId="39584a29-d273-41cd-a0f9-2fd8cc174408" providerId="ADAL" clId="{8DF20FB4-2064-4904-8D09-E2A806D7AC74}" dt="2017-05-25T18:46:34.486" v="1544" actId="0"/>
-          <ac:picMkLst>
-            <pc:docMk/>
-            <pc:sldMk cId="2607604023" sldId="262"/>
-            <ac:picMk id="118" creationId="{ED67B1D6-59D3-436B-8B6A-30456251CA25}"/>
-          </ac:picMkLst>
-        </pc:picChg>
-        <pc:picChg chg="add del mod">
-          <ac:chgData name="Eric Lunnin (Kforce)" userId="39584a29-d273-41cd-a0f9-2fd8cc174408" providerId="ADAL" clId="{8DF20FB4-2064-4904-8D09-E2A806D7AC74}" dt="2017-05-25T18:49:53.402" v="1656" actId="0"/>
-          <ac:picMkLst>
-            <pc:docMk/>
-            <pc:sldMk cId="2607604023" sldId="262"/>
-            <ac:picMk id="98" creationId="{A06B648D-09C8-4C4C-8C10-E358F514E3CF}"/>
-          </ac:picMkLst>
-        </pc:picChg>
-        <pc:picChg chg="add del mod">
-          <ac:chgData name="Eric Lunnin (Kforce)" userId="39584a29-d273-41cd-a0f9-2fd8cc174408" providerId="ADAL" clId="{8DF20FB4-2064-4904-8D09-E2A806D7AC74}" dt="2017-05-25T18:49:28.498" v="1649" actId="0"/>
-          <ac:picMkLst>
-            <pc:docMk/>
-            <pc:sldMk cId="2607604023" sldId="262"/>
-            <ac:picMk id="96" creationId="{B1FBD15C-4542-4A2F-9B3E-1304E83654B5}"/>
+            <ac:picMk id="3" creationId="{00000000-0000-0000-0000-000000000000}"/>
           </ac:picMkLst>
         </pc:picChg>
         <pc:picChg chg="del">
@@ -1179,31 +1135,79 @@
           </ac:picMkLst>
         </pc:picChg>
         <pc:picChg chg="add del mod">
-          <ac:chgData name="Eric Lunnin (Kforce)" userId="39584a29-d273-41cd-a0f9-2fd8cc174408" providerId="ADAL" clId="{8DF20FB4-2064-4904-8D09-E2A806D7AC74}" dt="2017-05-25T18:22:23.485" v="1397" actId="0"/>
+          <ac:chgData name="Eric Lunnin (Kforce)" userId="39584a29-d273-41cd-a0f9-2fd8cc174408" providerId="ADAL" clId="{8DF20FB4-2064-4904-8D09-E2A806D7AC74}" dt="2017-05-25T18:22:23.485" v="1397"/>
           <ac:picMkLst>
             <pc:docMk/>
             <pc:sldMk cId="2607604023" sldId="262"/>
             <ac:picMk id="16" creationId="{4BD4BA5B-C4F9-4C87-8D45-52819E610F43}"/>
           </ac:picMkLst>
         </pc:picChg>
-        <pc:picChg chg="del">
-          <ac:chgData name="Eric Lunnin (Kforce)" userId="39584a29-d273-41cd-a0f9-2fd8cc174408" providerId="ADAL" clId="{8DF20FB4-2064-4904-8D09-E2A806D7AC74}" dt="2017-05-25T17:37:05.239" v="863" actId="478"/>
+        <pc:picChg chg="add del mod">
+          <ac:chgData name="Eric Lunnin (Kforce)" userId="39584a29-d273-41cd-a0f9-2fd8cc174408" providerId="ADAL" clId="{8DF20FB4-2064-4904-8D09-E2A806D7AC74}" dt="2017-05-25T18:58:57.340" v="1877"/>
           <ac:picMkLst>
             <pc:docMk/>
             <pc:sldMk cId="2607604023" sldId="262"/>
-            <ac:picMk id="3" creationId="{00000000-0000-0000-0000-000000000000}"/>
+            <ac:picMk id="18" creationId="{8ADA36DD-45BE-4252-B723-F85FEF01607C}"/>
           </ac:picMkLst>
         </pc:picChg>
         <pc:picChg chg="add del mod">
-          <ac:chgData name="Eric Lunnin (Kforce)" userId="39584a29-d273-41cd-a0f9-2fd8cc174408" providerId="ADAL" clId="{8DF20FB4-2064-4904-8D09-E2A806D7AC74}" dt="2017-05-25T18:44:54.858" v="1535" actId="0"/>
+          <ac:chgData name="Eric Lunnin (Kforce)" userId="39584a29-d273-41cd-a0f9-2fd8cc174408" providerId="ADAL" clId="{8DF20FB4-2064-4904-8D09-E2A806D7AC74}" dt="2017-05-25T18:44:54.858" v="1535"/>
           <ac:picMkLst>
             <pc:docMk/>
             <pc:sldMk cId="2607604023" sldId="262"/>
             <ac:picMk id="20" creationId="{C6E82615-7F14-4479-95D2-0638B2C5D77F}"/>
           </ac:picMkLst>
         </pc:picChg>
+        <pc:picChg chg="add del mod">
+          <ac:chgData name="Eric Lunnin (Kforce)" userId="39584a29-d273-41cd-a0f9-2fd8cc174408" providerId="ADAL" clId="{8DF20FB4-2064-4904-8D09-E2A806D7AC74}" dt="2017-05-25T18:21:59.174" v="1390"/>
+          <ac:picMkLst>
+            <pc:docMk/>
+            <pc:sldMk cId="2607604023" sldId="262"/>
+            <ac:picMk id="22" creationId="{BDBC66AA-AA96-443E-BBDF-26E5ED448FCA}"/>
+          </ac:picMkLst>
+        </pc:picChg>
+        <pc:picChg chg="add del mod">
+          <ac:chgData name="Eric Lunnin (Kforce)" userId="39584a29-d273-41cd-a0f9-2fd8cc174408" providerId="ADAL" clId="{8DF20FB4-2064-4904-8D09-E2A806D7AC74}" dt="2017-05-25T19:00:02.339" v="1892"/>
+          <ac:picMkLst>
+            <pc:docMk/>
+            <pc:sldMk cId="2607604023" sldId="262"/>
+            <ac:picMk id="24" creationId="{DCB76E35-3498-4D98-B0E0-2360ABE87FD2}"/>
+          </ac:picMkLst>
+        </pc:picChg>
+        <pc:picChg chg="add del mod">
+          <ac:chgData name="Eric Lunnin (Kforce)" userId="39584a29-d273-41cd-a0f9-2fd8cc174408" providerId="ADAL" clId="{8DF20FB4-2064-4904-8D09-E2A806D7AC74}" dt="2017-05-25T18:49:28.498" v="1649"/>
+          <ac:picMkLst>
+            <pc:docMk/>
+            <pc:sldMk cId="2607604023" sldId="262"/>
+            <ac:picMk id="96" creationId="{B1FBD15C-4542-4A2F-9B3E-1304E83654B5}"/>
+          </ac:picMkLst>
+        </pc:picChg>
+        <pc:picChg chg="add del mod">
+          <ac:chgData name="Eric Lunnin (Kforce)" userId="39584a29-d273-41cd-a0f9-2fd8cc174408" providerId="ADAL" clId="{8DF20FB4-2064-4904-8D09-E2A806D7AC74}" dt="2017-05-25T18:49:53.402" v="1656"/>
+          <ac:picMkLst>
+            <pc:docMk/>
+            <pc:sldMk cId="2607604023" sldId="262"/>
+            <ac:picMk id="98" creationId="{A06B648D-09C8-4C4C-8C10-E358F514E3CF}"/>
+          </ac:picMkLst>
+        </pc:picChg>
+        <pc:picChg chg="add del mod">
+          <ac:chgData name="Eric Lunnin (Kforce)" userId="39584a29-d273-41cd-a0f9-2fd8cc174408" providerId="ADAL" clId="{8DF20FB4-2064-4904-8D09-E2A806D7AC74}" dt="2017-05-25T18:38:05.132" v="1460"/>
+          <ac:picMkLst>
+            <pc:docMk/>
+            <pc:sldMk cId="2607604023" sldId="262"/>
+            <ac:picMk id="102" creationId="{48E693B7-9D07-4C78-ABE8-2D1BADA0ABB2}"/>
+          </ac:picMkLst>
+        </pc:picChg>
+        <pc:picChg chg="add del mod">
+          <ac:chgData name="Eric Lunnin (Kforce)" userId="39584a29-d273-41cd-a0f9-2fd8cc174408" providerId="ADAL" clId="{8DF20FB4-2064-4904-8D09-E2A806D7AC74}" dt="2017-05-25T18:46:34.486" v="1544"/>
+          <ac:picMkLst>
+            <pc:docMk/>
+            <pc:sldMk cId="2607604023" sldId="262"/>
+            <ac:picMk id="118" creationId="{ED67B1D6-59D3-436B-8B6A-30456251CA25}"/>
+          </ac:picMkLst>
+        </pc:picChg>
         <pc:cxnChg chg="add mod">
-          <ac:chgData name="Eric Lunnin (Kforce)" userId="39584a29-d273-41cd-a0f9-2fd8cc174408" providerId="ADAL" clId="{8DF20FB4-2064-4904-8D09-E2A806D7AC74}" dt="2017-05-25T18:53:56.588" v="1721" actId="0"/>
+          <ac:chgData name="Eric Lunnin (Kforce)" userId="39584a29-d273-41cd-a0f9-2fd8cc174408" providerId="ADAL" clId="{8DF20FB4-2064-4904-8D09-E2A806D7AC74}" dt="2017-05-25T18:53:56.588" v="1721"/>
           <ac:cxnSpMkLst>
             <pc:docMk/>
             <pc:sldMk cId="2607604023" sldId="262"/>
@@ -1217,68 +1221,28 @@
           <pc:docMk/>
           <pc:sldMk cId="1271647421" sldId="267"/>
         </pc:sldMkLst>
-        <pc:spChg chg="del mod topLvl">
-          <ac:chgData name="Eric Lunnin (Kforce)" userId="39584a29-d273-41cd-a0f9-2fd8cc174408" providerId="ADAL" clId="{8DF20FB4-2064-4904-8D09-E2A806D7AC74}" dt="2017-05-25T18:10:43.974" v="1307" actId="478"/>
+        <pc:spChg chg="add mod">
+          <ac:chgData name="Eric Lunnin (Kforce)" userId="39584a29-d273-41cd-a0f9-2fd8cc174408" providerId="ADAL" clId="{8DF20FB4-2064-4904-8D09-E2A806D7AC74}" dt="2017-05-25T17:57:06.147" v="1234" actId="1036"/>
           <ac:spMkLst>
             <pc:docMk/>
             <pc:sldMk cId="1271647421" sldId="267"/>
-            <ac:spMk id="301" creationId="{DEB5D89F-1D97-4536-8FFC-57885581ABB3}"/>
+            <ac:spMk id="9" creationId="{F33507B6-8D54-406E-A0C3-881C02619A77}"/>
           </ac:spMkLst>
         </pc:spChg>
-        <pc:spChg chg="mod topLvl">
-          <ac:chgData name="Eric Lunnin (Kforce)" userId="39584a29-d273-41cd-a0f9-2fd8cc174408" providerId="ADAL" clId="{8DF20FB4-2064-4904-8D09-E2A806D7AC74}" dt="2017-05-25T18:14:19.042" v="1363" actId="0"/>
+        <pc:spChg chg="add mod ord">
+          <ac:chgData name="Eric Lunnin (Kforce)" userId="39584a29-d273-41cd-a0f9-2fd8cc174408" providerId="ADAL" clId="{8DF20FB4-2064-4904-8D09-E2A806D7AC74}" dt="2017-05-25T17:50:24.053" v="1140"/>
           <ac:spMkLst>
             <pc:docMk/>
             <pc:sldMk cId="1271647421" sldId="267"/>
-            <ac:spMk id="304" creationId="{C0D93852-C8A6-4F26-A15D-FF528A02B6D6}"/>
+            <ac:spMk id="10" creationId="{33E80807-6A7D-44B8-854C-C59B441746D5}"/>
           </ac:spMkLst>
         </pc:spChg>
-        <pc:spChg chg="mod topLvl">
-          <ac:chgData name="Eric Lunnin (Kforce)" userId="39584a29-d273-41cd-a0f9-2fd8cc174408" providerId="ADAL" clId="{8DF20FB4-2064-4904-8D09-E2A806D7AC74}" dt="2017-05-25T17:59:22.845" v="1269" actId="1036"/>
+        <pc:spChg chg="add mod">
+          <ac:chgData name="Eric Lunnin (Kforce)" userId="39584a29-d273-41cd-a0f9-2fd8cc174408" providerId="ADAL" clId="{8DF20FB4-2064-4904-8D09-E2A806D7AC74}" dt="2017-05-25T17:50:24.053" v="1140"/>
           <ac:spMkLst>
             <pc:docMk/>
             <pc:sldMk cId="1271647421" sldId="267"/>
-            <ac:spMk id="552" creationId="{00000000-0000-0000-0000-000000000000}"/>
-          </ac:spMkLst>
-        </pc:spChg>
-        <pc:spChg chg="del">
-          <ac:chgData name="Eric Lunnin (Kforce)" userId="39584a29-d273-41cd-a0f9-2fd8cc174408" providerId="ADAL" clId="{8DF20FB4-2064-4904-8D09-E2A806D7AC74}" dt="2017-05-25T15:47:51.632" v="120" actId="478"/>
-          <ac:spMkLst>
-            <pc:docMk/>
-            <pc:sldMk cId="1271647421" sldId="267"/>
-            <ac:spMk id="141" creationId="{00000000-0000-0000-0000-000000000000}"/>
-          </ac:spMkLst>
-        </pc:spChg>
-        <pc:spChg chg="del">
-          <ac:chgData name="Eric Lunnin (Kforce)" userId="39584a29-d273-41cd-a0f9-2fd8cc174408" providerId="ADAL" clId="{8DF20FB4-2064-4904-8D09-E2A806D7AC74}" dt="2017-05-25T15:52:57.257" v="266" actId="478"/>
-          <ac:spMkLst>
-            <pc:docMk/>
-            <pc:sldMk cId="1271647421" sldId="267"/>
-            <ac:spMk id="554" creationId="{00000000-0000-0000-0000-000000000000}"/>
-          </ac:spMkLst>
-        </pc:spChg>
-        <pc:spChg chg="del">
-          <ac:chgData name="Eric Lunnin (Kforce)" userId="39584a29-d273-41cd-a0f9-2fd8cc174408" providerId="ADAL" clId="{8DF20FB4-2064-4904-8D09-E2A806D7AC74}" dt="2017-05-25T15:52:57.257" v="266" actId="478"/>
-          <ac:spMkLst>
-            <pc:docMk/>
-            <pc:sldMk cId="1271647421" sldId="267"/>
-            <ac:spMk id="170" creationId="{00000000-0000-0000-0000-000000000000}"/>
-          </ac:spMkLst>
-        </pc:spChg>
-        <pc:spChg chg="add mod">
-          <ac:chgData name="Eric Lunnin (Kforce)" userId="39584a29-d273-41cd-a0f9-2fd8cc174408" providerId="ADAL" clId="{8DF20FB4-2064-4904-8D09-E2A806D7AC74}" dt="2017-05-25T17:50:24.053" v="1140" actId="0"/>
-          <ac:spMkLst>
-            <pc:docMk/>
-            <pc:sldMk cId="1271647421" sldId="267"/>
-            <ac:spMk id="154" creationId="{1C2645C9-017F-4CD0-B6D7-0B4A7754B671}"/>
-          </ac:spMkLst>
-        </pc:spChg>
-        <pc:spChg chg="del">
-          <ac:chgData name="Eric Lunnin (Kforce)" userId="39584a29-d273-41cd-a0f9-2fd8cc174408" providerId="ADAL" clId="{8DF20FB4-2064-4904-8D09-E2A806D7AC74}" dt="2017-05-25T15:47:51.632" v="120" actId="478"/>
-          <ac:spMkLst>
-            <pc:docMk/>
-            <pc:sldMk cId="1271647421" sldId="267"/>
-            <ac:spMk id="195" creationId="{00000000-0000-0000-0000-000000000000}"/>
+            <ac:spMk id="11" creationId="{85987125-E44A-48FD-8FC8-6C7B93F119F7}"/>
           </ac:spMkLst>
         </pc:spChg>
         <pc:spChg chg="del">
@@ -1287,46 +1251,6 @@
             <pc:docMk/>
             <pc:sldMk cId="1271647421" sldId="267"/>
             <ac:spMk id="81" creationId="{00000000-0000-0000-0000-000000000000}"/>
-          </ac:spMkLst>
-        </pc:spChg>
-        <pc:spChg chg="mod topLvl">
-          <ac:chgData name="Eric Lunnin (Kforce)" userId="39584a29-d273-41cd-a0f9-2fd8cc174408" providerId="ADAL" clId="{8DF20FB4-2064-4904-8D09-E2A806D7AC74}" dt="2017-05-25T18:07:57.522" v="1276" actId="2711"/>
-          <ac:spMkLst>
-            <pc:docMk/>
-            <pc:sldMk cId="1271647421" sldId="267"/>
-            <ac:spMk id="553" creationId="{00000000-0000-0000-0000-000000000000}"/>
-          </ac:spMkLst>
-        </pc:spChg>
-        <pc:spChg chg="del">
-          <ac:chgData name="Eric Lunnin (Kforce)" userId="39584a29-d273-41cd-a0f9-2fd8cc174408" providerId="ADAL" clId="{8DF20FB4-2064-4904-8D09-E2A806D7AC74}" dt="2017-05-25T15:47:51.632" v="120" actId="478"/>
-          <ac:spMkLst>
-            <pc:docMk/>
-            <pc:sldMk cId="1271647421" sldId="267"/>
-            <ac:spMk id="189" creationId="{00000000-0000-0000-0000-000000000000}"/>
-          </ac:spMkLst>
-        </pc:spChg>
-        <pc:spChg chg="add mod">
-          <ac:chgData name="Eric Lunnin (Kforce)" userId="39584a29-d273-41cd-a0f9-2fd8cc174408" providerId="ADAL" clId="{8DF20FB4-2064-4904-8D09-E2A806D7AC74}" dt="2017-05-25T18:14:47.642" v="1368" actId="1076"/>
-          <ac:spMkLst>
-            <pc:docMk/>
-            <pc:sldMk cId="1271647421" sldId="267"/>
-            <ac:spMk id="203" creationId="{3FE9A5EB-C642-4512-A168-0B63A6B2D05A}"/>
-          </ac:spMkLst>
-        </pc:spChg>
-        <pc:spChg chg="add mod">
-          <ac:chgData name="Eric Lunnin (Kforce)" userId="39584a29-d273-41cd-a0f9-2fd8cc174408" providerId="ADAL" clId="{8DF20FB4-2064-4904-8D09-E2A806D7AC74}" dt="2017-05-25T17:57:06.147" v="1234" actId="1036"/>
-          <ac:spMkLst>
-            <pc:docMk/>
-            <pc:sldMk cId="1271647421" sldId="267"/>
-            <ac:spMk id="9" creationId="{F33507B6-8D54-406E-A0C3-881C02619A77}"/>
-          </ac:spMkLst>
-        </pc:spChg>
-        <pc:spChg chg="del">
-          <ac:chgData name="Eric Lunnin (Kforce)" userId="39584a29-d273-41cd-a0f9-2fd8cc174408" providerId="ADAL" clId="{8DF20FB4-2064-4904-8D09-E2A806D7AC74}" dt="2017-05-25T15:52:57.257" v="266" actId="478"/>
-          <ac:spMkLst>
-            <pc:docMk/>
-            <pc:sldMk cId="1271647421" sldId="267"/>
-            <ac:spMk id="566" creationId="{00000000-0000-0000-0000-000000000000}"/>
           </ac:spMkLst>
         </pc:spChg>
         <pc:spChg chg="del">
@@ -1338,27 +1262,19 @@
           </ac:spMkLst>
         </pc:spChg>
         <pc:spChg chg="del">
-          <ac:chgData name="Eric Lunnin (Kforce)" userId="39584a29-d273-41cd-a0f9-2fd8cc174408" providerId="ADAL" clId="{8DF20FB4-2064-4904-8D09-E2A806D7AC74}" dt="2017-05-25T15:48:36.529" v="122" actId="478"/>
+          <ac:chgData name="Eric Lunnin (Kforce)" userId="39584a29-d273-41cd-a0f9-2fd8cc174408" providerId="ADAL" clId="{8DF20FB4-2064-4904-8D09-E2A806D7AC74}" dt="2017-05-25T15:47:51.632" v="120" actId="478"/>
           <ac:spMkLst>
             <pc:docMk/>
             <pc:sldMk cId="1271647421" sldId="267"/>
-            <ac:spMk id="559" creationId="{00000000-0000-0000-0000-000000000000}"/>
+            <ac:spMk id="128" creationId="{00000000-0000-0000-0000-000000000000}"/>
           </ac:spMkLst>
         </pc:spChg>
-        <pc:spChg chg="add mod">
-          <ac:chgData name="Eric Lunnin (Kforce)" userId="39584a29-d273-41cd-a0f9-2fd8cc174408" providerId="ADAL" clId="{8DF20FB4-2064-4904-8D09-E2A806D7AC74}" dt="2017-05-25T17:50:24.053" v="1140" actId="0"/>
+        <pc:spChg chg="del">
+          <ac:chgData name="Eric Lunnin (Kforce)" userId="39584a29-d273-41cd-a0f9-2fd8cc174408" providerId="ADAL" clId="{8DF20FB4-2064-4904-8D09-E2A806D7AC74}" dt="2017-05-25T15:47:51.632" v="120" actId="478"/>
           <ac:spMkLst>
             <pc:docMk/>
             <pc:sldMk cId="1271647421" sldId="267"/>
-            <ac:spMk id="11" creationId="{85987125-E44A-48FD-8FC8-6C7B93F119F7}"/>
-          </ac:spMkLst>
-        </pc:spChg>
-        <pc:spChg chg="mod topLvl">
-          <ac:chgData name="Eric Lunnin (Kforce)" userId="39584a29-d273-41cd-a0f9-2fd8cc174408" providerId="ADAL" clId="{8DF20FB4-2064-4904-8D09-E2A806D7AC74}" dt="2017-05-25T15:44:11.821" v="2" actId="0"/>
-          <ac:spMkLst>
-            <pc:docMk/>
-            <pc:sldMk cId="1271647421" sldId="267"/>
-            <ac:spMk id="181" creationId="{00000000-0000-0000-0000-000000000000}"/>
+            <ac:spMk id="130" creationId="{00000000-0000-0000-0000-000000000000}"/>
           </ac:spMkLst>
         </pc:spChg>
         <pc:spChg chg="del">
@@ -1367,94 +1283,6 @@
             <pc:docMk/>
             <pc:sldMk cId="1271647421" sldId="267"/>
             <ac:spMk id="131" creationId="{00000000-0000-0000-0000-000000000000}"/>
-          </ac:spMkLst>
-        </pc:spChg>
-        <pc:spChg chg="mod topLvl">
-          <ac:chgData name="Eric Lunnin (Kforce)" userId="39584a29-d273-41cd-a0f9-2fd8cc174408" providerId="ADAL" clId="{8DF20FB4-2064-4904-8D09-E2A806D7AC74}" dt="2017-05-25T18:13:52.961" v="1357" actId="0"/>
-          <ac:spMkLst>
-            <pc:docMk/>
-            <pc:sldMk cId="1271647421" sldId="267"/>
-            <ac:spMk id="239" creationId="{7758E77D-333D-497B-AF02-27846903344E}"/>
-          </ac:spMkLst>
-        </pc:spChg>
-        <pc:spChg chg="del mod topLvl">
-          <ac:chgData name="Eric Lunnin (Kforce)" userId="39584a29-d273-41cd-a0f9-2fd8cc174408" providerId="ADAL" clId="{8DF20FB4-2064-4904-8D09-E2A806D7AC74}" dt="2017-05-25T18:10:47.258" v="1308" actId="478"/>
-          <ac:spMkLst>
-            <pc:docMk/>
-            <pc:sldMk cId="1271647421" sldId="267"/>
-            <ac:spMk id="243" creationId="{22E4EE63-4CBC-4C88-A012-C84378F8F719}"/>
-          </ac:spMkLst>
-        </pc:spChg>
-        <pc:spChg chg="mod">
-          <ac:chgData name="Eric Lunnin (Kforce)" userId="39584a29-d273-41cd-a0f9-2fd8cc174408" providerId="ADAL" clId="{8DF20FB4-2064-4904-8D09-E2A806D7AC74}" dt="2017-05-25T18:14:53.328" v="1376" actId="1036"/>
-          <ac:spMkLst>
-            <pc:docMk/>
-            <pc:sldMk cId="1271647421" sldId="267"/>
-            <ac:spMk id="558" creationId="{00000000-0000-0000-0000-000000000000}"/>
-          </ac:spMkLst>
-        </pc:spChg>
-        <pc:spChg chg="del">
-          <ac:chgData name="Eric Lunnin (Kforce)" userId="39584a29-d273-41cd-a0f9-2fd8cc174408" providerId="ADAL" clId="{8DF20FB4-2064-4904-8D09-E2A806D7AC74}" dt="2017-05-25T15:47:51.632" v="120" actId="478"/>
-          <ac:spMkLst>
-            <pc:docMk/>
-            <pc:sldMk cId="1271647421" sldId="267"/>
-            <ac:spMk id="144" creationId="{00000000-0000-0000-0000-000000000000}"/>
-          </ac:spMkLst>
-        </pc:spChg>
-        <pc:spChg chg="mod ord topLvl">
-          <ac:chgData name="Eric Lunnin (Kforce)" userId="39584a29-d273-41cd-a0f9-2fd8cc174408" providerId="ADAL" clId="{8DF20FB4-2064-4904-8D09-E2A806D7AC74}" dt="2017-05-25T15:47:35.647" v="118" actId="0"/>
-          <ac:spMkLst>
-            <pc:docMk/>
-            <pc:sldMk cId="1271647421" sldId="267"/>
-            <ac:spMk id="188" creationId="{00000000-0000-0000-0000-000000000000}"/>
-          </ac:spMkLst>
-        </pc:spChg>
-        <pc:spChg chg="del">
-          <ac:chgData name="Eric Lunnin (Kforce)" userId="39584a29-d273-41cd-a0f9-2fd8cc174408" providerId="ADAL" clId="{8DF20FB4-2064-4904-8D09-E2A806D7AC74}" dt="2017-05-25T15:47:51.632" v="120" actId="478"/>
-          <ac:spMkLst>
-            <pc:docMk/>
-            <pc:sldMk cId="1271647421" sldId="267"/>
-            <ac:spMk id="152" creationId="{00000000-0000-0000-0000-000000000000}"/>
-          </ac:spMkLst>
-        </pc:spChg>
-        <pc:spChg chg="mod topLvl">
-          <ac:chgData name="Eric Lunnin (Kforce)" userId="39584a29-d273-41cd-a0f9-2fd8cc174408" providerId="ADAL" clId="{8DF20FB4-2064-4904-8D09-E2A806D7AC74}" dt="2017-05-25T18:13:55.239" v="1360" actId="20577"/>
-          <ac:spMkLst>
-            <pc:docMk/>
-            <pc:sldMk cId="1271647421" sldId="267"/>
-            <ac:spMk id="299" creationId="{C856F22A-6E5F-484C-870C-953B053B952D}"/>
-          </ac:spMkLst>
-        </pc:spChg>
-        <pc:spChg chg="add mod">
-          <ac:chgData name="Eric Lunnin (Kforce)" userId="39584a29-d273-41cd-a0f9-2fd8cc174408" providerId="ADAL" clId="{8DF20FB4-2064-4904-8D09-E2A806D7AC74}" dt="2017-05-25T17:50:24.053" v="1140" actId="0"/>
-          <ac:spMkLst>
-            <pc:docMk/>
-            <pc:sldMk cId="1271647421" sldId="267"/>
-            <ac:spMk id="153" creationId="{96B14055-CBBF-484F-90F0-114C02722027}"/>
-          </ac:spMkLst>
-        </pc:spChg>
-        <pc:spChg chg="del">
-          <ac:chgData name="Eric Lunnin (Kforce)" userId="39584a29-d273-41cd-a0f9-2fd8cc174408" providerId="ADAL" clId="{8DF20FB4-2064-4904-8D09-E2A806D7AC74}" dt="2017-05-25T15:48:36.529" v="122" actId="478"/>
-          <ac:spMkLst>
-            <pc:docMk/>
-            <pc:sldMk cId="1271647421" sldId="267"/>
-            <ac:spMk id="555" creationId="{00000000-0000-0000-0000-000000000000}"/>
-          </ac:spMkLst>
-        </pc:spChg>
-        <pc:spChg chg="add mod ord">
-          <ac:chgData name="Eric Lunnin (Kforce)" userId="39584a29-d273-41cd-a0f9-2fd8cc174408" providerId="ADAL" clId="{8DF20FB4-2064-4904-8D09-E2A806D7AC74}" dt="2017-05-25T17:50:24.053" v="1140" actId="0"/>
-          <ac:spMkLst>
-            <pc:docMk/>
-            <pc:sldMk cId="1271647421" sldId="267"/>
-            <ac:spMk id="10" creationId="{33E80807-6A7D-44B8-854C-C59B441746D5}"/>
-          </ac:spMkLst>
-        </pc:spChg>
-        <pc:spChg chg="del">
-          <ac:chgData name="Eric Lunnin (Kforce)" userId="39584a29-d273-41cd-a0f9-2fd8cc174408" providerId="ADAL" clId="{8DF20FB4-2064-4904-8D09-E2A806D7AC74}" dt="2017-05-25T15:52:57.257" v="266" actId="478"/>
-          <ac:spMkLst>
-            <pc:docMk/>
-            <pc:sldMk cId="1271647421" sldId="267"/>
-            <ac:spMk id="565" creationId="{00000000-0000-0000-0000-000000000000}"/>
           </ac:spMkLst>
         </pc:spChg>
         <pc:spChg chg="del">
@@ -1470,6 +1298,22 @@
           <ac:spMkLst>
             <pc:docMk/>
             <pc:sldMk cId="1271647421" sldId="267"/>
+            <ac:spMk id="141" creationId="{00000000-0000-0000-0000-000000000000}"/>
+          </ac:spMkLst>
+        </pc:spChg>
+        <pc:spChg chg="del">
+          <ac:chgData name="Eric Lunnin (Kforce)" userId="39584a29-d273-41cd-a0f9-2fd8cc174408" providerId="ADAL" clId="{8DF20FB4-2064-4904-8D09-E2A806D7AC74}" dt="2017-05-25T15:47:51.632" v="120" actId="478"/>
+          <ac:spMkLst>
+            <pc:docMk/>
+            <pc:sldMk cId="1271647421" sldId="267"/>
+            <ac:spMk id="142" creationId="{00000000-0000-0000-0000-000000000000}"/>
+          </ac:spMkLst>
+        </pc:spChg>
+        <pc:spChg chg="del">
+          <ac:chgData name="Eric Lunnin (Kforce)" userId="39584a29-d273-41cd-a0f9-2fd8cc174408" providerId="ADAL" clId="{8DF20FB4-2064-4904-8D09-E2A806D7AC74}" dt="2017-05-25T15:47:51.632" v="120" actId="478"/>
+          <ac:spMkLst>
+            <pc:docMk/>
+            <pc:sldMk cId="1271647421" sldId="267"/>
             <ac:spMk id="143" creationId="{00000000-0000-0000-0000-000000000000}"/>
           </ac:spMkLst>
         </pc:spChg>
@@ -1478,15 +1322,167 @@
           <ac:spMkLst>
             <pc:docMk/>
             <pc:sldMk cId="1271647421" sldId="267"/>
-            <ac:spMk id="130" creationId="{00000000-0000-0000-0000-000000000000}"/>
+            <ac:spMk id="144" creationId="{00000000-0000-0000-0000-000000000000}"/>
+          </ac:spMkLst>
+        </pc:spChg>
+        <pc:spChg chg="del">
+          <ac:chgData name="Eric Lunnin (Kforce)" userId="39584a29-d273-41cd-a0f9-2fd8cc174408" providerId="ADAL" clId="{8DF20FB4-2064-4904-8D09-E2A806D7AC74}" dt="2017-05-25T15:47:51.632" v="120" actId="478"/>
+          <ac:spMkLst>
+            <pc:docMk/>
+            <pc:sldMk cId="1271647421" sldId="267"/>
+            <ac:spMk id="149" creationId="{00000000-0000-0000-0000-000000000000}"/>
+          </ac:spMkLst>
+        </pc:spChg>
+        <pc:spChg chg="add mod">
+          <ac:chgData name="Eric Lunnin (Kforce)" userId="39584a29-d273-41cd-a0f9-2fd8cc174408" providerId="ADAL" clId="{8DF20FB4-2064-4904-8D09-E2A806D7AC74}" dt="2017-05-25T17:57:06.147" v="1234" actId="1036"/>
+          <ac:spMkLst>
+            <pc:docMk/>
+            <pc:sldMk cId="1271647421" sldId="267"/>
+            <ac:spMk id="150" creationId="{BA32FF36-8224-4FCD-84C2-AFC9FF97E768}"/>
+          </ac:spMkLst>
+        </pc:spChg>
+        <pc:spChg chg="add mod">
+          <ac:chgData name="Eric Lunnin (Kforce)" userId="39584a29-d273-41cd-a0f9-2fd8cc174408" providerId="ADAL" clId="{8DF20FB4-2064-4904-8D09-E2A806D7AC74}" dt="2017-05-25T17:50:24.053" v="1140"/>
+          <ac:spMkLst>
+            <pc:docMk/>
+            <pc:sldMk cId="1271647421" sldId="267"/>
+            <ac:spMk id="151" creationId="{CCF39DB8-55EC-4ED5-8930-ACB650A44EBC}"/>
+          </ac:spMkLst>
+        </pc:spChg>
+        <pc:spChg chg="del">
+          <ac:chgData name="Eric Lunnin (Kforce)" userId="39584a29-d273-41cd-a0f9-2fd8cc174408" providerId="ADAL" clId="{8DF20FB4-2064-4904-8D09-E2A806D7AC74}" dt="2017-05-25T15:47:51.632" v="120" actId="478"/>
+          <ac:spMkLst>
+            <pc:docMk/>
+            <pc:sldMk cId="1271647421" sldId="267"/>
+            <ac:spMk id="152" creationId="{00000000-0000-0000-0000-000000000000}"/>
+          </ac:spMkLst>
+        </pc:spChg>
+        <pc:spChg chg="add mod">
+          <ac:chgData name="Eric Lunnin (Kforce)" userId="39584a29-d273-41cd-a0f9-2fd8cc174408" providerId="ADAL" clId="{8DF20FB4-2064-4904-8D09-E2A806D7AC74}" dt="2017-05-25T17:50:24.053" v="1140"/>
+          <ac:spMkLst>
+            <pc:docMk/>
+            <pc:sldMk cId="1271647421" sldId="267"/>
+            <ac:spMk id="153" creationId="{96B14055-CBBF-484F-90F0-114C02722027}"/>
+          </ac:spMkLst>
+        </pc:spChg>
+        <pc:spChg chg="add mod">
+          <ac:chgData name="Eric Lunnin (Kforce)" userId="39584a29-d273-41cd-a0f9-2fd8cc174408" providerId="ADAL" clId="{8DF20FB4-2064-4904-8D09-E2A806D7AC74}" dt="2017-05-25T17:50:24.053" v="1140"/>
+          <ac:spMkLst>
+            <pc:docMk/>
+            <pc:sldMk cId="1271647421" sldId="267"/>
+            <ac:spMk id="154" creationId="{1C2645C9-017F-4CD0-B6D7-0B4A7754B671}"/>
+          </ac:spMkLst>
+        </pc:spChg>
+        <pc:spChg chg="del">
+          <ac:chgData name="Eric Lunnin (Kforce)" userId="39584a29-d273-41cd-a0f9-2fd8cc174408" providerId="ADAL" clId="{8DF20FB4-2064-4904-8D09-E2A806D7AC74}" dt="2017-05-25T15:52:57.257" v="266" actId="478"/>
+          <ac:spMkLst>
+            <pc:docMk/>
+            <pc:sldMk cId="1271647421" sldId="267"/>
+            <ac:spMk id="170" creationId="{00000000-0000-0000-0000-000000000000}"/>
           </ac:spMkLst>
         </pc:spChg>
         <pc:spChg chg="mod topLvl">
-          <ac:chgData name="Eric Lunnin (Kforce)" userId="39584a29-d273-41cd-a0f9-2fd8cc174408" providerId="ADAL" clId="{8DF20FB4-2064-4904-8D09-E2A806D7AC74}" dt="2017-05-25T18:14:19.042" v="1363" actId="0"/>
+          <ac:chgData name="Eric Lunnin (Kforce)" userId="39584a29-d273-41cd-a0f9-2fd8cc174408" providerId="ADAL" clId="{8DF20FB4-2064-4904-8D09-E2A806D7AC74}" dt="2017-05-25T15:44:11.821" v="2"/>
           <ac:spMkLst>
             <pc:docMk/>
             <pc:sldMk cId="1271647421" sldId="267"/>
-            <ac:spMk id="303" creationId="{B16759CA-F73D-4539-BB60-F141F44453E7}"/>
+            <ac:spMk id="181" creationId="{00000000-0000-0000-0000-000000000000}"/>
+          </ac:spMkLst>
+        </pc:spChg>
+        <pc:spChg chg="mod ord topLvl">
+          <ac:chgData name="Eric Lunnin (Kforce)" userId="39584a29-d273-41cd-a0f9-2fd8cc174408" providerId="ADAL" clId="{8DF20FB4-2064-4904-8D09-E2A806D7AC74}" dt="2017-05-25T15:47:35.647" v="118"/>
+          <ac:spMkLst>
+            <pc:docMk/>
+            <pc:sldMk cId="1271647421" sldId="267"/>
+            <ac:spMk id="188" creationId="{00000000-0000-0000-0000-000000000000}"/>
+          </ac:spMkLst>
+        </pc:spChg>
+        <pc:spChg chg="del">
+          <ac:chgData name="Eric Lunnin (Kforce)" userId="39584a29-d273-41cd-a0f9-2fd8cc174408" providerId="ADAL" clId="{8DF20FB4-2064-4904-8D09-E2A806D7AC74}" dt="2017-05-25T15:47:51.632" v="120" actId="478"/>
+          <ac:spMkLst>
+            <pc:docMk/>
+            <pc:sldMk cId="1271647421" sldId="267"/>
+            <ac:spMk id="189" creationId="{00000000-0000-0000-0000-000000000000}"/>
+          </ac:spMkLst>
+        </pc:spChg>
+        <pc:spChg chg="del">
+          <ac:chgData name="Eric Lunnin (Kforce)" userId="39584a29-d273-41cd-a0f9-2fd8cc174408" providerId="ADAL" clId="{8DF20FB4-2064-4904-8D09-E2A806D7AC74}" dt="2017-05-25T15:47:51.632" v="120" actId="478"/>
+          <ac:spMkLst>
+            <pc:docMk/>
+            <pc:sldMk cId="1271647421" sldId="267"/>
+            <ac:spMk id="194" creationId="{00000000-0000-0000-0000-000000000000}"/>
+          </ac:spMkLst>
+        </pc:spChg>
+        <pc:spChg chg="del">
+          <ac:chgData name="Eric Lunnin (Kforce)" userId="39584a29-d273-41cd-a0f9-2fd8cc174408" providerId="ADAL" clId="{8DF20FB4-2064-4904-8D09-E2A806D7AC74}" dt="2017-05-25T15:47:51.632" v="120" actId="478"/>
+          <ac:spMkLst>
+            <pc:docMk/>
+            <pc:sldMk cId="1271647421" sldId="267"/>
+            <ac:spMk id="195" creationId="{00000000-0000-0000-0000-000000000000}"/>
+          </ac:spMkLst>
+        </pc:spChg>
+        <pc:spChg chg="add mod">
+          <ac:chgData name="Eric Lunnin (Kforce)" userId="39584a29-d273-41cd-a0f9-2fd8cc174408" providerId="ADAL" clId="{8DF20FB4-2064-4904-8D09-E2A806D7AC74}" dt="2017-05-25T18:14:47.642" v="1368" actId="1076"/>
+          <ac:spMkLst>
+            <pc:docMk/>
+            <pc:sldMk cId="1271647421" sldId="267"/>
+            <ac:spMk id="203" creationId="{3FE9A5EB-C642-4512-A168-0B63A6B2D05A}"/>
+          </ac:spMkLst>
+        </pc:spChg>
+        <pc:spChg chg="del mod topLvl">
+          <ac:chgData name="Eric Lunnin (Kforce)" userId="39584a29-d273-41cd-a0f9-2fd8cc174408" providerId="ADAL" clId="{8DF20FB4-2064-4904-8D09-E2A806D7AC74}" dt="2017-05-25T18:10:49.507" v="1309" actId="478"/>
+          <ac:spMkLst>
+            <pc:docMk/>
+            <pc:sldMk cId="1271647421" sldId="267"/>
+            <ac:spMk id="205" creationId="{444BB77F-F34E-4F36-85F6-63C01D965BB4}"/>
+          </ac:spMkLst>
+        </pc:spChg>
+        <pc:spChg chg="mod topLvl">
+          <ac:chgData name="Eric Lunnin (Kforce)" userId="39584a29-d273-41cd-a0f9-2fd8cc174408" providerId="ADAL" clId="{8DF20FB4-2064-4904-8D09-E2A806D7AC74}" dt="2017-05-25T18:14:11.418" v="1361"/>
+          <ac:spMkLst>
+            <pc:docMk/>
+            <pc:sldMk cId="1271647421" sldId="267"/>
+            <ac:spMk id="228" creationId="{D3FD2557-84D8-4790-8902-9CE6595D4F90}"/>
+          </ac:spMkLst>
+        </pc:spChg>
+        <pc:spChg chg="mod">
+          <ac:chgData name="Eric Lunnin (Kforce)" userId="39584a29-d273-41cd-a0f9-2fd8cc174408" providerId="ADAL" clId="{8DF20FB4-2064-4904-8D09-E2A806D7AC74}" dt="2017-05-25T15:44:24.961" v="27" actId="20577"/>
+          <ac:spMkLst>
+            <pc:docMk/>
+            <pc:sldMk cId="1271647421" sldId="267"/>
+            <ac:spMk id="232" creationId="{00000000-0000-0000-0000-000000000000}"/>
+          </ac:spMkLst>
+        </pc:spChg>
+        <pc:spChg chg="del mod topLvl">
+          <ac:chgData name="Eric Lunnin (Kforce)" userId="39584a29-d273-41cd-a0f9-2fd8cc174408" providerId="ADAL" clId="{8DF20FB4-2064-4904-8D09-E2A806D7AC74}" dt="2017-05-25T18:10:50.922" v="1310" actId="478"/>
+          <ac:spMkLst>
+            <pc:docMk/>
+            <pc:sldMk cId="1271647421" sldId="267"/>
+            <ac:spMk id="236" creationId="{583C9C59-5D78-4A20-A473-414EA62EFC90}"/>
+          </ac:spMkLst>
+        </pc:spChg>
+        <pc:spChg chg="mod topLvl">
+          <ac:chgData name="Eric Lunnin (Kforce)" userId="39584a29-d273-41cd-a0f9-2fd8cc174408" providerId="ADAL" clId="{8DF20FB4-2064-4904-8D09-E2A806D7AC74}" dt="2017-05-25T18:13:52.961" v="1357"/>
+          <ac:spMkLst>
+            <pc:docMk/>
+            <pc:sldMk cId="1271647421" sldId="267"/>
+            <ac:spMk id="239" creationId="{7758E77D-333D-497B-AF02-27846903344E}"/>
+          </ac:spMkLst>
+        </pc:spChg>
+        <pc:spChg chg="del mod topLvl">
+          <ac:chgData name="Eric Lunnin (Kforce)" userId="39584a29-d273-41cd-a0f9-2fd8cc174408" providerId="ADAL" clId="{8DF20FB4-2064-4904-8D09-E2A806D7AC74}" dt="2017-05-25T18:10:47.258" v="1308" actId="478"/>
+          <ac:spMkLst>
+            <pc:docMk/>
+            <pc:sldMk cId="1271647421" sldId="267"/>
+            <ac:spMk id="243" creationId="{22E4EE63-4CBC-4C88-A012-C84378F8F719}"/>
+          </ac:spMkLst>
+        </pc:spChg>
+        <pc:spChg chg="mod topLvl">
+          <ac:chgData name="Eric Lunnin (Kforce)" userId="39584a29-d273-41cd-a0f9-2fd8cc174408" providerId="ADAL" clId="{8DF20FB4-2064-4904-8D09-E2A806D7AC74}" dt="2017-05-25T18:14:14.760" v="1362"/>
+          <ac:spMkLst>
+            <pc:docMk/>
+            <pc:sldMk cId="1271647421" sldId="267"/>
+            <ac:spMk id="246" creationId="{2FF361E6-FA1C-499B-B9AC-B18CD0780128}"/>
           </ac:spMkLst>
         </pc:spChg>
         <pc:spChg chg="del mod topLvl">
@@ -1498,195 +1494,115 @@
           </ac:spMkLst>
         </pc:spChg>
         <pc:spChg chg="mod topLvl">
-          <ac:chgData name="Eric Lunnin (Kforce)" userId="39584a29-d273-41cd-a0f9-2fd8cc174408" providerId="ADAL" clId="{8DF20FB4-2064-4904-8D09-E2A806D7AC74}" dt="2017-05-25T18:14:14.760" v="1362" actId="0"/>
-          <ac:spMkLst>
-            <pc:docMk/>
-            <pc:sldMk cId="1271647421" sldId="267"/>
-            <ac:spMk id="246" creationId="{2FF361E6-FA1C-499B-B9AC-B18CD0780128}"/>
-          </ac:spMkLst>
-        </pc:spChg>
-        <pc:spChg chg="del">
-          <ac:chgData name="Eric Lunnin (Kforce)" userId="39584a29-d273-41cd-a0f9-2fd8cc174408" providerId="ADAL" clId="{8DF20FB4-2064-4904-8D09-E2A806D7AC74}" dt="2017-05-25T15:47:51.632" v="120" actId="478"/>
-          <ac:spMkLst>
-            <pc:docMk/>
-            <pc:sldMk cId="1271647421" sldId="267"/>
-            <ac:spMk id="194" creationId="{00000000-0000-0000-0000-000000000000}"/>
-          </ac:spMkLst>
-        </pc:spChg>
-        <pc:spChg chg="mod topLvl">
-          <ac:chgData name="Eric Lunnin (Kforce)" userId="39584a29-d273-41cd-a0f9-2fd8cc174408" providerId="ADAL" clId="{8DF20FB4-2064-4904-8D09-E2A806D7AC74}" dt="2017-05-25T18:14:11.418" v="1361" actId="0"/>
-          <ac:spMkLst>
-            <pc:docMk/>
-            <pc:sldMk cId="1271647421" sldId="267"/>
-            <ac:spMk id="228" creationId="{D3FD2557-84D8-4790-8902-9CE6595D4F90}"/>
-          </ac:spMkLst>
-        </pc:spChg>
-        <pc:spChg chg="add mod">
-          <ac:chgData name="Eric Lunnin (Kforce)" userId="39584a29-d273-41cd-a0f9-2fd8cc174408" providerId="ADAL" clId="{8DF20FB4-2064-4904-8D09-E2A806D7AC74}" dt="2017-05-25T17:57:06.147" v="1234" actId="1036"/>
-          <ac:spMkLst>
-            <pc:docMk/>
-            <pc:sldMk cId="1271647421" sldId="267"/>
-            <ac:spMk id="150" creationId="{BA32FF36-8224-4FCD-84C2-AFC9FF97E768}"/>
-          </ac:spMkLst>
-        </pc:spChg>
-        <pc:spChg chg="add mod">
-          <ac:chgData name="Eric Lunnin (Kforce)" userId="39584a29-d273-41cd-a0f9-2fd8cc174408" providerId="ADAL" clId="{8DF20FB4-2064-4904-8D09-E2A806D7AC74}" dt="2017-05-25T17:50:24.053" v="1140" actId="0"/>
-          <ac:spMkLst>
-            <pc:docMk/>
-            <pc:sldMk cId="1271647421" sldId="267"/>
-            <ac:spMk id="151" creationId="{CCF39DB8-55EC-4ED5-8930-ACB650A44EBC}"/>
-          </ac:spMkLst>
-        </pc:spChg>
-        <pc:spChg chg="del">
-          <ac:chgData name="Eric Lunnin (Kforce)" userId="39584a29-d273-41cd-a0f9-2fd8cc174408" providerId="ADAL" clId="{8DF20FB4-2064-4904-8D09-E2A806D7AC74}" dt="2017-05-25T15:47:51.632" v="120" actId="478"/>
-          <ac:spMkLst>
-            <pc:docMk/>
-            <pc:sldMk cId="1271647421" sldId="267"/>
-            <ac:spMk id="128" creationId="{00000000-0000-0000-0000-000000000000}"/>
-          </ac:spMkLst>
-        </pc:spChg>
-        <pc:spChg chg="del mod topLvl">
-          <ac:chgData name="Eric Lunnin (Kforce)" userId="39584a29-d273-41cd-a0f9-2fd8cc174408" providerId="ADAL" clId="{8DF20FB4-2064-4904-8D09-E2A806D7AC74}" dt="2017-05-25T18:10:50.922" v="1310" actId="478"/>
-          <ac:spMkLst>
-            <pc:docMk/>
-            <pc:sldMk cId="1271647421" sldId="267"/>
-            <ac:spMk id="236" creationId="{583C9C59-5D78-4A20-A473-414EA62EFC90}"/>
-          </ac:spMkLst>
-        </pc:spChg>
-        <pc:spChg chg="del">
-          <ac:chgData name="Eric Lunnin (Kforce)" userId="39584a29-d273-41cd-a0f9-2fd8cc174408" providerId="ADAL" clId="{8DF20FB4-2064-4904-8D09-E2A806D7AC74}" dt="2017-05-25T15:47:51.632" v="120" actId="478"/>
-          <ac:spMkLst>
-            <pc:docMk/>
-            <pc:sldMk cId="1271647421" sldId="267"/>
-            <ac:spMk id="142" creationId="{00000000-0000-0000-0000-000000000000}"/>
-          </ac:spMkLst>
-        </pc:spChg>
-        <pc:spChg chg="del mod topLvl">
-          <ac:chgData name="Eric Lunnin (Kforce)" userId="39584a29-d273-41cd-a0f9-2fd8cc174408" providerId="ADAL" clId="{8DF20FB4-2064-4904-8D09-E2A806D7AC74}" dt="2017-05-25T18:10:49.507" v="1309" actId="478"/>
-          <ac:spMkLst>
-            <pc:docMk/>
-            <pc:sldMk cId="1271647421" sldId="267"/>
-            <ac:spMk id="205" creationId="{444BB77F-F34E-4F36-85F6-63C01D965BB4}"/>
-          </ac:spMkLst>
-        </pc:spChg>
-        <pc:spChg chg="mod topLvl">
-          <ac:chgData name="Eric Lunnin (Kforce)" userId="39584a29-d273-41cd-a0f9-2fd8cc174408" providerId="ADAL" clId="{8DF20FB4-2064-4904-8D09-E2A806D7AC74}" dt="2017-05-25T18:13:49.168" v="1356" actId="0"/>
+          <ac:chgData name="Eric Lunnin (Kforce)" userId="39584a29-d273-41cd-a0f9-2fd8cc174408" providerId="ADAL" clId="{8DF20FB4-2064-4904-8D09-E2A806D7AC74}" dt="2017-05-25T18:13:49.168" v="1356"/>
           <ac:spMkLst>
             <pc:docMk/>
             <pc:sldMk cId="1271647421" sldId="267"/>
             <ac:spMk id="298" creationId="{9825060A-781F-4473-8CE0-8BBE0293AF2B}"/>
           </ac:spMkLst>
         </pc:spChg>
-        <pc:spChg chg="del">
-          <ac:chgData name="Eric Lunnin (Kforce)" userId="39584a29-d273-41cd-a0f9-2fd8cc174408" providerId="ADAL" clId="{8DF20FB4-2064-4904-8D09-E2A806D7AC74}" dt="2017-05-25T15:47:51.632" v="120" actId="478"/>
+        <pc:spChg chg="mod topLvl">
+          <ac:chgData name="Eric Lunnin (Kforce)" userId="39584a29-d273-41cd-a0f9-2fd8cc174408" providerId="ADAL" clId="{8DF20FB4-2064-4904-8D09-E2A806D7AC74}" dt="2017-05-25T18:13:55.239" v="1360" actId="20577"/>
           <ac:spMkLst>
             <pc:docMk/>
             <pc:sldMk cId="1271647421" sldId="267"/>
-            <ac:spMk id="149" creationId="{00000000-0000-0000-0000-000000000000}"/>
+            <ac:spMk id="299" creationId="{C856F22A-6E5F-484C-870C-953B053B952D}"/>
+          </ac:spMkLst>
+        </pc:spChg>
+        <pc:spChg chg="del mod topLvl">
+          <ac:chgData name="Eric Lunnin (Kforce)" userId="39584a29-d273-41cd-a0f9-2fd8cc174408" providerId="ADAL" clId="{8DF20FB4-2064-4904-8D09-E2A806D7AC74}" dt="2017-05-25T18:10:43.974" v="1307" actId="478"/>
+          <ac:spMkLst>
+            <pc:docMk/>
+            <pc:sldMk cId="1271647421" sldId="267"/>
+            <ac:spMk id="301" creationId="{DEB5D89F-1D97-4536-8FFC-57885581ABB3}"/>
+          </ac:spMkLst>
+        </pc:spChg>
+        <pc:spChg chg="mod topLvl">
+          <ac:chgData name="Eric Lunnin (Kforce)" userId="39584a29-d273-41cd-a0f9-2fd8cc174408" providerId="ADAL" clId="{8DF20FB4-2064-4904-8D09-E2A806D7AC74}" dt="2017-05-25T18:14:19.042" v="1363"/>
+          <ac:spMkLst>
+            <pc:docMk/>
+            <pc:sldMk cId="1271647421" sldId="267"/>
+            <ac:spMk id="303" creationId="{B16759CA-F73D-4539-BB60-F141F44453E7}"/>
+          </ac:spMkLst>
+        </pc:spChg>
+        <pc:spChg chg="mod topLvl">
+          <ac:chgData name="Eric Lunnin (Kforce)" userId="39584a29-d273-41cd-a0f9-2fd8cc174408" providerId="ADAL" clId="{8DF20FB4-2064-4904-8D09-E2A806D7AC74}" dt="2017-05-25T18:14:19.042" v="1363"/>
+          <ac:spMkLst>
+            <pc:docMk/>
+            <pc:sldMk cId="1271647421" sldId="267"/>
+            <ac:spMk id="304" creationId="{C0D93852-C8A6-4F26-A15D-FF528A02B6D6}"/>
+          </ac:spMkLst>
+        </pc:spChg>
+        <pc:spChg chg="mod topLvl">
+          <ac:chgData name="Eric Lunnin (Kforce)" userId="39584a29-d273-41cd-a0f9-2fd8cc174408" providerId="ADAL" clId="{8DF20FB4-2064-4904-8D09-E2A806D7AC74}" dt="2017-05-25T17:59:22.845" v="1269" actId="1036"/>
+          <ac:spMkLst>
+            <pc:docMk/>
+            <pc:sldMk cId="1271647421" sldId="267"/>
+            <ac:spMk id="552" creationId="{00000000-0000-0000-0000-000000000000}"/>
+          </ac:spMkLst>
+        </pc:spChg>
+        <pc:spChg chg="mod topLvl">
+          <ac:chgData name="Eric Lunnin (Kforce)" userId="39584a29-d273-41cd-a0f9-2fd8cc174408" providerId="ADAL" clId="{8DF20FB4-2064-4904-8D09-E2A806D7AC74}" dt="2017-05-25T18:07:57.522" v="1276" actId="2711"/>
+          <ac:spMkLst>
+            <pc:docMk/>
+            <pc:sldMk cId="1271647421" sldId="267"/>
+            <ac:spMk id="553" creationId="{00000000-0000-0000-0000-000000000000}"/>
+          </ac:spMkLst>
+        </pc:spChg>
+        <pc:spChg chg="del">
+          <ac:chgData name="Eric Lunnin (Kforce)" userId="39584a29-d273-41cd-a0f9-2fd8cc174408" providerId="ADAL" clId="{8DF20FB4-2064-4904-8D09-E2A806D7AC74}" dt="2017-05-25T15:52:57.257" v="266" actId="478"/>
+          <ac:spMkLst>
+            <pc:docMk/>
+            <pc:sldMk cId="1271647421" sldId="267"/>
+            <ac:spMk id="554" creationId="{00000000-0000-0000-0000-000000000000}"/>
+          </ac:spMkLst>
+        </pc:spChg>
+        <pc:spChg chg="del">
+          <ac:chgData name="Eric Lunnin (Kforce)" userId="39584a29-d273-41cd-a0f9-2fd8cc174408" providerId="ADAL" clId="{8DF20FB4-2064-4904-8D09-E2A806D7AC74}" dt="2017-05-25T15:48:36.529" v="122" actId="478"/>
+          <ac:spMkLst>
+            <pc:docMk/>
+            <pc:sldMk cId="1271647421" sldId="267"/>
+            <ac:spMk id="555" creationId="{00000000-0000-0000-0000-000000000000}"/>
           </ac:spMkLst>
         </pc:spChg>
         <pc:spChg chg="mod">
-          <ac:chgData name="Eric Lunnin (Kforce)" userId="39584a29-d273-41cd-a0f9-2fd8cc174408" providerId="ADAL" clId="{8DF20FB4-2064-4904-8D09-E2A806D7AC74}" dt="2017-05-25T15:44:24.961" v="27" actId="20577"/>
+          <ac:chgData name="Eric Lunnin (Kforce)" userId="39584a29-d273-41cd-a0f9-2fd8cc174408" providerId="ADAL" clId="{8DF20FB4-2064-4904-8D09-E2A806D7AC74}" dt="2017-05-25T18:14:53.328" v="1376" actId="1036"/>
           <ac:spMkLst>
             <pc:docMk/>
             <pc:sldMk cId="1271647421" sldId="267"/>
-            <ac:spMk id="232" creationId="{00000000-0000-0000-0000-000000000000}"/>
+            <ac:spMk id="558" creationId="{00000000-0000-0000-0000-000000000000}"/>
+          </ac:spMkLst>
+        </pc:spChg>
+        <pc:spChg chg="del">
+          <ac:chgData name="Eric Lunnin (Kforce)" userId="39584a29-d273-41cd-a0f9-2fd8cc174408" providerId="ADAL" clId="{8DF20FB4-2064-4904-8D09-E2A806D7AC74}" dt="2017-05-25T15:48:36.529" v="122" actId="478"/>
+          <ac:spMkLst>
+            <pc:docMk/>
+            <pc:sldMk cId="1271647421" sldId="267"/>
+            <ac:spMk id="559" creationId="{00000000-0000-0000-0000-000000000000}"/>
+          </ac:spMkLst>
+        </pc:spChg>
+        <pc:spChg chg="del">
+          <ac:chgData name="Eric Lunnin (Kforce)" userId="39584a29-d273-41cd-a0f9-2fd8cc174408" providerId="ADAL" clId="{8DF20FB4-2064-4904-8D09-E2A806D7AC74}" dt="2017-05-25T15:52:57.257" v="266" actId="478"/>
+          <ac:spMkLst>
+            <pc:docMk/>
+            <pc:sldMk cId="1271647421" sldId="267"/>
+            <ac:spMk id="565" creationId="{00000000-0000-0000-0000-000000000000}"/>
+          </ac:spMkLst>
+        </pc:spChg>
+        <pc:spChg chg="del">
+          <ac:chgData name="Eric Lunnin (Kforce)" userId="39584a29-d273-41cd-a0f9-2fd8cc174408" providerId="ADAL" clId="{8DF20FB4-2064-4904-8D09-E2A806D7AC74}" dt="2017-05-25T15:52:57.257" v="266" actId="478"/>
+          <ac:spMkLst>
+            <pc:docMk/>
+            <pc:sldMk cId="1271647421" sldId="267"/>
+            <ac:spMk id="566" creationId="{00000000-0000-0000-0000-000000000000}"/>
           </ac:spMkLst>
         </pc:spChg>
         <pc:grpChg chg="del mod">
-          <ac:chgData name="Eric Lunnin (Kforce)" userId="39584a29-d273-41cd-a0f9-2fd8cc174408" providerId="ADAL" clId="{8DF20FB4-2064-4904-8D09-E2A806D7AC74}" dt="2017-05-25T15:44:11.821" v="2" actId="0"/>
+          <ac:chgData name="Eric Lunnin (Kforce)" userId="39584a29-d273-41cd-a0f9-2fd8cc174408" providerId="ADAL" clId="{8DF20FB4-2064-4904-8D09-E2A806D7AC74}" dt="2017-05-25T15:44:11.821" v="2"/>
           <ac:grpSpMkLst>
             <pc:docMk/>
             <pc:sldMk cId="1271647421" sldId="267"/>
             <ac:grpSpMk id="2" creationId="{00000000-0000-0000-0000-000000000000}"/>
-          </ac:grpSpMkLst>
-        </pc:grpChg>
-        <pc:grpChg chg="add mod">
-          <ac:chgData name="Eric Lunnin (Kforce)" userId="39584a29-d273-41cd-a0f9-2fd8cc174408" providerId="ADAL" clId="{8DF20FB4-2064-4904-8D09-E2A806D7AC74}" dt="2017-05-25T17:57:06.147" v="1234" actId="1036"/>
-          <ac:grpSpMkLst>
-            <pc:docMk/>
-            <pc:sldMk cId="1271647421" sldId="267"/>
-            <ac:grpSpMk id="12" creationId="{2D6675D8-0207-4DA8-A45F-BD7E1B8B731E}"/>
-          </ac:grpSpMkLst>
-        </pc:grpChg>
-        <pc:grpChg chg="del mod topLvl">
-          <ac:chgData name="Eric Lunnin (Kforce)" userId="39584a29-d273-41cd-a0f9-2fd8cc174408" providerId="ADAL" clId="{8DF20FB4-2064-4904-8D09-E2A806D7AC74}" dt="2017-05-25T18:12:38.248" v="1331" actId="0"/>
-          <ac:grpSpMkLst>
-            <pc:docMk/>
-            <pc:sldMk cId="1271647421" sldId="267"/>
-            <ac:grpSpMk id="244" creationId="{4860129D-AD36-4573-94F5-C116A5A82372}"/>
-          </ac:grpSpMkLst>
-        </pc:grpChg>
-        <pc:grpChg chg="del">
-          <ac:chgData name="Eric Lunnin (Kforce)" userId="39584a29-d273-41cd-a0f9-2fd8cc174408" providerId="ADAL" clId="{8DF20FB4-2064-4904-8D09-E2A806D7AC74}" dt="2017-05-25T15:47:51.632" v="120" actId="478"/>
-          <ac:grpSpMkLst>
-            <pc:docMk/>
-            <pc:sldMk cId="1271647421" sldId="267"/>
-            <ac:grpSpMk id="126" creationId="{00000000-0000-0000-0000-000000000000}"/>
-          </ac:grpSpMkLst>
-        </pc:grpChg>
-        <pc:grpChg chg="add mod">
-          <ac:chgData name="Eric Lunnin (Kforce)" userId="39584a29-d273-41cd-a0f9-2fd8cc174408" providerId="ADAL" clId="{8DF20FB4-2064-4904-8D09-E2A806D7AC74}" dt="2017-05-25T17:57:06.147" v="1234" actId="1036"/>
-          <ac:grpSpMkLst>
-            <pc:docMk/>
-            <pc:sldMk cId="1271647421" sldId="267"/>
-            <ac:grpSpMk id="171" creationId="{598D8D5A-7CCF-4776-9A81-239F95406E3F}"/>
-          </ac:grpSpMkLst>
-        </pc:grpChg>
-        <pc:grpChg chg="add mod">
-          <ac:chgData name="Eric Lunnin (Kforce)" userId="39584a29-d273-41cd-a0f9-2fd8cc174408" providerId="ADAL" clId="{8DF20FB4-2064-4904-8D09-E2A806D7AC74}" dt="2017-05-25T18:14:35.633" v="1366" actId="0"/>
-          <ac:grpSpMkLst>
-            <pc:docMk/>
-            <pc:sldMk cId="1271647421" sldId="267"/>
-            <ac:grpSpMk id="23" creationId="{D0AE2675-43E0-40A8-A805-B44B5BAF54AC}"/>
-          </ac:grpSpMkLst>
-        </pc:grpChg>
-        <pc:grpChg chg="del mod topLvl">
-          <ac:chgData name="Eric Lunnin (Kforce)" userId="39584a29-d273-41cd-a0f9-2fd8cc174408" providerId="ADAL" clId="{8DF20FB4-2064-4904-8D09-E2A806D7AC74}" dt="2017-05-25T18:12:38.248" v="1331" actId="0"/>
-          <ac:grpSpMkLst>
-            <pc:docMk/>
-            <pc:sldMk cId="1271647421" sldId="267"/>
-            <ac:grpSpMk id="297" creationId="{FAEFA466-0C2D-4E5F-ACAD-016B5E09C5E0}"/>
-          </ac:grpSpMkLst>
-        </pc:grpChg>
-        <pc:grpChg chg="add mod">
-          <ac:chgData name="Eric Lunnin (Kforce)" userId="39584a29-d273-41cd-a0f9-2fd8cc174408" providerId="ADAL" clId="{8DF20FB4-2064-4904-8D09-E2A806D7AC74}" dt="2017-05-25T18:14:35.633" v="1366" actId="0"/>
-          <ac:grpSpMkLst>
-            <pc:docMk/>
-            <pc:sldMk cId="1271647421" sldId="267"/>
-            <ac:grpSpMk id="25" creationId="{11E7EAA7-0771-453D-9489-41526BC96556}"/>
-          </ac:grpSpMkLst>
-        </pc:grpChg>
-        <pc:grpChg chg="add del mod">
-          <ac:chgData name="Eric Lunnin (Kforce)" userId="39584a29-d273-41cd-a0f9-2fd8cc174408" providerId="ADAL" clId="{8DF20FB4-2064-4904-8D09-E2A806D7AC74}" dt="2017-05-25T18:10:38.614" v="1305" actId="0"/>
-          <ac:grpSpMkLst>
-            <pc:docMk/>
-            <pc:sldMk cId="1271647421" sldId="267"/>
-            <ac:grpSpMk id="300" creationId="{BBB2A4C6-4927-429E-8A78-11A2E5E4F133}"/>
-          </ac:grpSpMkLst>
-        </pc:grpChg>
-        <pc:grpChg chg="del">
-          <ac:chgData name="Eric Lunnin (Kforce)" userId="39584a29-d273-41cd-a0f9-2fd8cc174408" providerId="ADAL" clId="{8DF20FB4-2064-4904-8D09-E2A806D7AC74}" dt="2017-05-25T15:47:51.632" v="120" actId="478"/>
-          <ac:grpSpMkLst>
-            <pc:docMk/>
-            <pc:sldMk cId="1271647421" sldId="267"/>
-            <ac:grpSpMk id="196" creationId="{00000000-0000-0000-0000-000000000000}"/>
-          </ac:grpSpMkLst>
-        </pc:grpChg>
-        <pc:grpChg chg="add mod">
-          <ac:chgData name="Eric Lunnin (Kforce)" userId="39584a29-d273-41cd-a0f9-2fd8cc174408" providerId="ADAL" clId="{8DF20FB4-2064-4904-8D09-E2A806D7AC74}" dt="2017-05-25T18:14:35.633" v="1366" actId="0"/>
-          <ac:grpSpMkLst>
-            <pc:docMk/>
-            <pc:sldMk cId="1271647421" sldId="267"/>
-            <ac:grpSpMk id="24" creationId="{AF5E9185-1742-4DE0-89A9-BC7D838369FB}"/>
-          </ac:grpSpMkLst>
-        </pc:grpChg>
-        <pc:grpChg chg="add mod">
-          <ac:chgData name="Eric Lunnin (Kforce)" userId="39584a29-d273-41cd-a0f9-2fd8cc174408" providerId="ADAL" clId="{8DF20FB4-2064-4904-8D09-E2A806D7AC74}" dt="2017-05-25T18:14:35.633" v="1366" actId="0"/>
-          <ac:grpSpMkLst>
-            <pc:docMk/>
-            <pc:sldMk cId="1271647421" sldId="267"/>
-            <ac:grpSpMk id="21" creationId="{872B852B-45FE-46CD-AD81-2213096A6BDE}"/>
           </ac:grpSpMkLst>
         </pc:grpChg>
         <pc:grpChg chg="del mod topLvl">
@@ -1698,6 +1614,22 @@
           </ac:grpSpMkLst>
         </pc:grpChg>
         <pc:grpChg chg="del">
+          <ac:chgData name="Eric Lunnin (Kforce)" userId="39584a29-d273-41cd-a0f9-2fd8cc174408" providerId="ADAL" clId="{8DF20FB4-2064-4904-8D09-E2A806D7AC74}" dt="2017-05-25T15:53:01.565" v="267"/>
+          <ac:grpSpMkLst>
+            <pc:docMk/>
+            <pc:sldMk cId="1271647421" sldId="267"/>
+            <ac:grpSpMk id="4" creationId="{00000000-0000-0000-0000-000000000000}"/>
+          </ac:grpSpMkLst>
+        </pc:grpChg>
+        <pc:grpChg chg="del">
+          <ac:chgData name="Eric Lunnin (Kforce)" userId="39584a29-d273-41cd-a0f9-2fd8cc174408" providerId="ADAL" clId="{8DF20FB4-2064-4904-8D09-E2A806D7AC74}" dt="2017-05-25T15:52:57.257" v="266" actId="478"/>
+          <ac:grpSpMkLst>
+            <pc:docMk/>
+            <pc:sldMk cId="1271647421" sldId="267"/>
+            <ac:grpSpMk id="5" creationId="{00000000-0000-0000-0000-000000000000}"/>
+          </ac:grpSpMkLst>
+        </pc:grpChg>
+        <pc:grpChg chg="del">
           <ac:chgData name="Eric Lunnin (Kforce)" userId="39584a29-d273-41cd-a0f9-2fd8cc174408" providerId="ADAL" clId="{8DF20FB4-2064-4904-8D09-E2A806D7AC74}" dt="2017-05-25T15:52:57.257" v="266" actId="478"/>
           <ac:grpSpMkLst>
             <pc:docMk/>
@@ -1705,12 +1637,28 @@
             <ac:grpSpMk id="6" creationId="{00000000-0000-0000-0000-000000000000}"/>
           </ac:grpSpMkLst>
         </pc:grpChg>
-        <pc:grpChg chg="add mod">
-          <ac:chgData name="Eric Lunnin (Kforce)" userId="39584a29-d273-41cd-a0f9-2fd8cc174408" providerId="ADAL" clId="{8DF20FB4-2064-4904-8D09-E2A806D7AC74}" dt="2017-05-25T18:14:35.633" v="1366" actId="0"/>
+        <pc:grpChg chg="del">
+          <ac:chgData name="Eric Lunnin (Kforce)" userId="39584a29-d273-41cd-a0f9-2fd8cc174408" providerId="ADAL" clId="{8DF20FB4-2064-4904-8D09-E2A806D7AC74}" dt="2017-05-25T15:47:51.632" v="120" actId="478"/>
           <ac:grpSpMkLst>
             <pc:docMk/>
             <pc:sldMk cId="1271647421" sldId="267"/>
-            <ac:grpSpMk id="22" creationId="{F39EE0F9-96A9-424F-A61D-086618DF79A4}"/>
+            <ac:grpSpMk id="7" creationId="{00000000-0000-0000-0000-000000000000}"/>
+          </ac:grpSpMkLst>
+        </pc:grpChg>
+        <pc:grpChg chg="del">
+          <ac:chgData name="Eric Lunnin (Kforce)" userId="39584a29-d273-41cd-a0f9-2fd8cc174408" providerId="ADAL" clId="{8DF20FB4-2064-4904-8D09-E2A806D7AC74}" dt="2017-05-25T15:47:51.632" v="120" actId="478"/>
+          <ac:grpSpMkLst>
+            <pc:docMk/>
+            <pc:sldMk cId="1271647421" sldId="267"/>
+            <ac:grpSpMk id="8" creationId="{00000000-0000-0000-0000-000000000000}"/>
+          </ac:grpSpMkLst>
+        </pc:grpChg>
+        <pc:grpChg chg="add mod">
+          <ac:chgData name="Eric Lunnin (Kforce)" userId="39584a29-d273-41cd-a0f9-2fd8cc174408" providerId="ADAL" clId="{8DF20FB4-2064-4904-8D09-E2A806D7AC74}" dt="2017-05-25T17:57:06.147" v="1234" actId="1036"/>
+          <ac:grpSpMkLst>
+            <pc:docMk/>
+            <pc:sldMk cId="1271647421" sldId="267"/>
+            <ac:grpSpMk id="12" creationId="{2D6675D8-0207-4DA8-A45F-BD7E1B8B731E}"/>
           </ac:grpSpMkLst>
         </pc:grpChg>
         <pc:grpChg chg="add mod">
@@ -1721,20 +1669,76 @@
             <ac:grpSpMk id="20" creationId="{27A23175-5884-4E15-9596-E4477EA7B0E1}"/>
           </ac:grpSpMkLst>
         </pc:grpChg>
-        <pc:grpChg chg="add del mod">
-          <ac:chgData name="Eric Lunnin (Kforce)" userId="39584a29-d273-41cd-a0f9-2fd8cc174408" providerId="ADAL" clId="{8DF20FB4-2064-4904-8D09-E2A806D7AC74}" dt="2017-05-25T18:10:38.614" v="1305" actId="0"/>
+        <pc:grpChg chg="add mod">
+          <ac:chgData name="Eric Lunnin (Kforce)" userId="39584a29-d273-41cd-a0f9-2fd8cc174408" providerId="ADAL" clId="{8DF20FB4-2064-4904-8D09-E2A806D7AC74}" dt="2017-05-25T18:14:35.633" v="1366"/>
           <ac:grpSpMkLst>
             <pc:docMk/>
             <pc:sldMk cId="1271647421" sldId="267"/>
-            <ac:grpSpMk id="251" creationId="{328EE07D-D60D-4F4A-93EA-95BF613D4F6A}"/>
+            <ac:grpSpMk id="21" creationId="{872B852B-45FE-46CD-AD81-2213096A6BDE}"/>
+          </ac:grpSpMkLst>
+        </pc:grpChg>
+        <pc:grpChg chg="add mod">
+          <ac:chgData name="Eric Lunnin (Kforce)" userId="39584a29-d273-41cd-a0f9-2fd8cc174408" providerId="ADAL" clId="{8DF20FB4-2064-4904-8D09-E2A806D7AC74}" dt="2017-05-25T18:14:35.633" v="1366"/>
+          <ac:grpSpMkLst>
+            <pc:docMk/>
+            <pc:sldMk cId="1271647421" sldId="267"/>
+            <ac:grpSpMk id="22" creationId="{F39EE0F9-96A9-424F-A61D-086618DF79A4}"/>
+          </ac:grpSpMkLst>
+        </pc:grpChg>
+        <pc:grpChg chg="add mod">
+          <ac:chgData name="Eric Lunnin (Kforce)" userId="39584a29-d273-41cd-a0f9-2fd8cc174408" providerId="ADAL" clId="{8DF20FB4-2064-4904-8D09-E2A806D7AC74}" dt="2017-05-25T18:14:35.633" v="1366"/>
+          <ac:grpSpMkLst>
+            <pc:docMk/>
+            <pc:sldMk cId="1271647421" sldId="267"/>
+            <ac:grpSpMk id="23" creationId="{D0AE2675-43E0-40A8-A805-B44B5BAF54AC}"/>
+          </ac:grpSpMkLst>
+        </pc:grpChg>
+        <pc:grpChg chg="add mod">
+          <ac:chgData name="Eric Lunnin (Kforce)" userId="39584a29-d273-41cd-a0f9-2fd8cc174408" providerId="ADAL" clId="{8DF20FB4-2064-4904-8D09-E2A806D7AC74}" dt="2017-05-25T18:14:35.633" v="1366"/>
+          <ac:grpSpMkLst>
+            <pc:docMk/>
+            <pc:sldMk cId="1271647421" sldId="267"/>
+            <ac:grpSpMk id="24" creationId="{AF5E9185-1742-4DE0-89A9-BC7D838369FB}"/>
+          </ac:grpSpMkLst>
+        </pc:grpChg>
+        <pc:grpChg chg="add mod">
+          <ac:chgData name="Eric Lunnin (Kforce)" userId="39584a29-d273-41cd-a0f9-2fd8cc174408" providerId="ADAL" clId="{8DF20FB4-2064-4904-8D09-E2A806D7AC74}" dt="2017-05-25T18:14:35.633" v="1366"/>
+          <ac:grpSpMkLst>
+            <pc:docMk/>
+            <pc:sldMk cId="1271647421" sldId="267"/>
+            <ac:grpSpMk id="25" creationId="{11E7EAA7-0771-453D-9489-41526BC96556}"/>
+          </ac:grpSpMkLst>
+        </pc:grpChg>
+        <pc:grpChg chg="add mod">
+          <ac:chgData name="Eric Lunnin (Kforce)" userId="39584a29-d273-41cd-a0f9-2fd8cc174408" providerId="ADAL" clId="{8DF20FB4-2064-4904-8D09-E2A806D7AC74}" dt="2017-05-25T18:14:47.642" v="1368" actId="1076"/>
+          <ac:grpSpMkLst>
+            <pc:docMk/>
+            <pc:sldMk cId="1271647421" sldId="267"/>
+            <ac:grpSpMk id="26" creationId="{69537741-4629-4B1D-9892-FCCB29B9A84C}"/>
           </ac:grpSpMkLst>
         </pc:grpChg>
         <pc:grpChg chg="del">
-          <ac:chgData name="Eric Lunnin (Kforce)" userId="39584a29-d273-41cd-a0f9-2fd8cc174408" providerId="ADAL" clId="{8DF20FB4-2064-4904-8D09-E2A806D7AC74}" dt="2017-05-25T15:52:57.257" v="266" actId="478"/>
+          <ac:chgData name="Eric Lunnin (Kforce)" userId="39584a29-d273-41cd-a0f9-2fd8cc174408" providerId="ADAL" clId="{8DF20FB4-2064-4904-8D09-E2A806D7AC74}" dt="2017-05-25T15:47:45.638" v="119" actId="478"/>
           <ac:grpSpMkLst>
             <pc:docMk/>
             <pc:sldMk cId="1271647421" sldId="267"/>
-            <ac:grpSpMk id="250" creationId="{00000000-0000-0000-0000-000000000000}"/>
+            <ac:grpSpMk id="42" creationId="{00000000-0000-0000-0000-000000000000}"/>
+          </ac:grpSpMkLst>
+        </pc:grpChg>
+        <pc:grpChg chg="mod ord topLvl">
+          <ac:chgData name="Eric Lunnin (Kforce)" userId="39584a29-d273-41cd-a0f9-2fd8cc174408" providerId="ADAL" clId="{8DF20FB4-2064-4904-8D09-E2A806D7AC74}" dt="2017-05-25T15:47:06.798" v="106" actId="1038"/>
+          <ac:grpSpMkLst>
+            <pc:docMk/>
+            <pc:sldMk cId="1271647421" sldId="267"/>
+            <ac:grpSpMk id="60" creationId="{00000000-0000-0000-0000-000000000000}"/>
+          </ac:grpSpMkLst>
+        </pc:grpChg>
+        <pc:grpChg chg="del mod topLvl">
+          <ac:chgData name="Eric Lunnin (Kforce)" userId="39584a29-d273-41cd-a0f9-2fd8cc174408" providerId="ADAL" clId="{8DF20FB4-2064-4904-8D09-E2A806D7AC74}" dt="2017-05-25T15:44:31.132" v="28" actId="478"/>
+          <ac:grpSpMkLst>
+            <pc:docMk/>
+            <pc:sldMk cId="1271647421" sldId="267"/>
+            <ac:grpSpMk id="62" creationId="{00000000-0000-0000-0000-000000000000}"/>
           </ac:grpSpMkLst>
         </pc:grpChg>
         <pc:grpChg chg="del">
@@ -1745,12 +1749,20 @@
             <ac:grpSpMk id="124" creationId="{00000000-0000-0000-0000-000000000000}"/>
           </ac:grpSpMkLst>
         </pc:grpChg>
-        <pc:grpChg chg="add del mod">
-          <ac:chgData name="Eric Lunnin (Kforce)" userId="39584a29-d273-41cd-a0f9-2fd8cc174408" providerId="ADAL" clId="{8DF20FB4-2064-4904-8D09-E2A806D7AC74}" dt="2017-05-25T17:55:27.716" v="1211" actId="478"/>
+        <pc:grpChg chg="del">
+          <ac:chgData name="Eric Lunnin (Kforce)" userId="39584a29-d273-41cd-a0f9-2fd8cc174408" providerId="ADAL" clId="{8DF20FB4-2064-4904-8D09-E2A806D7AC74}" dt="2017-05-25T15:47:51.632" v="120" actId="478"/>
           <ac:grpSpMkLst>
             <pc:docMk/>
             <pc:sldMk cId="1271647421" sldId="267"/>
-            <ac:grpSpMk id="167" creationId="{C10A1420-79D2-4DED-960B-CF2B58861608}"/>
+            <ac:grpSpMk id="125" creationId="{00000000-0000-0000-0000-000000000000}"/>
+          </ac:grpSpMkLst>
+        </pc:grpChg>
+        <pc:grpChg chg="del">
+          <ac:chgData name="Eric Lunnin (Kforce)" userId="39584a29-d273-41cd-a0f9-2fd8cc174408" providerId="ADAL" clId="{8DF20FB4-2064-4904-8D09-E2A806D7AC74}" dt="2017-05-25T15:47:51.632" v="120" actId="478"/>
+          <ac:grpSpMkLst>
+            <pc:docMk/>
+            <pc:sldMk cId="1271647421" sldId="267"/>
+            <ac:grpSpMk id="126" creationId="{00000000-0000-0000-0000-000000000000}"/>
           </ac:grpSpMkLst>
         </pc:grpChg>
         <pc:grpChg chg="del">
@@ -1762,11 +1774,19 @@
           </ac:grpSpMkLst>
         </pc:grpChg>
         <pc:grpChg chg="add del mod">
-          <ac:chgData name="Eric Lunnin (Kforce)" userId="39584a29-d273-41cd-a0f9-2fd8cc174408" providerId="ADAL" clId="{8DF20FB4-2064-4904-8D09-E2A806D7AC74}" dt="2017-05-25T18:10:38.614" v="1305" actId="0"/>
+          <ac:chgData name="Eric Lunnin (Kforce)" userId="39584a29-d273-41cd-a0f9-2fd8cc174408" providerId="ADAL" clId="{8DF20FB4-2064-4904-8D09-E2A806D7AC74}" dt="2017-05-25T17:55:27.716" v="1211" actId="478"/>
           <ac:grpSpMkLst>
             <pc:docMk/>
             <pc:sldMk cId="1271647421" sldId="267"/>
-            <ac:grpSpMk id="235" creationId="{403F419D-677F-4DF9-95BC-D444E8C1E827}"/>
+            <ac:grpSpMk id="167" creationId="{C10A1420-79D2-4DED-960B-CF2B58861608}"/>
+          </ac:grpSpMkLst>
+        </pc:grpChg>
+        <pc:grpChg chg="add mod">
+          <ac:chgData name="Eric Lunnin (Kforce)" userId="39584a29-d273-41cd-a0f9-2fd8cc174408" providerId="ADAL" clId="{8DF20FB4-2064-4904-8D09-E2A806D7AC74}" dt="2017-05-25T17:57:06.147" v="1234" actId="1036"/>
+          <ac:grpSpMkLst>
+            <pc:docMk/>
+            <pc:sldMk cId="1271647421" sldId="267"/>
+            <ac:grpSpMk id="171" creationId="{598D8D5A-7CCF-4776-9A81-239F95406E3F}"/>
           </ac:grpSpMkLst>
         </pc:grpChg>
         <pc:grpChg chg="del">
@@ -1774,67 +1794,43 @@
           <ac:grpSpMkLst>
             <pc:docMk/>
             <pc:sldMk cId="1271647421" sldId="267"/>
-            <ac:grpSpMk id="8" creationId="{00000000-0000-0000-0000-000000000000}"/>
+            <ac:grpSpMk id="196" creationId="{00000000-0000-0000-0000-000000000000}"/>
+          </ac:grpSpMkLst>
+        </pc:grpChg>
+        <pc:grpChg chg="add del mod">
+          <ac:chgData name="Eric Lunnin (Kforce)" userId="39584a29-d273-41cd-a0f9-2fd8cc174408" providerId="ADAL" clId="{8DF20FB4-2064-4904-8D09-E2A806D7AC74}" dt="2017-05-25T18:10:38.614" v="1305"/>
+          <ac:grpSpMkLst>
+            <pc:docMk/>
+            <pc:sldMk cId="1271647421" sldId="267"/>
+            <ac:grpSpMk id="204" creationId="{9111164A-551B-411A-95F4-3F33E4C15117}"/>
+          </ac:grpSpMkLst>
+        </pc:grpChg>
+        <pc:grpChg chg="del mod topLvl">
+          <ac:chgData name="Eric Lunnin (Kforce)" userId="39584a29-d273-41cd-a0f9-2fd8cc174408" providerId="ADAL" clId="{8DF20FB4-2064-4904-8D09-E2A806D7AC74}" dt="2017-05-25T18:12:38.248" v="1331"/>
+          <ac:grpSpMkLst>
+            <pc:docMk/>
+            <pc:sldMk cId="1271647421" sldId="267"/>
+            <ac:grpSpMk id="224" creationId="{FFEEE25C-FAC8-4173-88DE-6E7BD4490117}"/>
           </ac:grpSpMkLst>
         </pc:grpChg>
         <pc:grpChg chg="mod topLvl">
-          <ac:chgData name="Eric Lunnin (Kforce)" userId="39584a29-d273-41cd-a0f9-2fd8cc174408" providerId="ADAL" clId="{8DF20FB4-2064-4904-8D09-E2A806D7AC74}" dt="2017-05-25T18:14:35.633" v="1366" actId="0"/>
+          <ac:chgData name="Eric Lunnin (Kforce)" userId="39584a29-d273-41cd-a0f9-2fd8cc174408" providerId="ADAL" clId="{8DF20FB4-2064-4904-8D09-E2A806D7AC74}" dt="2017-05-25T18:14:35.633" v="1366"/>
           <ac:grpSpMkLst>
             <pc:docMk/>
             <pc:sldMk cId="1271647421" sldId="267"/>
             <ac:grpSpMk id="225" creationId="{C9870901-CCC9-4752-8925-F7AB8C85E7F9}"/>
           </ac:grpSpMkLst>
         </pc:grpChg>
-        <pc:grpChg chg="del">
-          <ac:chgData name="Eric Lunnin (Kforce)" userId="39584a29-d273-41cd-a0f9-2fd8cc174408" providerId="ADAL" clId="{8DF20FB4-2064-4904-8D09-E2A806D7AC74}" dt="2017-05-25T15:47:51.632" v="120" actId="478"/>
+        <pc:grpChg chg="add del mod">
+          <ac:chgData name="Eric Lunnin (Kforce)" userId="39584a29-d273-41cd-a0f9-2fd8cc174408" providerId="ADAL" clId="{8DF20FB4-2064-4904-8D09-E2A806D7AC74}" dt="2017-05-25T18:10:38.614" v="1305"/>
           <ac:grpSpMkLst>
             <pc:docMk/>
             <pc:sldMk cId="1271647421" sldId="267"/>
-            <ac:grpSpMk id="125" creationId="{00000000-0000-0000-0000-000000000000}"/>
+            <ac:grpSpMk id="235" creationId="{403F419D-677F-4DF9-95BC-D444E8C1E827}"/>
           </ac:grpSpMkLst>
         </pc:grpChg>
         <pc:grpChg chg="del mod topLvl">
-          <ac:chgData name="Eric Lunnin (Kforce)" userId="39584a29-d273-41cd-a0f9-2fd8cc174408" providerId="ADAL" clId="{8DF20FB4-2064-4904-8D09-E2A806D7AC74}" dt="2017-05-25T15:44:31.132" v="28" actId="478"/>
-          <ac:grpSpMkLst>
-            <pc:docMk/>
-            <pc:sldMk cId="1271647421" sldId="267"/>
-            <ac:grpSpMk id="62" creationId="{00000000-0000-0000-0000-000000000000}"/>
-          </ac:grpSpMkLst>
-        </pc:grpChg>
-        <pc:grpChg chg="del mod topLvl">
-          <ac:chgData name="Eric Lunnin (Kforce)" userId="39584a29-d273-41cd-a0f9-2fd8cc174408" providerId="ADAL" clId="{8DF20FB4-2064-4904-8D09-E2A806D7AC74}" dt="2017-05-25T18:12:38.248" v="1331" actId="0"/>
-          <ac:grpSpMkLst>
-            <pc:docMk/>
-            <pc:sldMk cId="1271647421" sldId="267"/>
-            <ac:grpSpMk id="224" creationId="{FFEEE25C-FAC8-4173-88DE-6E7BD4490117}"/>
-          </ac:grpSpMkLst>
-        </pc:grpChg>
-        <pc:grpChg chg="add mod">
-          <ac:chgData name="Eric Lunnin (Kforce)" userId="39584a29-d273-41cd-a0f9-2fd8cc174408" providerId="ADAL" clId="{8DF20FB4-2064-4904-8D09-E2A806D7AC74}" dt="2017-05-25T18:14:47.642" v="1368" actId="1076"/>
-          <ac:grpSpMkLst>
-            <pc:docMk/>
-            <pc:sldMk cId="1271647421" sldId="267"/>
-            <ac:grpSpMk id="26" creationId="{69537741-4629-4B1D-9892-FCCB29B9A84C}"/>
-          </ac:grpSpMkLst>
-        </pc:grpChg>
-        <pc:grpChg chg="del">
-          <ac:chgData name="Eric Lunnin (Kforce)" userId="39584a29-d273-41cd-a0f9-2fd8cc174408" providerId="ADAL" clId="{8DF20FB4-2064-4904-8D09-E2A806D7AC74}" dt="2017-05-25T15:47:51.632" v="120" actId="478"/>
-          <ac:grpSpMkLst>
-            <pc:docMk/>
-            <pc:sldMk cId="1271647421" sldId="267"/>
-            <ac:grpSpMk id="7" creationId="{00000000-0000-0000-0000-000000000000}"/>
-          </ac:grpSpMkLst>
-        </pc:grpChg>
-        <pc:grpChg chg="del mod topLvl">
-          <ac:chgData name="Eric Lunnin (Kforce)" userId="39584a29-d273-41cd-a0f9-2fd8cc174408" providerId="ADAL" clId="{8DF20FB4-2064-4904-8D09-E2A806D7AC74}" dt="2017-05-25T18:12:38.248" v="1331" actId="0"/>
-          <ac:grpSpMkLst>
-            <pc:docMk/>
-            <pc:sldMk cId="1271647421" sldId="267"/>
-            <ac:grpSpMk id="302" creationId="{040DBF81-A22A-4EBD-BF0E-C674F37C0B8D}"/>
-          </ac:grpSpMkLst>
-        </pc:grpChg>
-        <pc:grpChg chg="del mod topLvl">
-          <ac:chgData name="Eric Lunnin (Kforce)" userId="39584a29-d273-41cd-a0f9-2fd8cc174408" providerId="ADAL" clId="{8DF20FB4-2064-4904-8D09-E2A806D7AC74}" dt="2017-05-25T18:12:38.248" v="1331" actId="0"/>
+          <ac:chgData name="Eric Lunnin (Kforce)" userId="39584a29-d273-41cd-a0f9-2fd8cc174408" providerId="ADAL" clId="{8DF20FB4-2064-4904-8D09-E2A806D7AC74}" dt="2017-05-25T18:12:38.248" v="1331"/>
           <ac:grpSpMkLst>
             <pc:docMk/>
             <pc:sldMk cId="1271647421" sldId="267"/>
@@ -1842,7 +1838,31 @@
           </ac:grpSpMkLst>
         </pc:grpChg>
         <pc:grpChg chg="mod topLvl">
-          <ac:chgData name="Eric Lunnin (Kforce)" userId="39584a29-d273-41cd-a0f9-2fd8cc174408" providerId="ADAL" clId="{8DF20FB4-2064-4904-8D09-E2A806D7AC74}" dt="2017-05-25T18:14:35.633" v="1366" actId="0"/>
+          <ac:chgData name="Eric Lunnin (Kforce)" userId="39584a29-d273-41cd-a0f9-2fd8cc174408" providerId="ADAL" clId="{8DF20FB4-2064-4904-8D09-E2A806D7AC74}" dt="2017-05-25T18:14:35.633" v="1366"/>
+          <ac:grpSpMkLst>
+            <pc:docMk/>
+            <pc:sldMk cId="1271647421" sldId="267"/>
+            <ac:grpSpMk id="238" creationId="{504083B6-AF70-4472-AD93-5F3FF99D74F2}"/>
+          </ac:grpSpMkLst>
+        </pc:grpChg>
+        <pc:grpChg chg="add del mod">
+          <ac:chgData name="Eric Lunnin (Kforce)" userId="39584a29-d273-41cd-a0f9-2fd8cc174408" providerId="ADAL" clId="{8DF20FB4-2064-4904-8D09-E2A806D7AC74}" dt="2017-05-25T18:10:38.614" v="1305"/>
+          <ac:grpSpMkLst>
+            <pc:docMk/>
+            <pc:sldMk cId="1271647421" sldId="267"/>
+            <ac:grpSpMk id="242" creationId="{4BFD66AA-47DC-41B9-8C66-F8B7ACD81B5E}"/>
+          </ac:grpSpMkLst>
+        </pc:grpChg>
+        <pc:grpChg chg="del mod topLvl">
+          <ac:chgData name="Eric Lunnin (Kforce)" userId="39584a29-d273-41cd-a0f9-2fd8cc174408" providerId="ADAL" clId="{8DF20FB4-2064-4904-8D09-E2A806D7AC74}" dt="2017-05-25T18:12:38.248" v="1331"/>
+          <ac:grpSpMkLst>
+            <pc:docMk/>
+            <pc:sldMk cId="1271647421" sldId="267"/>
+            <ac:grpSpMk id="244" creationId="{4860129D-AD36-4573-94F5-C116A5A82372}"/>
+          </ac:grpSpMkLst>
+        </pc:grpChg>
+        <pc:grpChg chg="mod topLvl">
+          <ac:chgData name="Eric Lunnin (Kforce)" userId="39584a29-d273-41cd-a0f9-2fd8cc174408" providerId="ADAL" clId="{8DF20FB4-2064-4904-8D09-E2A806D7AC74}" dt="2017-05-25T18:14:35.633" v="1366"/>
           <ac:grpSpMkLst>
             <pc:docMk/>
             <pc:sldMk cId="1271647421" sldId="267"/>
@@ -1854,57 +1874,49 @@
           <ac:grpSpMkLst>
             <pc:docMk/>
             <pc:sldMk cId="1271647421" sldId="267"/>
-            <ac:grpSpMk id="5" creationId="{00000000-0000-0000-0000-000000000000}"/>
+            <ac:grpSpMk id="250" creationId="{00000000-0000-0000-0000-000000000000}"/>
           </ac:grpSpMkLst>
         </pc:grpChg>
         <pc:grpChg chg="add del mod">
-          <ac:chgData name="Eric Lunnin (Kforce)" userId="39584a29-d273-41cd-a0f9-2fd8cc174408" providerId="ADAL" clId="{8DF20FB4-2064-4904-8D09-E2A806D7AC74}" dt="2017-05-25T18:10:38.614" v="1305" actId="0"/>
+          <ac:chgData name="Eric Lunnin (Kforce)" userId="39584a29-d273-41cd-a0f9-2fd8cc174408" providerId="ADAL" clId="{8DF20FB4-2064-4904-8D09-E2A806D7AC74}" dt="2017-05-25T18:10:38.614" v="1305"/>
           <ac:grpSpMkLst>
             <pc:docMk/>
             <pc:sldMk cId="1271647421" sldId="267"/>
-            <ac:grpSpMk id="242" creationId="{4BFD66AA-47DC-41B9-8C66-F8B7ACD81B5E}"/>
+            <ac:grpSpMk id="251" creationId="{328EE07D-D60D-4F4A-93EA-95BF613D4F6A}"/>
+          </ac:grpSpMkLst>
+        </pc:grpChg>
+        <pc:grpChg chg="del mod topLvl">
+          <ac:chgData name="Eric Lunnin (Kforce)" userId="39584a29-d273-41cd-a0f9-2fd8cc174408" providerId="ADAL" clId="{8DF20FB4-2064-4904-8D09-E2A806D7AC74}" dt="2017-05-25T18:12:38.248" v="1331"/>
+          <ac:grpSpMkLst>
+            <pc:docMk/>
+            <pc:sldMk cId="1271647421" sldId="267"/>
+            <ac:grpSpMk id="297" creationId="{FAEFA466-0C2D-4E5F-ACAD-016B5E09C5E0}"/>
           </ac:grpSpMkLst>
         </pc:grpChg>
         <pc:grpChg chg="add del mod">
-          <ac:chgData name="Eric Lunnin (Kforce)" userId="39584a29-d273-41cd-a0f9-2fd8cc174408" providerId="ADAL" clId="{8DF20FB4-2064-4904-8D09-E2A806D7AC74}" dt="2017-05-25T18:10:38.614" v="1305" actId="0"/>
+          <ac:chgData name="Eric Lunnin (Kforce)" userId="39584a29-d273-41cd-a0f9-2fd8cc174408" providerId="ADAL" clId="{8DF20FB4-2064-4904-8D09-E2A806D7AC74}" dt="2017-05-25T18:10:38.614" v="1305"/>
           <ac:grpSpMkLst>
             <pc:docMk/>
             <pc:sldMk cId="1271647421" sldId="267"/>
-            <ac:grpSpMk id="204" creationId="{9111164A-551B-411A-95F4-3F33E4C15117}"/>
+            <ac:grpSpMk id="300" creationId="{BBB2A4C6-4927-429E-8A78-11A2E5E4F133}"/>
           </ac:grpSpMkLst>
         </pc:grpChg>
-        <pc:grpChg chg="del">
-          <ac:chgData name="Eric Lunnin (Kforce)" userId="39584a29-d273-41cd-a0f9-2fd8cc174408" providerId="ADAL" clId="{8DF20FB4-2064-4904-8D09-E2A806D7AC74}" dt="2017-05-25T15:47:45.638" v="119" actId="478"/>
+        <pc:grpChg chg="del mod topLvl">
+          <ac:chgData name="Eric Lunnin (Kforce)" userId="39584a29-d273-41cd-a0f9-2fd8cc174408" providerId="ADAL" clId="{8DF20FB4-2064-4904-8D09-E2A806D7AC74}" dt="2017-05-25T18:12:38.248" v="1331"/>
           <ac:grpSpMkLst>
             <pc:docMk/>
             <pc:sldMk cId="1271647421" sldId="267"/>
-            <ac:grpSpMk id="42" creationId="{00000000-0000-0000-0000-000000000000}"/>
+            <ac:grpSpMk id="302" creationId="{040DBF81-A22A-4EBD-BF0E-C674F37C0B8D}"/>
           </ac:grpSpMkLst>
         </pc:grpChg>
-        <pc:grpChg chg="del">
-          <ac:chgData name="Eric Lunnin (Kforce)" userId="39584a29-d273-41cd-a0f9-2fd8cc174408" providerId="ADAL" clId="{8DF20FB4-2064-4904-8D09-E2A806D7AC74}" dt="2017-05-25T15:53:01.565" v="267" actId="0"/>
-          <ac:grpSpMkLst>
+        <pc:picChg chg="del">
+          <ac:chgData name="Eric Lunnin (Kforce)" userId="39584a29-d273-41cd-a0f9-2fd8cc174408" providerId="ADAL" clId="{8DF20FB4-2064-4904-8D09-E2A806D7AC74}" dt="2017-05-25T15:47:51.632" v="120" actId="478"/>
+          <ac:picMkLst>
             <pc:docMk/>
             <pc:sldMk cId="1271647421" sldId="267"/>
-            <ac:grpSpMk id="4" creationId="{00000000-0000-0000-0000-000000000000}"/>
-          </ac:grpSpMkLst>
-        </pc:grpChg>
-        <pc:grpChg chg="mod ord topLvl">
-          <ac:chgData name="Eric Lunnin (Kforce)" userId="39584a29-d273-41cd-a0f9-2fd8cc174408" providerId="ADAL" clId="{8DF20FB4-2064-4904-8D09-E2A806D7AC74}" dt="2017-05-25T15:47:06.798" v="106" actId="1038"/>
-          <ac:grpSpMkLst>
-            <pc:docMk/>
-            <pc:sldMk cId="1271647421" sldId="267"/>
-            <ac:grpSpMk id="60" creationId="{00000000-0000-0000-0000-000000000000}"/>
-          </ac:grpSpMkLst>
-        </pc:grpChg>
-        <pc:grpChg chg="mod topLvl">
-          <ac:chgData name="Eric Lunnin (Kforce)" userId="39584a29-d273-41cd-a0f9-2fd8cc174408" providerId="ADAL" clId="{8DF20FB4-2064-4904-8D09-E2A806D7AC74}" dt="2017-05-25T18:14:35.633" v="1366" actId="0"/>
-          <ac:grpSpMkLst>
-            <pc:docMk/>
-            <pc:sldMk cId="1271647421" sldId="267"/>
-            <ac:grpSpMk id="238" creationId="{504083B6-AF70-4472-AD93-5F3FF99D74F2}"/>
-          </ac:grpSpMkLst>
-        </pc:grpChg>
+            <ac:picMk id="132" creationId="{00000000-0000-0000-0000-000000000000}"/>
+          </ac:picMkLst>
+        </pc:picChg>
         <pc:picChg chg="add mod ord">
           <ac:chgData name="Eric Lunnin (Kforce)" userId="39584a29-d273-41cd-a0f9-2fd8cc174408" providerId="ADAL" clId="{8DF20FB4-2064-4904-8D09-E2A806D7AC74}" dt="2017-05-25T15:45:18.536" v="65" actId="171"/>
           <ac:picMkLst>
@@ -1922,19 +1934,19 @@
           </ac:picMkLst>
         </pc:picChg>
         <pc:picChg chg="del">
-          <ac:chgData name="Eric Lunnin (Kforce)" userId="39584a29-d273-41cd-a0f9-2fd8cc174408" providerId="ADAL" clId="{8DF20FB4-2064-4904-8D09-E2A806D7AC74}" dt="2017-05-25T15:47:51.632" v="120" actId="478"/>
-          <ac:picMkLst>
-            <pc:docMk/>
-            <pc:sldMk cId="1271647421" sldId="267"/>
-            <ac:picMk id="132" creationId="{00000000-0000-0000-0000-000000000000}"/>
-          </ac:picMkLst>
-        </pc:picChg>
-        <pc:picChg chg="del">
           <ac:chgData name="Eric Lunnin (Kforce)" userId="39584a29-d273-41cd-a0f9-2fd8cc174408" providerId="ADAL" clId="{8DF20FB4-2064-4904-8D09-E2A806D7AC74}" dt="2017-05-25T15:52:57.257" v="266" actId="478"/>
           <ac:picMkLst>
             <pc:docMk/>
             <pc:sldMk cId="1271647421" sldId="267"/>
             <ac:picMk id="179" creationId="{00000000-0000-0000-0000-000000000000}"/>
+          </ac:picMkLst>
+        </pc:picChg>
+        <pc:picChg chg="del mod topLvl">
+          <ac:chgData name="Eric Lunnin (Kforce)" userId="39584a29-d273-41cd-a0f9-2fd8cc174408" providerId="ADAL" clId="{8DF20FB4-2064-4904-8D09-E2A806D7AC74}" dt="2017-05-25T15:44:31.132" v="28" actId="478"/>
+          <ac:picMkLst>
+            <pc:docMk/>
+            <pc:sldMk cId="1271647421" sldId="267"/>
+            <ac:picMk id="187" creationId="{00000000-0000-0000-0000-000000000000}"/>
           </ac:picMkLst>
         </pc:picChg>
         <pc:picChg chg="del mod topLvl">
@@ -1953,20 +1965,44 @@
             <ac:picMk id="249" creationId="{00000000-0000-0000-0000-000000000000}"/>
           </ac:picMkLst>
         </pc:picChg>
-        <pc:picChg chg="del mod topLvl">
-          <ac:chgData name="Eric Lunnin (Kforce)" userId="39584a29-d273-41cd-a0f9-2fd8cc174408" providerId="ADAL" clId="{8DF20FB4-2064-4904-8D09-E2A806D7AC74}" dt="2017-05-25T15:44:31.132" v="28" actId="478"/>
-          <ac:picMkLst>
+        <pc:cxnChg chg="add mod ord">
+          <ac:chgData name="Eric Lunnin (Kforce)" userId="39584a29-d273-41cd-a0f9-2fd8cc174408" providerId="ADAL" clId="{8DF20FB4-2064-4904-8D09-E2A806D7AC74}" dt="2017-05-25T17:57:06.147" v="1234" actId="1036"/>
+          <ac:cxnSpMkLst>
             <pc:docMk/>
             <pc:sldMk cId="1271647421" sldId="267"/>
-            <ac:picMk id="187" creationId="{00000000-0000-0000-0000-000000000000}"/>
-          </ac:picMkLst>
-        </pc:picChg>
+            <ac:cxnSpMk id="14" creationId="{4C3AD4FC-2908-4596-9380-F96AD72A1662}"/>
+          </ac:cxnSpMkLst>
+        </pc:cxnChg>
         <pc:cxnChg chg="add mod">
           <ac:chgData name="Eric Lunnin (Kforce)" userId="39584a29-d273-41cd-a0f9-2fd8cc174408" providerId="ADAL" clId="{8DF20FB4-2064-4904-8D09-E2A806D7AC74}" dt="2017-05-25T17:56:12.631" v="1216" actId="692"/>
           <ac:cxnSpMkLst>
             <pc:docMk/>
             <pc:sldMk cId="1271647421" sldId="267"/>
             <ac:cxnSpMk id="19" creationId="{38F4C056-A1F0-414E-834F-9C5AAC14DBB0}"/>
+          </ac:cxnSpMkLst>
+        </pc:cxnChg>
+        <pc:cxnChg chg="add mod">
+          <ac:chgData name="Eric Lunnin (Kforce)" userId="39584a29-d273-41cd-a0f9-2fd8cc174408" providerId="ADAL" clId="{8DF20FB4-2064-4904-8D09-E2A806D7AC74}" dt="2017-05-25T17:57:06.147" v="1234" actId="1036"/>
+          <ac:cxnSpMkLst>
+            <pc:docMk/>
+            <pc:sldMk cId="1271647421" sldId="267"/>
+            <ac:cxnSpMk id="160" creationId="{8CAB6D4C-5212-4D90-AEC6-3589E467EC61}"/>
+          </ac:cxnSpMkLst>
+        </pc:cxnChg>
+        <pc:cxnChg chg="add mod">
+          <ac:chgData name="Eric Lunnin (Kforce)" userId="39584a29-d273-41cd-a0f9-2fd8cc174408" providerId="ADAL" clId="{8DF20FB4-2064-4904-8D09-E2A806D7AC74}" dt="2017-05-25T17:56:12.631" v="1216" actId="692"/>
+          <ac:cxnSpMkLst>
+            <pc:docMk/>
+            <pc:sldMk cId="1271647421" sldId="267"/>
+            <ac:cxnSpMk id="165" creationId="{78720054-824E-4890-8E1F-929E2C09083C}"/>
+          </ac:cxnSpMkLst>
+        </pc:cxnChg>
+        <pc:cxnChg chg="mod">
+          <ac:chgData name="Eric Lunnin (Kforce)" userId="39584a29-d273-41cd-a0f9-2fd8cc174408" providerId="ADAL" clId="{8DF20FB4-2064-4904-8D09-E2A806D7AC74}" dt="2017-05-25T17:56:12.631" v="1216" actId="692"/>
+          <ac:cxnSpMkLst>
+            <pc:docMk/>
+            <pc:sldMk cId="1271647421" sldId="267"/>
+            <ac:cxnSpMk id="201" creationId="{9AA4B57C-C791-4D74-AE69-8C1FF733C7CE}"/>
           </ac:cxnSpMkLst>
         </pc:cxnChg>
         <pc:cxnChg chg="mod">
@@ -1985,44 +2021,12 @@
             <ac:cxnSpMk id="561" creationId="{00000000-0000-0000-0000-000000000000}"/>
           </ac:cxnSpMkLst>
         </pc:cxnChg>
-        <pc:cxnChg chg="mod">
-          <ac:chgData name="Eric Lunnin (Kforce)" userId="39584a29-d273-41cd-a0f9-2fd8cc174408" providerId="ADAL" clId="{8DF20FB4-2064-4904-8D09-E2A806D7AC74}" dt="2017-05-25T17:56:12.631" v="1216" actId="692"/>
-          <ac:cxnSpMkLst>
-            <pc:docMk/>
-            <pc:sldMk cId="1271647421" sldId="267"/>
-            <ac:cxnSpMk id="201" creationId="{9AA4B57C-C791-4D74-AE69-8C1FF733C7CE}"/>
-          </ac:cxnSpMkLst>
-        </pc:cxnChg>
         <pc:cxnChg chg="del">
           <ac:chgData name="Eric Lunnin (Kforce)" userId="39584a29-d273-41cd-a0f9-2fd8cc174408" providerId="ADAL" clId="{8DF20FB4-2064-4904-8D09-E2A806D7AC74}" dt="2017-05-25T15:47:59.821" v="121" actId="478"/>
           <ac:cxnSpMkLst>
             <pc:docMk/>
             <pc:sldMk cId="1271647421" sldId="267"/>
             <ac:cxnSpMk id="562" creationId="{00000000-0000-0000-0000-000000000000}"/>
-          </ac:cxnSpMkLst>
-        </pc:cxnChg>
-        <pc:cxnChg chg="add mod ord">
-          <ac:chgData name="Eric Lunnin (Kforce)" userId="39584a29-d273-41cd-a0f9-2fd8cc174408" providerId="ADAL" clId="{8DF20FB4-2064-4904-8D09-E2A806D7AC74}" dt="2017-05-25T17:57:06.147" v="1234" actId="1036"/>
-          <ac:cxnSpMkLst>
-            <pc:docMk/>
-            <pc:sldMk cId="1271647421" sldId="267"/>
-            <ac:cxnSpMk id="14" creationId="{4C3AD4FC-2908-4596-9380-F96AD72A1662}"/>
-          </ac:cxnSpMkLst>
-        </pc:cxnChg>
-        <pc:cxnChg chg="add mod">
-          <ac:chgData name="Eric Lunnin (Kforce)" userId="39584a29-d273-41cd-a0f9-2fd8cc174408" providerId="ADAL" clId="{8DF20FB4-2064-4904-8D09-E2A806D7AC74}" dt="2017-05-25T17:56:12.631" v="1216" actId="692"/>
-          <ac:cxnSpMkLst>
-            <pc:docMk/>
-            <pc:sldMk cId="1271647421" sldId="267"/>
-            <ac:cxnSpMk id="165" creationId="{78720054-824E-4890-8E1F-929E2C09083C}"/>
-          </ac:cxnSpMkLst>
-        </pc:cxnChg>
-        <pc:cxnChg chg="add mod">
-          <ac:chgData name="Eric Lunnin (Kforce)" userId="39584a29-d273-41cd-a0f9-2fd8cc174408" providerId="ADAL" clId="{8DF20FB4-2064-4904-8D09-E2A806D7AC74}" dt="2017-05-25T17:57:06.147" v="1234" actId="1036"/>
-          <ac:cxnSpMkLst>
-            <pc:docMk/>
-            <pc:sldMk cId="1271647421" sldId="267"/>
-            <ac:cxnSpMk id="160" creationId="{8CAB6D4C-5212-4D90-AEC6-3589E467EC61}"/>
           </ac:cxnSpMkLst>
         </pc:cxnChg>
       </pc:sldChg>
@@ -2113,7 +2117,7 @@
           <a:p>
             <a:fld id="{6587238D-C8CF-467F-96F1-5569C8E3D49D}" type="datetimeFigureOut">
               <a:rPr lang="en-US" smtClean="0"/>
-              <a:t>5/25/2017</a:t>
+              <a:t>7/25/2017</a:t>
             </a:fld>
             <a:endParaRPr lang="en-US" dirty="0"/>
           </a:p>
@@ -6961,7 +6965,7 @@
                 <a:ea typeface="Calibri" panose="020F0502020204030204" pitchFamily="34" charset="0"/>
                 <a:cs typeface="Segoe UI Semilight" panose="020B0402040204020203" pitchFamily="34" charset="0"/>
               </a:rPr>
-              <a:t>Call Center Automation (CCA) is the ideal solution to satisfy this consumer need. This solution can easily be implemented by businesses with no call center solution to build and improve customer relations. Companies with a manned call center, or older automated solution, can utilize CCA for better customer satisfaction and optimizing costs and productivity.</a:t>
+              <a:t>Interactive Voice Response (IVR) Bot is the ideal solution to satisfy this consumer need. This solution can easily be implemented by businesses with no call center solution to build and improve customer relations. Companies with a manned call center, or older automated solution, can utilize IVR Bot for better customer satisfaction and optimizing costs and productivity.</a:t>
             </a:r>
           </a:p>
           <a:p>
@@ -6984,7 +6988,7 @@
                 <a:ea typeface="Calibri" panose="020F0502020204030204" pitchFamily="34" charset="0"/>
                 <a:cs typeface="Segoe UI Semilight" panose="020B0402040204020203" pitchFamily="34" charset="0"/>
               </a:rPr>
-              <a:t>Call Center Automation provides an intelligent, natural and easy self-service experience that can be repurposed across other customer service channels. </a:t>
+              <a:t>IVR Bot provides an intelligent, natural and easy self-service experience that can be repurposed across other customer service channels. </a:t>
             </a:r>
           </a:p>
         </p:txBody>
@@ -7223,7 +7227,7 @@
                     <a:latin typeface="Segoe UI Semilight" panose="020B0402040204020203" pitchFamily="34" charset="0"/>
                     <a:cs typeface="Segoe UI Semilight" panose="020B0402040204020203" pitchFamily="34" charset="0"/>
                   </a:rPr>
-                  <a:t>Call Center Automation</a:t>
+                  <a:t>Interactive Voice Response Bot</a:t>
                 </a:r>
               </a:p>
             </p:txBody>
@@ -16121,7 +16125,7 @@
                 <a:ea typeface="Segoe UI" pitchFamily="34" charset="0"/>
                 <a:cs typeface="Segoe UI Semilight" panose="020B0402040204020203" pitchFamily="34" charset="0"/>
               </a:rPr>
-              <a:t>Call Center Automation provides a natural self-service feature for customers which improves customer relations while reducing costs and improving profit margins. </a:t>
+              <a:t>IVR Bot provides a natural self-service feature for customers which improves customer relations while reducing costs and improving profit margins. </a:t>
             </a:r>
           </a:p>
           <a:p>
@@ -16187,7 +16191,7 @@
                 <a:ea typeface="Segoe UI" pitchFamily="34" charset="0"/>
                 <a:cs typeface="Segoe UI Semilight" panose="020B0402040204020203" pitchFamily="34" charset="0"/>
               </a:rPr>
-              <a:t>Cortana Intelligence Suite offers advanced capabilities for data ingestion, storage, and processing, and advanced  analytics allowing our customers to build robust energy demand forecasting solutions.</a:t>
+              <a:t>Cortana Intelligence Suite offers advanced capabilities for data ingestion, storage, and processing, and advanced  analytics allowing our customers to build robust customer service solutions.</a:t>
             </a:r>
             <a:endParaRPr lang="en-IN" sz="1200" dirty="0">
               <a:solidFill>
